--- a/weekly presentations/7 Fixed Point Oblivious Amplitude Amplification with QSVT.pptx
+++ b/weekly presentations/7 Fixed Point Oblivious Amplitude Amplification with QSVT.pptx
@@ -5,7 +5,7 @@
     <p:sldMasterId id="2147483648" r:id="rId1"/>
   </p:sldMasterIdLst>
   <p:notesMasterIdLst>
-    <p:notesMasterId r:id="rId11"/>
+    <p:notesMasterId r:id="rId14"/>
   </p:notesMasterIdLst>
   <p:sldIdLst>
     <p:sldId id="256" r:id="rId2"/>
@@ -17,6 +17,9 @@
     <p:sldId id="263" r:id="rId8"/>
     <p:sldId id="264" r:id="rId9"/>
     <p:sldId id="265" r:id="rId10"/>
+    <p:sldId id="266" r:id="rId11"/>
+    <p:sldId id="267" r:id="rId12"/>
+    <p:sldId id="268" r:id="rId13"/>
   </p:sldIdLst>
   <p:sldSz cx="12192000" cy="6858000"/>
   <p:notesSz cx="6858000" cy="9144000"/>
@@ -115,34 +118,46 @@
       </a:defRPr>
     </a:lvl9pPr>
   </p:defaultTextStyle>
+  <p:extLst>
+    <p:ext uri="{EFAFB233-063F-42B5-8137-9DF3F51BA10A}">
+      <p15:sldGuideLst xmlns:p15="http://schemas.microsoft.com/office/powerpoint/2012/main"/>
+    </p:ext>
+  </p:extLst>
 </p:presentation>
-</file>
-
-<file path=ppt/revisionInfo.xml><?xml version="1.0" encoding="utf-8"?>
-<p1510:revInfo xmlns:a="http://schemas.openxmlformats.org/drawingml/2006/main" xmlns:r="http://schemas.openxmlformats.org/officeDocument/2006/relationships" xmlns:p1510="http://schemas.microsoft.com/office/powerpoint/2015/10/main">
-  <p1510:revLst>
-    <p1510:client id="{D2F166AF-F34D-40A1-84F2-872941BD73EE}" v="167" dt="2025-06-09T06:22:36.465"/>
-  </p1510:revLst>
-</p1510:revInfo>
 </file>
 
 <file path=ppt/changesInfos/changesInfo1.xml><?xml version="1.0" encoding="utf-8"?>
 <pc:chgInfo xmlns:a="http://schemas.openxmlformats.org/drawingml/2006/main" xmlns:r="http://schemas.openxmlformats.org/officeDocument/2006/relationships" xmlns:ac="http://schemas.microsoft.com/office/drawing/2013/main/command" xmlns:pc="http://schemas.microsoft.com/office/powerpoint/2013/main/command">
   <pc:docChgLst>
     <pc:chgData name="Sharan Krishnan" userId="d960a99d961c8714" providerId="LiveId" clId="{D2F166AF-F34D-40A1-84F2-872941BD73EE}"/>
-    <pc:docChg chg="custSel addSld modSld">
-      <pc:chgData name="Sharan Krishnan" userId="d960a99d961c8714" providerId="LiveId" clId="{D2F166AF-F34D-40A1-84F2-872941BD73EE}" dt="2025-06-09T06:22:36.465" v="394" actId="20577"/>
+    <pc:docChg chg="undo custSel addSld delSld modSld">
+      <pc:chgData name="Sharan Krishnan" userId="d960a99d961c8714" providerId="LiveId" clId="{D2F166AF-F34D-40A1-84F2-872941BD73EE}" dt="2025-06-15T08:16:17.744" v="3503" actId="729"/>
       <pc:docMkLst>
         <pc:docMk/>
       </pc:docMkLst>
-      <pc:sldChg chg="modSp">
-        <pc:chgData name="Sharan Krishnan" userId="d960a99d961c8714" providerId="LiveId" clId="{D2F166AF-F34D-40A1-84F2-872941BD73EE}" dt="2025-06-09T06:22:36.465" v="394" actId="20577"/>
+      <pc:sldChg chg="modSp mod">
+        <pc:chgData name="Sharan Krishnan" userId="d960a99d961c8714" providerId="LiveId" clId="{D2F166AF-F34D-40A1-84F2-872941BD73EE}" dt="2025-06-13T10:18:03.274" v="3484" actId="20577"/>
+        <pc:sldMkLst>
+          <pc:docMk/>
+          <pc:sldMk cId="1590391405" sldId="257"/>
+        </pc:sldMkLst>
+        <pc:spChg chg="mod">
+          <ac:chgData name="Sharan Krishnan" userId="d960a99d961c8714" providerId="LiveId" clId="{D2F166AF-F34D-40A1-84F2-872941BD73EE}" dt="2025-06-13T10:18:03.274" v="3484" actId="20577"/>
+          <ac:spMkLst>
+            <pc:docMk/>
+            <pc:sldMk cId="1590391405" sldId="257"/>
+            <ac:spMk id="3" creationId="{05ECBDBA-7C9D-5859-8DE9-8B427CD6A090}"/>
+          </ac:spMkLst>
+        </pc:spChg>
+      </pc:sldChg>
+      <pc:sldChg chg="modSp mod">
+        <pc:chgData name="Sharan Krishnan" userId="d960a99d961c8714" providerId="LiveId" clId="{D2F166AF-F34D-40A1-84F2-872941BD73EE}" dt="2025-06-13T04:25:17.340" v="1335" actId="20577"/>
         <pc:sldMkLst>
           <pc:docMk/>
           <pc:sldMk cId="844990345" sldId="261"/>
         </pc:sldMkLst>
         <pc:spChg chg="mod">
-          <ac:chgData name="Sharan Krishnan" userId="d960a99d961c8714" providerId="LiveId" clId="{D2F166AF-F34D-40A1-84F2-872941BD73EE}" dt="2025-06-09T06:22:36.465" v="394" actId="20577"/>
+          <ac:chgData name="Sharan Krishnan" userId="d960a99d961c8714" providerId="LiveId" clId="{D2F166AF-F34D-40A1-84F2-872941BD73EE}" dt="2025-06-13T04:25:17.340" v="1335" actId="20577"/>
           <ac:spMkLst>
             <pc:docMk/>
             <pc:sldMk cId="844990345" sldId="261"/>
@@ -151,40 +166,145 @@
         </pc:spChg>
       </pc:sldChg>
       <pc:sldChg chg="modSp mod">
-        <pc:chgData name="Sharan Krishnan" userId="d960a99d961c8714" providerId="LiveId" clId="{D2F166AF-F34D-40A1-84F2-872941BD73EE}" dt="2025-06-09T06:18:53.667" v="309" actId="20577"/>
+        <pc:chgData name="Sharan Krishnan" userId="d960a99d961c8714" providerId="LiveId" clId="{D2F166AF-F34D-40A1-84F2-872941BD73EE}" dt="2025-06-13T05:18:13.333" v="2442" actId="20577"/>
+        <pc:sldMkLst>
+          <pc:docMk/>
+          <pc:sldMk cId="2000315856" sldId="262"/>
+        </pc:sldMkLst>
+        <pc:spChg chg="mod">
+          <ac:chgData name="Sharan Krishnan" userId="d960a99d961c8714" providerId="LiveId" clId="{D2F166AF-F34D-40A1-84F2-872941BD73EE}" dt="2025-06-13T05:18:13.333" v="2442" actId="20577"/>
+          <ac:spMkLst>
+            <pc:docMk/>
+            <pc:sldMk cId="2000315856" sldId="262"/>
+            <ac:spMk id="3" creationId="{82144CD1-B871-7D45-32AC-3A3AEBB70F26}"/>
+          </ac:spMkLst>
+        </pc:spChg>
+      </pc:sldChg>
+      <pc:sldChg chg="modSp mod">
+        <pc:chgData name="Sharan Krishnan" userId="d960a99d961c8714" providerId="LiveId" clId="{D2F166AF-F34D-40A1-84F2-872941BD73EE}" dt="2025-06-13T05:24:25.878" v="2469" actId="1076"/>
+        <pc:sldMkLst>
+          <pc:docMk/>
+          <pc:sldMk cId="2548408158" sldId="263"/>
+        </pc:sldMkLst>
+        <pc:spChg chg="mod">
+          <ac:chgData name="Sharan Krishnan" userId="d960a99d961c8714" providerId="LiveId" clId="{D2F166AF-F34D-40A1-84F2-872941BD73EE}" dt="2025-06-13T05:24:25.878" v="2469" actId="1076"/>
+          <ac:spMkLst>
+            <pc:docMk/>
+            <pc:sldMk cId="2548408158" sldId="263"/>
+            <ac:spMk id="3" creationId="{7F4EED21-7EAB-8C73-B1EA-066937F78BD5}"/>
+          </ac:spMkLst>
+        </pc:spChg>
+      </pc:sldChg>
+      <pc:sldChg chg="modSp del mod">
+        <pc:chgData name="Sharan Krishnan" userId="d960a99d961c8714" providerId="LiveId" clId="{D2F166AF-F34D-40A1-84F2-872941BD73EE}" dt="2025-06-13T03:17:02.362" v="395" actId="47"/>
         <pc:sldMkLst>
           <pc:docMk/>
           <pc:sldMk cId="915114181" sldId="264"/>
         </pc:sldMkLst>
+      </pc:sldChg>
+      <pc:sldChg chg="modSp new mod">
+        <pc:chgData name="Sharan Krishnan" userId="d960a99d961c8714" providerId="LiveId" clId="{D2F166AF-F34D-40A1-84F2-872941BD73EE}" dt="2025-06-13T05:28:34.423" v="2510" actId="20577"/>
+        <pc:sldMkLst>
+          <pc:docMk/>
+          <pc:sldMk cId="1753112279" sldId="264"/>
+        </pc:sldMkLst>
         <pc:spChg chg="mod">
-          <ac:chgData name="Sharan Krishnan" userId="d960a99d961c8714" providerId="LiveId" clId="{D2F166AF-F34D-40A1-84F2-872941BD73EE}" dt="2025-06-09T05:34:49.279" v="33" actId="20577"/>
+          <ac:chgData name="Sharan Krishnan" userId="d960a99d961c8714" providerId="LiveId" clId="{D2F166AF-F34D-40A1-84F2-872941BD73EE}" dt="2025-06-13T03:17:27.407" v="419" actId="20577"/>
           <ac:spMkLst>
             <pc:docMk/>
-            <pc:sldMk cId="915114181" sldId="264"/>
-            <ac:spMk id="2" creationId="{F7FA5CE7-2EF5-3088-8AE3-7D2F902334AE}"/>
+            <pc:sldMk cId="1753112279" sldId="264"/>
+            <ac:spMk id="2" creationId="{8B097B8F-C055-86E7-5ED9-82CE271ED24D}"/>
           </ac:spMkLst>
         </pc:spChg>
         <pc:spChg chg="mod">
-          <ac:chgData name="Sharan Krishnan" userId="d960a99d961c8714" providerId="LiveId" clId="{D2F166AF-F34D-40A1-84F2-872941BD73EE}" dt="2025-06-09T06:18:53.667" v="309" actId="20577"/>
+          <ac:chgData name="Sharan Krishnan" userId="d960a99d961c8714" providerId="LiveId" clId="{D2F166AF-F34D-40A1-84F2-872941BD73EE}" dt="2025-06-13T05:28:34.423" v="2510" actId="20577"/>
           <ac:spMkLst>
             <pc:docMk/>
-            <pc:sldMk cId="915114181" sldId="264"/>
-            <ac:spMk id="3" creationId="{A4439FC6-7A87-3400-2BD8-B06C801C58DD}"/>
+            <pc:sldMk cId="1753112279" sldId="264"/>
+            <ac:spMk id="3" creationId="{66F9C179-04CD-6E1E-442F-409359D905B6}"/>
+          </ac:spMkLst>
+        </pc:spChg>
+      </pc:sldChg>
+      <pc:sldChg chg="modSp add mod">
+        <pc:chgData name="Sharan Krishnan" userId="d960a99d961c8714" providerId="LiveId" clId="{D2F166AF-F34D-40A1-84F2-872941BD73EE}" dt="2025-06-13T04:23:48.618" v="1331" actId="20577"/>
+        <pc:sldMkLst>
+          <pc:docMk/>
+          <pc:sldMk cId="2866660738" sldId="265"/>
+        </pc:sldMkLst>
+        <pc:spChg chg="mod">
+          <ac:chgData name="Sharan Krishnan" userId="d960a99d961c8714" providerId="LiveId" clId="{D2F166AF-F34D-40A1-84F2-872941BD73EE}" dt="2025-06-13T04:23:48.618" v="1331" actId="20577"/>
+          <ac:spMkLst>
+            <pc:docMk/>
+            <pc:sldMk cId="2866660738" sldId="265"/>
+            <ac:spMk id="3" creationId="{9C60E02D-D6E4-F018-E9B9-3294539E5615}"/>
+          </ac:spMkLst>
+        </pc:spChg>
+      </pc:sldChg>
+      <pc:sldChg chg="modSp new del mod">
+        <pc:chgData name="Sharan Krishnan" userId="d960a99d961c8714" providerId="LiveId" clId="{D2F166AF-F34D-40A1-84F2-872941BD73EE}" dt="2025-06-13T03:17:08.159" v="396" actId="47"/>
+        <pc:sldMkLst>
+          <pc:docMk/>
+          <pc:sldMk cId="3559990424" sldId="265"/>
+        </pc:sldMkLst>
+      </pc:sldChg>
+      <pc:sldChg chg="modSp new mod">
+        <pc:chgData name="Sharan Krishnan" userId="d960a99d961c8714" providerId="LiveId" clId="{D2F166AF-F34D-40A1-84F2-872941BD73EE}" dt="2025-06-13T10:20:28.565" v="3488" actId="20577"/>
+        <pc:sldMkLst>
+          <pc:docMk/>
+          <pc:sldMk cId="1785193322" sldId="266"/>
+        </pc:sldMkLst>
+        <pc:spChg chg="mod">
+          <ac:chgData name="Sharan Krishnan" userId="d960a99d961c8714" providerId="LiveId" clId="{D2F166AF-F34D-40A1-84F2-872941BD73EE}" dt="2025-06-13T04:31:10.458" v="1527" actId="20577"/>
+          <ac:spMkLst>
+            <pc:docMk/>
+            <pc:sldMk cId="1785193322" sldId="266"/>
+            <ac:spMk id="2" creationId="{9DEF0216-FEDB-E895-B353-49D2903A0C81}"/>
+          </ac:spMkLst>
+        </pc:spChg>
+        <pc:spChg chg="mod">
+          <ac:chgData name="Sharan Krishnan" userId="d960a99d961c8714" providerId="LiveId" clId="{D2F166AF-F34D-40A1-84F2-872941BD73EE}" dt="2025-06-13T10:20:28.565" v="3488" actId="20577"/>
+          <ac:spMkLst>
+            <pc:docMk/>
+            <pc:sldMk cId="1785193322" sldId="266"/>
+            <ac:spMk id="3" creationId="{18755D77-C9CE-04C2-7021-02C9D554177A}"/>
           </ac:spMkLst>
         </pc:spChg>
       </pc:sldChg>
       <pc:sldChg chg="modSp new mod">
-        <pc:chgData name="Sharan Krishnan" userId="d960a99d961c8714" providerId="LiveId" clId="{D2F166AF-F34D-40A1-84F2-872941BD73EE}" dt="2025-06-09T06:19:48.281" v="392" actId="20577"/>
+        <pc:chgData name="Sharan Krishnan" userId="d960a99d961c8714" providerId="LiveId" clId="{D2F166AF-F34D-40A1-84F2-872941BD73EE}" dt="2025-06-13T10:35:12.621" v="3502" actId="20577"/>
         <pc:sldMkLst>
           <pc:docMk/>
-          <pc:sldMk cId="3559990424" sldId="265"/>
+          <pc:sldMk cId="2277734282" sldId="267"/>
         </pc:sldMkLst>
         <pc:spChg chg="mod">
-          <ac:chgData name="Sharan Krishnan" userId="d960a99d961c8714" providerId="LiveId" clId="{D2F166AF-F34D-40A1-84F2-872941BD73EE}" dt="2025-06-09T06:19:48.281" v="392" actId="20577"/>
+          <ac:chgData name="Sharan Krishnan" userId="d960a99d961c8714" providerId="LiveId" clId="{D2F166AF-F34D-40A1-84F2-872941BD73EE}" dt="2025-06-13T04:42:42.837" v="1921" actId="20577"/>
           <ac:spMkLst>
             <pc:docMk/>
-            <pc:sldMk cId="3559990424" sldId="265"/>
-            <ac:spMk id="3" creationId="{3CB10342-CF95-8D8C-B759-1FC9DDA868F6}"/>
+            <pc:sldMk cId="2277734282" sldId="267"/>
+            <ac:spMk id="2" creationId="{8EE42976-5A7A-ABFB-DB17-D94656D0A904}"/>
+          </ac:spMkLst>
+        </pc:spChg>
+        <pc:spChg chg="mod">
+          <ac:chgData name="Sharan Krishnan" userId="d960a99d961c8714" providerId="LiveId" clId="{D2F166AF-F34D-40A1-84F2-872941BD73EE}" dt="2025-06-13T10:35:12.621" v="3502" actId="20577"/>
+          <ac:spMkLst>
+            <pc:docMk/>
+            <pc:sldMk cId="2277734282" sldId="267"/>
+            <ac:spMk id="3" creationId="{228598A4-4DF6-9ED3-244E-7D46D4182DEC}"/>
+          </ac:spMkLst>
+        </pc:spChg>
+      </pc:sldChg>
+      <pc:sldChg chg="delSp modSp new mod modShow">
+        <pc:chgData name="Sharan Krishnan" userId="d960a99d961c8714" providerId="LiveId" clId="{D2F166AF-F34D-40A1-84F2-872941BD73EE}" dt="2025-06-15T08:16:17.744" v="3503" actId="729"/>
+        <pc:sldMkLst>
+          <pc:docMk/>
+          <pc:sldMk cId="839836634" sldId="268"/>
+        </pc:sldMkLst>
+        <pc:spChg chg="mod">
+          <ac:chgData name="Sharan Krishnan" userId="d960a99d961c8714" providerId="LiveId" clId="{D2F166AF-F34D-40A1-84F2-872941BD73EE}" dt="2025-06-13T07:01:13.495" v="3461" actId="20577"/>
+          <ac:spMkLst>
+            <pc:docMk/>
+            <pc:sldMk cId="839836634" sldId="268"/>
+            <ac:spMk id="3" creationId="{C5E596A3-C173-08FE-BA8C-0C9F658BA7D2}"/>
           </ac:spMkLst>
         </pc:spChg>
       </pc:sldChg>
@@ -275,7 +395,7 @@
           <a:p>
             <a:fld id="{0FC1F183-57A1-4FB2-B629-9DC063F8BA59}" type="datetimeFigureOut">
               <a:rPr lang="en-AU" smtClean="0"/>
-              <a:t>5/06/2025</a:t>
+              <a:t>13/06/2025</a:t>
             </a:fld>
             <a:endParaRPr lang="en-AU"/>
           </a:p>
@@ -776,7 +896,7 @@
           <a:p>
             <a:fld id="{461C02C9-D545-4ACB-B28C-BF2AA32713CF}" type="datetimeFigureOut">
               <a:rPr lang="en-AU" smtClean="0"/>
-              <a:t>5/06/2025</a:t>
+              <a:t>13/06/2025</a:t>
             </a:fld>
             <a:endParaRPr lang="en-AU"/>
           </a:p>
@@ -976,7 +1096,7 @@
           <a:p>
             <a:fld id="{461C02C9-D545-4ACB-B28C-BF2AA32713CF}" type="datetimeFigureOut">
               <a:rPr lang="en-AU" smtClean="0"/>
-              <a:t>5/06/2025</a:t>
+              <a:t>13/06/2025</a:t>
             </a:fld>
             <a:endParaRPr lang="en-AU"/>
           </a:p>
@@ -1186,7 +1306,7 @@
           <a:p>
             <a:fld id="{461C02C9-D545-4ACB-B28C-BF2AA32713CF}" type="datetimeFigureOut">
               <a:rPr lang="en-AU" smtClean="0"/>
-              <a:t>5/06/2025</a:t>
+              <a:t>13/06/2025</a:t>
             </a:fld>
             <a:endParaRPr lang="en-AU"/>
           </a:p>
@@ -1386,7 +1506,7 @@
           <a:p>
             <a:fld id="{461C02C9-D545-4ACB-B28C-BF2AA32713CF}" type="datetimeFigureOut">
               <a:rPr lang="en-AU" smtClean="0"/>
-              <a:t>5/06/2025</a:t>
+              <a:t>13/06/2025</a:t>
             </a:fld>
             <a:endParaRPr lang="en-AU"/>
           </a:p>
@@ -1662,7 +1782,7 @@
           <a:p>
             <a:fld id="{461C02C9-D545-4ACB-B28C-BF2AA32713CF}" type="datetimeFigureOut">
               <a:rPr lang="en-AU" smtClean="0"/>
-              <a:t>5/06/2025</a:t>
+              <a:t>13/06/2025</a:t>
             </a:fld>
             <a:endParaRPr lang="en-AU"/>
           </a:p>
@@ -1930,7 +2050,7 @@
           <a:p>
             <a:fld id="{461C02C9-D545-4ACB-B28C-BF2AA32713CF}" type="datetimeFigureOut">
               <a:rPr lang="en-AU" smtClean="0"/>
-              <a:t>5/06/2025</a:t>
+              <a:t>13/06/2025</a:t>
             </a:fld>
             <a:endParaRPr lang="en-AU"/>
           </a:p>
@@ -2345,7 +2465,7 @@
           <a:p>
             <a:fld id="{461C02C9-D545-4ACB-B28C-BF2AA32713CF}" type="datetimeFigureOut">
               <a:rPr lang="en-AU" smtClean="0"/>
-              <a:t>5/06/2025</a:t>
+              <a:t>13/06/2025</a:t>
             </a:fld>
             <a:endParaRPr lang="en-AU"/>
           </a:p>
@@ -2487,7 +2607,7 @@
           <a:p>
             <a:fld id="{461C02C9-D545-4ACB-B28C-BF2AA32713CF}" type="datetimeFigureOut">
               <a:rPr lang="en-AU" smtClean="0"/>
-              <a:t>5/06/2025</a:t>
+              <a:t>13/06/2025</a:t>
             </a:fld>
             <a:endParaRPr lang="en-AU"/>
           </a:p>
@@ -2600,7 +2720,7 @@
           <a:p>
             <a:fld id="{461C02C9-D545-4ACB-B28C-BF2AA32713CF}" type="datetimeFigureOut">
               <a:rPr lang="en-AU" smtClean="0"/>
-              <a:t>5/06/2025</a:t>
+              <a:t>13/06/2025</a:t>
             </a:fld>
             <a:endParaRPr lang="en-AU"/>
           </a:p>
@@ -2913,7 +3033,7 @@
           <a:p>
             <a:fld id="{461C02C9-D545-4ACB-B28C-BF2AA32713CF}" type="datetimeFigureOut">
               <a:rPr lang="en-AU" smtClean="0"/>
-              <a:t>5/06/2025</a:t>
+              <a:t>13/06/2025</a:t>
             </a:fld>
             <a:endParaRPr lang="en-AU"/>
           </a:p>
@@ -3202,7 +3322,7 @@
           <a:p>
             <a:fld id="{461C02C9-D545-4ACB-B28C-BF2AA32713CF}" type="datetimeFigureOut">
               <a:rPr lang="en-AU" smtClean="0"/>
-              <a:t>5/06/2025</a:t>
+              <a:t>13/06/2025</a:t>
             </a:fld>
             <a:endParaRPr lang="en-AU"/>
           </a:p>
@@ -3445,7 +3565,7 @@
           <a:p>
             <a:fld id="{461C02C9-D545-4ACB-B28C-BF2AA32713CF}" type="datetimeFigureOut">
               <a:rPr lang="en-AU" smtClean="0"/>
-              <a:t>5/06/2025</a:t>
+              <a:t>13/06/2025</a:t>
             </a:fld>
             <a:endParaRPr lang="en-AU"/>
           </a:p>
@@ -3933,6 +4053,3327 @@
 </p:sld>
 </file>
 
+<file path=ppt/slides/slide10.xml><?xml version="1.0" encoding="utf-8"?>
+<p:sld xmlns:a="http://schemas.openxmlformats.org/drawingml/2006/main" xmlns:r="http://schemas.openxmlformats.org/officeDocument/2006/relationships" xmlns:p="http://schemas.openxmlformats.org/presentationml/2006/main">
+  <p:cSld>
+    <p:spTree>
+      <p:nvGrpSpPr>
+        <p:cNvPr id="1" name=""/>
+        <p:cNvGrpSpPr/>
+        <p:nvPr/>
+      </p:nvGrpSpPr>
+      <p:grpSpPr>
+        <a:xfrm>
+          <a:off x="0" y="0"/>
+          <a:ext cx="0" cy="0"/>
+          <a:chOff x="0" y="0"/>
+          <a:chExt cx="0" cy="0"/>
+        </a:xfrm>
+      </p:grpSpPr>
+      <p:sp>
+        <p:nvSpPr>
+          <p:cNvPr id="2" name="Title 1">
+            <a:extLst>
+              <a:ext uri="{FF2B5EF4-FFF2-40B4-BE49-F238E27FC236}">
+                <a16:creationId xmlns:a16="http://schemas.microsoft.com/office/drawing/2014/main" id="{9DEF0216-FEDB-E895-B353-49D2903A0C81}"/>
+              </a:ext>
+            </a:extLst>
+          </p:cNvPr>
+          <p:cNvSpPr>
+            <a:spLocks noGrp="1"/>
+          </p:cNvSpPr>
+          <p:nvPr>
+            <p:ph type="title"/>
+          </p:nvPr>
+        </p:nvSpPr>
+        <p:spPr/>
+        <p:txBody>
+          <a:bodyPr/>
+          <a:lstStyle/>
+          <a:p>
+            <a:r>
+              <a:rPr lang="en-AU" dirty="0"/>
+              <a:t>Proof sketch</a:t>
+            </a:r>
+          </a:p>
+        </p:txBody>
+      </p:sp>
+      <mc:AlternateContent xmlns:mc="http://schemas.openxmlformats.org/markup-compatibility/2006">
+        <mc:Choice xmlns:a14="http://schemas.microsoft.com/office/drawing/2010/main" Requires="a14">
+          <p:sp>
+            <p:nvSpPr>
+              <p:cNvPr id="3" name="Content Placeholder 2">
+                <a:extLst>
+                  <a:ext uri="{FF2B5EF4-FFF2-40B4-BE49-F238E27FC236}">
+                    <a16:creationId xmlns:a16="http://schemas.microsoft.com/office/drawing/2014/main" id="{18755D77-C9CE-04C2-7021-02C9D554177A}"/>
+                  </a:ext>
+                </a:extLst>
+              </p:cNvPr>
+              <p:cNvSpPr>
+                <a:spLocks noGrp="1"/>
+              </p:cNvSpPr>
+              <p:nvPr>
+                <p:ph idx="1"/>
+              </p:nvPr>
+            </p:nvSpPr>
+            <p:spPr/>
+            <p:txBody>
+              <a:bodyPr>
+                <a:normAutofit fontScale="85000" lnSpcReduction="20000"/>
+              </a:bodyPr>
+              <a:lstStyle/>
+              <a:p>
+                <a:pPr marL="0" indent="0">
+                  <a:buNone/>
+                </a:pPr>
+                <a:r>
+                  <a:rPr lang="en-AU" dirty="0"/>
+                  <a:t>Recall that the QSVT algorithm is</a:t>
+                </a:r>
+              </a:p>
+              <a:p>
+                <a:pPr marL="0" indent="0">
+                  <a:buNone/>
+                </a:pPr>
+                <a14:m>
+                  <m:oMathPara xmlns:m="http://schemas.openxmlformats.org/officeDocument/2006/math">
+                    <m:oMathParaPr>
+                      <m:jc m:val="centerGroup"/>
+                    </m:oMathParaPr>
+                    <m:oMath xmlns:m="http://schemas.openxmlformats.org/officeDocument/2006/math">
+                      <m:sSub>
+                        <m:sSubPr>
+                          <m:ctrlPr>
+                            <a:rPr lang="en-AU" i="1" dirty="0">
+                              <a:latin typeface="Cambria Math" panose="02040503050406030204" pitchFamily="18" charset="0"/>
+                            </a:rPr>
+                          </m:ctrlPr>
+                        </m:sSubPr>
+                        <m:e>
+                          <m:acc>
+                            <m:accPr>
+                              <m:chr m:val="̃"/>
+                              <m:ctrlPr>
+                                <a:rPr lang="en-AU" i="1">
+                                  <a:latin typeface="Cambria Math" panose="02040503050406030204" pitchFamily="18" charset="0"/>
+                                </a:rPr>
+                              </m:ctrlPr>
+                            </m:accPr>
+                            <m:e>
+                              <m:r>
+                                <m:rPr>
+                                  <m:sty m:val="p"/>
+                                </m:rPr>
+                                <a:rPr lang="en-AU">
+                                  <a:latin typeface="Cambria Math" panose="02040503050406030204" pitchFamily="18" charset="0"/>
+                                </a:rPr>
+                                <m:t>Π</m:t>
+                              </m:r>
+                            </m:e>
+                          </m:acc>
+                        </m:e>
+                        <m:sub>
+                          <m:sSub>
+                            <m:sSubPr>
+                              <m:ctrlPr>
+                                <a:rPr lang="en-AU" i="1" dirty="0">
+                                  <a:latin typeface="Cambria Math" panose="02040503050406030204" pitchFamily="18" charset="0"/>
+                                </a:rPr>
+                              </m:ctrlPr>
+                            </m:sSubPr>
+                            <m:e>
+                              <m:r>
+                                <a:rPr lang="en-AU" i="1" dirty="0">
+                                  <a:latin typeface="Cambria Math" panose="02040503050406030204" pitchFamily="18" charset="0"/>
+                                </a:rPr>
+                                <m:t>𝜙</m:t>
+                              </m:r>
+                            </m:e>
+                            <m:sub>
+                              <m:r>
+                                <a:rPr lang="en-AU" b="0" i="1" dirty="0" smtClean="0">
+                                  <a:latin typeface="Cambria Math" panose="02040503050406030204" pitchFamily="18" charset="0"/>
+                                </a:rPr>
+                                <m:t>𝑛</m:t>
+                              </m:r>
+                            </m:sub>
+                          </m:sSub>
+                        </m:sub>
+                      </m:sSub>
+                      <m:r>
+                        <a:rPr lang="en-AU" i="1" dirty="0">
+                          <a:latin typeface="Cambria Math" panose="02040503050406030204" pitchFamily="18" charset="0"/>
+                        </a:rPr>
+                        <m:t>𝐼</m:t>
+                      </m:r>
+                      <m:d>
+                        <m:dPr>
+                          <m:begChr m:val="["/>
+                          <m:endChr m:val="]"/>
+                          <m:ctrlPr>
+                            <a:rPr lang="en-AU" i="1" dirty="0">
+                              <a:latin typeface="Cambria Math" panose="02040503050406030204" pitchFamily="18" charset="0"/>
+                            </a:rPr>
+                          </m:ctrlPr>
+                        </m:dPr>
+                        <m:e>
+                          <m:nary>
+                            <m:naryPr>
+                              <m:chr m:val="∏"/>
+                              <m:ctrlPr>
+                                <a:rPr lang="en-AU" i="1" dirty="0">
+                                  <a:latin typeface="Cambria Math" panose="02040503050406030204" pitchFamily="18" charset="0"/>
+                                </a:rPr>
+                              </m:ctrlPr>
+                            </m:naryPr>
+                            <m:sub>
+                              <m:r>
+                                <a:rPr lang="en-AU" i="1" dirty="0">
+                                  <a:latin typeface="Cambria Math" panose="02040503050406030204" pitchFamily="18" charset="0"/>
+                                </a:rPr>
+                                <m:t>𝑘</m:t>
+                              </m:r>
+                              <m:r>
+                                <a:rPr lang="en-AU" i="1" dirty="0">
+                                  <a:latin typeface="Cambria Math" panose="02040503050406030204" pitchFamily="18" charset="0"/>
+                                </a:rPr>
+                                <m:t>=1</m:t>
+                              </m:r>
+                            </m:sub>
+                            <m:sup>
+                              <m:r>
+                                <a:rPr lang="en-AU" i="1" dirty="0">
+                                  <a:latin typeface="Cambria Math" panose="02040503050406030204" pitchFamily="18" charset="0"/>
+                                </a:rPr>
+                                <m:t>(</m:t>
+                              </m:r>
+                              <m:r>
+                                <a:rPr lang="en-AU" i="1" dirty="0">
+                                  <a:latin typeface="Cambria Math" panose="02040503050406030204" pitchFamily="18" charset="0"/>
+                                </a:rPr>
+                                <m:t>𝑛</m:t>
+                              </m:r>
+                              <m:r>
+                                <a:rPr lang="en-AU" i="1" dirty="0">
+                                  <a:latin typeface="Cambria Math" panose="02040503050406030204" pitchFamily="18" charset="0"/>
+                                </a:rPr>
+                                <m:t>−1)/2</m:t>
+                              </m:r>
+                            </m:sup>
+                            <m:e>
+                              <m:sSub>
+                                <m:sSubPr>
+                                  <m:ctrlPr>
+                                    <a:rPr lang="en-AU" i="1" dirty="0">
+                                      <a:latin typeface="Cambria Math" panose="02040503050406030204" pitchFamily="18" charset="0"/>
+                                    </a:rPr>
+                                  </m:ctrlPr>
+                                </m:sSubPr>
+                                <m:e>
+                                  <m:r>
+                                    <m:rPr>
+                                      <m:sty m:val="p"/>
+                                    </m:rPr>
+                                    <a:rPr lang="en-AU" dirty="0">
+                                      <a:latin typeface="Cambria Math" panose="02040503050406030204" pitchFamily="18" charset="0"/>
+                                    </a:rPr>
+                                    <m:t>Π</m:t>
+                                  </m:r>
+                                </m:e>
+                                <m:sub>
+                                  <m:sSub>
+                                    <m:sSubPr>
+                                      <m:ctrlPr>
+                                        <a:rPr lang="en-AU" i="1" dirty="0">
+                                          <a:latin typeface="Cambria Math" panose="02040503050406030204" pitchFamily="18" charset="0"/>
+                                        </a:rPr>
+                                      </m:ctrlPr>
+                                    </m:sSubPr>
+                                    <m:e>
+                                      <m:r>
+                                        <a:rPr lang="en-AU" i="1" dirty="0">
+                                          <a:latin typeface="Cambria Math" panose="02040503050406030204" pitchFamily="18" charset="0"/>
+                                        </a:rPr>
+                                        <m:t>𝜙</m:t>
+                                      </m:r>
+                                    </m:e>
+                                    <m:sub>
+                                      <m:r>
+                                        <a:rPr lang="en-AU" i="1" dirty="0">
+                                          <a:latin typeface="Cambria Math" panose="02040503050406030204" pitchFamily="18" charset="0"/>
+                                        </a:rPr>
+                                        <m:t>2</m:t>
+                                      </m:r>
+                                      <m:r>
+                                        <a:rPr lang="en-AU" i="1" dirty="0">
+                                          <a:latin typeface="Cambria Math" panose="02040503050406030204" pitchFamily="18" charset="0"/>
+                                        </a:rPr>
+                                        <m:t>𝑘</m:t>
+                                      </m:r>
+                                    </m:sub>
+                                  </m:sSub>
+                                </m:sub>
+                              </m:sSub>
+                              <m:r>
+                                <a:rPr lang="en-AU" i="1" dirty="0">
+                                  <a:latin typeface="Cambria Math" panose="02040503050406030204" pitchFamily="18" charset="0"/>
+                                </a:rPr>
+                                <m:t>𝐼</m:t>
+                              </m:r>
+                              <m:sSub>
+                                <m:sSubPr>
+                                  <m:ctrlPr>
+                                    <a:rPr lang="en-AU" i="1" dirty="0">
+                                      <a:latin typeface="Cambria Math" panose="02040503050406030204" pitchFamily="18" charset="0"/>
+                                    </a:rPr>
+                                  </m:ctrlPr>
+                                </m:sSubPr>
+                                <m:e>
+                                  <m:acc>
+                                    <m:accPr>
+                                      <m:chr m:val="̃"/>
+                                      <m:ctrlPr>
+                                        <a:rPr lang="en-AU" i="1" dirty="0">
+                                          <a:latin typeface="Cambria Math" panose="02040503050406030204" pitchFamily="18" charset="0"/>
+                                        </a:rPr>
+                                      </m:ctrlPr>
+                                    </m:accPr>
+                                    <m:e>
+                                      <m:r>
+                                        <m:rPr>
+                                          <m:sty m:val="p"/>
+                                        </m:rPr>
+                                        <a:rPr lang="en-AU" dirty="0">
+                                          <a:latin typeface="Cambria Math" panose="02040503050406030204" pitchFamily="18" charset="0"/>
+                                        </a:rPr>
+                                        <m:t>Π</m:t>
+                                      </m:r>
+                                    </m:e>
+                                  </m:acc>
+                                </m:e>
+                                <m:sub>
+                                  <m:sSub>
+                                    <m:sSubPr>
+                                      <m:ctrlPr>
+                                        <a:rPr lang="en-AU" i="1" dirty="0">
+                                          <a:latin typeface="Cambria Math" panose="02040503050406030204" pitchFamily="18" charset="0"/>
+                                        </a:rPr>
+                                      </m:ctrlPr>
+                                    </m:sSubPr>
+                                    <m:e>
+                                      <m:r>
+                                        <a:rPr lang="en-AU" i="1" dirty="0">
+                                          <a:latin typeface="Cambria Math" panose="02040503050406030204" pitchFamily="18" charset="0"/>
+                                        </a:rPr>
+                                        <m:t>𝜙</m:t>
+                                      </m:r>
+                                    </m:e>
+                                    <m:sub>
+                                      <m:r>
+                                        <a:rPr lang="en-AU" i="1" dirty="0">
+                                          <a:latin typeface="Cambria Math" panose="02040503050406030204" pitchFamily="18" charset="0"/>
+                                        </a:rPr>
+                                        <m:t>2</m:t>
+                                      </m:r>
+                                      <m:r>
+                                        <a:rPr lang="en-AU" i="1" dirty="0">
+                                          <a:latin typeface="Cambria Math" panose="02040503050406030204" pitchFamily="18" charset="0"/>
+                                        </a:rPr>
+                                        <m:t>𝑘</m:t>
+                                      </m:r>
+                                      <m:r>
+                                        <a:rPr lang="en-AU" b="0" i="1" dirty="0" smtClean="0">
+                                          <a:latin typeface="Cambria Math" panose="02040503050406030204" pitchFamily="18" charset="0"/>
+                                        </a:rPr>
+                                        <m:t>−</m:t>
+                                      </m:r>
+                                      <m:r>
+                                        <a:rPr lang="en-AU" i="1" dirty="0">
+                                          <a:latin typeface="Cambria Math" panose="02040503050406030204" pitchFamily="18" charset="0"/>
+                                        </a:rPr>
+                                        <m:t>1</m:t>
+                                      </m:r>
+                                    </m:sub>
+                                  </m:sSub>
+                                </m:sub>
+                              </m:sSub>
+                            </m:e>
+                          </m:nary>
+                          <m:r>
+                            <a:rPr lang="en-AU" i="1" dirty="0">
+                              <a:latin typeface="Cambria Math" panose="02040503050406030204" pitchFamily="18" charset="0"/>
+                            </a:rPr>
+                            <m:t>𝐼</m:t>
+                          </m:r>
+                        </m:e>
+                      </m:d>
+                      <m:r>
+                        <a:rPr lang="en-AU" i="1" dirty="0">
+                          <a:latin typeface="Cambria Math" panose="02040503050406030204" pitchFamily="18" charset="0"/>
+                        </a:rPr>
+                        <m:t>|</m:t>
+                      </m:r>
+                      <m:r>
+                        <a:rPr lang="en-AU" i="1" dirty="0">
+                          <a:latin typeface="Cambria Math" panose="02040503050406030204" pitchFamily="18" charset="0"/>
+                        </a:rPr>
+                        <m:t>𝑣</m:t>
+                      </m:r>
+                      <m:r>
+                        <a:rPr lang="en-AU" i="1" dirty="0">
+                          <a:latin typeface="Cambria Math" panose="02040503050406030204" pitchFamily="18" charset="0"/>
+                        </a:rPr>
+                        <m:t>⟩</m:t>
+                      </m:r>
+                    </m:oMath>
+                  </m:oMathPara>
+                </a14:m>
+                <a:endParaRPr lang="en-AU" dirty="0"/>
+              </a:p>
+              <a:p>
+                <a:pPr marL="0" indent="0">
+                  <a:buNone/>
+                </a:pPr>
+                <a:r>
+                  <a:rPr lang="en-AU" dirty="0"/>
+                  <a:t>Where </a:t>
+                </a:r>
+                <a14:m>
+                  <m:oMath xmlns:m="http://schemas.openxmlformats.org/officeDocument/2006/math">
+                    <m:r>
+                      <a:rPr lang="en-AU" b="0" i="1" smtClean="0">
+                        <a:latin typeface="Cambria Math" panose="02040503050406030204" pitchFamily="18" charset="0"/>
+                      </a:rPr>
+                      <m:t>𝐼</m:t>
+                    </m:r>
+                    <m:r>
+                      <a:rPr lang="en-AU" b="0" i="1" smtClean="0">
+                        <a:latin typeface="Cambria Math" panose="02040503050406030204" pitchFamily="18" charset="0"/>
+                      </a:rPr>
+                      <m:t>=</m:t>
+                    </m:r>
+                    <m:r>
+                      <a:rPr lang="en-AU" b="0" i="1" smtClean="0">
+                        <a:latin typeface="Cambria Math" panose="02040503050406030204" pitchFamily="18" charset="0"/>
+                      </a:rPr>
+                      <m:t>𝑅</m:t>
+                    </m:r>
+                    <m:r>
+                      <a:rPr lang="en-AU" b="0" i="1" smtClean="0">
+                        <a:latin typeface="Cambria Math" panose="02040503050406030204" pitchFamily="18" charset="0"/>
+                      </a:rPr>
+                      <m:t>(</m:t>
+                    </m:r>
+                    <m:r>
+                      <a:rPr lang="en-AU" b="0" i="1" smtClean="0">
+                        <a:latin typeface="Cambria Math" panose="02040503050406030204" pitchFamily="18" charset="0"/>
+                      </a:rPr>
+                      <m:t>𝑎</m:t>
+                    </m:r>
+                    <m:r>
+                      <a:rPr lang="en-AU" b="0" i="1" smtClean="0">
+                        <a:latin typeface="Cambria Math" panose="02040503050406030204" pitchFamily="18" charset="0"/>
+                      </a:rPr>
+                      <m:t>)</m:t>
+                    </m:r>
+                  </m:oMath>
+                </a14:m>
+                <a:r>
+                  <a:rPr lang="en-AU" dirty="0"/>
+                  <a:t> and </a:t>
+                </a:r>
+                <a14:m>
+                  <m:oMath xmlns:m="http://schemas.openxmlformats.org/officeDocument/2006/math">
+                    <m:sSub>
+                      <m:sSubPr>
+                        <m:ctrlPr>
+                          <a:rPr lang="en-AU" b="0" i="1" dirty="0" smtClean="0">
+                            <a:latin typeface="Cambria Math" panose="02040503050406030204" pitchFamily="18" charset="0"/>
+                          </a:rPr>
+                        </m:ctrlPr>
+                      </m:sSubPr>
+                      <m:e>
+                        <m:acc>
+                          <m:accPr>
+                            <m:chr m:val="̃"/>
+                            <m:ctrlPr>
+                              <a:rPr lang="en-AU" b="0" i="1" smtClean="0">
+                                <a:latin typeface="Cambria Math" panose="02040503050406030204" pitchFamily="18" charset="0"/>
+                              </a:rPr>
+                            </m:ctrlPr>
+                          </m:accPr>
+                          <m:e>
+                            <m:r>
+                              <m:rPr>
+                                <m:sty m:val="p"/>
+                              </m:rPr>
+                              <a:rPr lang="en-AU" b="0" i="0" smtClean="0">
+                                <a:latin typeface="Cambria Math" panose="02040503050406030204" pitchFamily="18" charset="0"/>
+                              </a:rPr>
+                              <m:t>Π</m:t>
+                            </m:r>
+                          </m:e>
+                        </m:acc>
+                      </m:e>
+                      <m:sub>
+                        <m:r>
+                          <a:rPr lang="en-AU" b="0" i="1" dirty="0" smtClean="0">
+                            <a:latin typeface="Cambria Math" panose="02040503050406030204" pitchFamily="18" charset="0"/>
+                          </a:rPr>
+                          <m:t>𝜙</m:t>
+                        </m:r>
+                      </m:sub>
+                    </m:sSub>
+                    <m:r>
+                      <a:rPr lang="en-AU" b="0" i="1" dirty="0" smtClean="0">
+                        <a:latin typeface="Cambria Math" panose="02040503050406030204" pitchFamily="18" charset="0"/>
+                      </a:rPr>
+                      <m:t>=</m:t>
+                    </m:r>
+                    <m:sSub>
+                      <m:sSubPr>
+                        <m:ctrlPr>
+                          <a:rPr lang="en-AU" b="0" i="0" dirty="0" smtClean="0">
+                            <a:latin typeface="Cambria Math" panose="02040503050406030204" pitchFamily="18" charset="0"/>
+                          </a:rPr>
+                        </m:ctrlPr>
+                      </m:sSubPr>
+                      <m:e>
+                        <m:r>
+                          <m:rPr>
+                            <m:sty m:val="p"/>
+                          </m:rPr>
+                          <a:rPr lang="en-AU" b="0" i="0" dirty="0" smtClean="0">
+                            <a:latin typeface="Cambria Math" panose="02040503050406030204" pitchFamily="18" charset="0"/>
+                          </a:rPr>
+                          <m:t>Π</m:t>
+                        </m:r>
+                      </m:e>
+                      <m:sub>
+                        <m:r>
+                          <a:rPr lang="en-AU" b="0" i="1" dirty="0" smtClean="0">
+                            <a:latin typeface="Cambria Math" panose="02040503050406030204" pitchFamily="18" charset="0"/>
+                          </a:rPr>
+                          <m:t>𝜙</m:t>
+                        </m:r>
+                      </m:sub>
+                    </m:sSub>
+                    <m:r>
+                      <a:rPr lang="en-AU" b="0" i="1" dirty="0" smtClean="0">
+                        <a:latin typeface="Cambria Math" panose="02040503050406030204" pitchFamily="18" charset="0"/>
+                      </a:rPr>
+                      <m:t>=</m:t>
+                    </m:r>
+                    <m:sSup>
+                      <m:sSupPr>
+                        <m:ctrlPr>
+                          <a:rPr lang="en-AU" b="0" i="1" dirty="0" smtClean="0">
+                            <a:latin typeface="Cambria Math" panose="02040503050406030204" pitchFamily="18" charset="0"/>
+                          </a:rPr>
+                        </m:ctrlPr>
+                      </m:sSupPr>
+                      <m:e>
+                        <m:r>
+                          <a:rPr lang="en-AU" b="0" i="1" dirty="0" smtClean="0">
+                            <a:latin typeface="Cambria Math" panose="02040503050406030204" pitchFamily="18" charset="0"/>
+                          </a:rPr>
+                          <m:t>𝑒</m:t>
+                        </m:r>
+                      </m:e>
+                      <m:sup>
+                        <m:r>
+                          <a:rPr lang="en-AU" b="0" i="1" dirty="0" smtClean="0">
+                            <a:latin typeface="Cambria Math" panose="02040503050406030204" pitchFamily="18" charset="0"/>
+                          </a:rPr>
+                          <m:t>𝑖</m:t>
+                        </m:r>
+                        <m:r>
+                          <a:rPr lang="en-AU" b="0" i="1" dirty="0" smtClean="0">
+                            <a:latin typeface="Cambria Math" panose="02040503050406030204" pitchFamily="18" charset="0"/>
+                          </a:rPr>
+                          <m:t>𝜙</m:t>
+                        </m:r>
+                        <m:r>
+                          <a:rPr lang="en-AU" b="0" i="1" dirty="0" smtClean="0">
+                            <a:latin typeface="Cambria Math" panose="02040503050406030204" pitchFamily="18" charset="0"/>
+                          </a:rPr>
+                          <m:t>𝑍</m:t>
+                        </m:r>
+                      </m:sup>
+                    </m:sSup>
+                  </m:oMath>
+                </a14:m>
+                <a:r>
+                  <a:rPr lang="en-AU" dirty="0"/>
+                  <a:t> in the respective input/output basis so we can rewrite the above as</a:t>
+                </a:r>
+              </a:p>
+              <a:p>
+                <a:pPr marL="0" indent="0">
+                  <a:buNone/>
+                </a:pPr>
+                <a14:m>
+                  <m:oMathPara xmlns:m="http://schemas.openxmlformats.org/officeDocument/2006/math">
+                    <m:oMathParaPr>
+                      <m:jc m:val="centerGroup"/>
+                    </m:oMathParaPr>
+                    <m:oMath xmlns:m="http://schemas.openxmlformats.org/officeDocument/2006/math">
+                      <m:sSup>
+                        <m:sSupPr>
+                          <m:ctrlPr>
+                            <a:rPr lang="en-AU" i="1">
+                              <a:latin typeface="Cambria Math" panose="02040503050406030204" pitchFamily="18" charset="0"/>
+                            </a:rPr>
+                          </m:ctrlPr>
+                        </m:sSupPr>
+                        <m:e>
+                          <m:r>
+                            <a:rPr lang="en-AU" i="1">
+                              <a:latin typeface="Cambria Math" panose="02040503050406030204" pitchFamily="18" charset="0"/>
+                            </a:rPr>
+                            <m:t>𝑒</m:t>
+                          </m:r>
+                        </m:e>
+                        <m:sup>
+                          <m:r>
+                            <a:rPr lang="en-AU" i="1">
+                              <a:latin typeface="Cambria Math" panose="02040503050406030204" pitchFamily="18" charset="0"/>
+                            </a:rPr>
+                            <m:t>𝑖</m:t>
+                          </m:r>
+                          <m:r>
+                            <a:rPr lang="en-AU" i="1">
+                              <a:latin typeface="Cambria Math" panose="02040503050406030204" pitchFamily="18" charset="0"/>
+                            </a:rPr>
+                            <m:t>0</m:t>
+                          </m:r>
+                          <m:r>
+                            <a:rPr lang="en-AU" i="1">
+                              <a:latin typeface="Cambria Math" panose="02040503050406030204" pitchFamily="18" charset="0"/>
+                            </a:rPr>
+                            <m:t>𝑍</m:t>
+                          </m:r>
+                        </m:sup>
+                      </m:sSup>
+                      <m:r>
+                        <a:rPr lang="en-AU" i="1">
+                          <a:latin typeface="Cambria Math" panose="02040503050406030204" pitchFamily="18" charset="0"/>
+                        </a:rPr>
+                        <m:t>𝑅</m:t>
+                      </m:r>
+                      <m:d>
+                        <m:dPr>
+                          <m:ctrlPr>
+                            <a:rPr lang="en-AU" i="1">
+                              <a:latin typeface="Cambria Math" panose="02040503050406030204" pitchFamily="18" charset="0"/>
+                            </a:rPr>
+                          </m:ctrlPr>
+                        </m:dPr>
+                        <m:e>
+                          <m:r>
+                            <a:rPr lang="en-AU" i="1">
+                              <a:latin typeface="Cambria Math" panose="02040503050406030204" pitchFamily="18" charset="0"/>
+                            </a:rPr>
+                            <m:t>𝑎</m:t>
+                          </m:r>
+                        </m:e>
+                      </m:d>
+                      <m:d>
+                        <m:dPr>
+                          <m:ctrlPr>
+                            <a:rPr lang="en-AU" b="0" i="1" smtClean="0">
+                              <a:latin typeface="Cambria Math" panose="02040503050406030204" pitchFamily="18" charset="0"/>
+                            </a:rPr>
+                          </m:ctrlPr>
+                        </m:dPr>
+                        <m:e>
+                          <m:nary>
+                            <m:naryPr>
+                              <m:chr m:val="∏"/>
+                              <m:ctrlPr>
+                                <a:rPr lang="en-AU" b="0" i="1" smtClean="0">
+                                  <a:latin typeface="Cambria Math" panose="02040503050406030204" pitchFamily="18" charset="0"/>
+                                </a:rPr>
+                              </m:ctrlPr>
+                            </m:naryPr>
+                            <m:sub>
+                              <m:r>
+                                <a:rPr lang="en-AU" b="0" i="1" smtClean="0">
+                                  <a:latin typeface="Cambria Math" panose="02040503050406030204" pitchFamily="18" charset="0"/>
+                                </a:rPr>
+                                <m:t>𝑘</m:t>
+                              </m:r>
+                              <m:r>
+                                <a:rPr lang="en-AU" b="0" i="1" smtClean="0">
+                                  <a:latin typeface="Cambria Math" panose="02040503050406030204" pitchFamily="18" charset="0"/>
+                                </a:rPr>
+                                <m:t>=1</m:t>
+                              </m:r>
+                            </m:sub>
+                            <m:sup>
+                              <m:r>
+                                <a:rPr lang="en-AU" b="0" i="1" smtClean="0">
+                                  <a:latin typeface="Cambria Math" panose="02040503050406030204" pitchFamily="18" charset="0"/>
+                                </a:rPr>
+                                <m:t>𝑛</m:t>
+                              </m:r>
+                            </m:sup>
+                            <m:e>
+                              <m:sSup>
+                                <m:sSupPr>
+                                  <m:ctrlPr>
+                                    <a:rPr lang="en-AU" b="0" i="1" smtClean="0">
+                                      <a:latin typeface="Cambria Math" panose="02040503050406030204" pitchFamily="18" charset="0"/>
+                                    </a:rPr>
+                                  </m:ctrlPr>
+                                </m:sSupPr>
+                                <m:e>
+                                  <m:r>
+                                    <a:rPr lang="en-AU" b="0" i="1" smtClean="0">
+                                      <a:latin typeface="Cambria Math" panose="02040503050406030204" pitchFamily="18" charset="0"/>
+                                    </a:rPr>
+                                    <m:t>𝑒</m:t>
+                                  </m:r>
+                                </m:e>
+                                <m:sup>
+                                  <m:r>
+                                    <a:rPr lang="en-AU" b="0" i="1" smtClean="0">
+                                      <a:latin typeface="Cambria Math" panose="02040503050406030204" pitchFamily="18" charset="0"/>
+                                    </a:rPr>
+                                    <m:t>𝑖</m:t>
+                                  </m:r>
+                                  <m:r>
+                                    <a:rPr lang="en-AU" b="0" i="1" smtClean="0">
+                                      <a:latin typeface="Cambria Math" panose="02040503050406030204" pitchFamily="18" charset="0"/>
+                                    </a:rPr>
+                                    <m:t>𝜙</m:t>
+                                  </m:r>
+                                  <m:r>
+                                    <a:rPr lang="en-AU" b="0" i="1" smtClean="0">
+                                      <a:latin typeface="Cambria Math" panose="02040503050406030204" pitchFamily="18" charset="0"/>
+                                    </a:rPr>
+                                    <m:t>𝑍</m:t>
+                                  </m:r>
+                                </m:sup>
+                              </m:sSup>
+                              <m:r>
+                                <a:rPr lang="en-AU" b="0" i="1" smtClean="0">
+                                  <a:latin typeface="Cambria Math" panose="02040503050406030204" pitchFamily="18" charset="0"/>
+                                </a:rPr>
+                                <m:t>𝑅</m:t>
+                              </m:r>
+                              <m:d>
+                                <m:dPr>
+                                  <m:ctrlPr>
+                                    <a:rPr lang="en-AU" b="0" i="1" smtClean="0">
+                                      <a:latin typeface="Cambria Math" panose="02040503050406030204" pitchFamily="18" charset="0"/>
+                                    </a:rPr>
+                                  </m:ctrlPr>
+                                </m:dPr>
+                                <m:e>
+                                  <m:r>
+                                    <a:rPr lang="en-AU" b="0" i="1" smtClean="0">
+                                      <a:latin typeface="Cambria Math" panose="02040503050406030204" pitchFamily="18" charset="0"/>
+                                    </a:rPr>
+                                    <m:t>𝑎</m:t>
+                                  </m:r>
+                                </m:e>
+                              </m:d>
+                            </m:e>
+                          </m:nary>
+                        </m:e>
+                      </m:d>
+                      <m:r>
+                        <a:rPr lang="en-AU" b="0" i="1" smtClean="0">
+                          <a:latin typeface="Cambria Math" panose="02040503050406030204" pitchFamily="18" charset="0"/>
+                        </a:rPr>
+                        <m:t>|</m:t>
+                      </m:r>
+                      <m:r>
+                        <a:rPr lang="en-AU" b="0" i="1" smtClean="0">
+                          <a:latin typeface="Cambria Math" panose="02040503050406030204" pitchFamily="18" charset="0"/>
+                        </a:rPr>
+                        <m:t>𝑣</m:t>
+                      </m:r>
+                      <m:r>
+                        <a:rPr lang="en-AU" b="0" i="1" smtClean="0">
+                          <a:latin typeface="Cambria Math" panose="02040503050406030204" pitchFamily="18" charset="0"/>
+                        </a:rPr>
+                        <m:t>⟩</m:t>
+                      </m:r>
+                    </m:oMath>
+                  </m:oMathPara>
+                </a14:m>
+                <a:endParaRPr lang="en-AU" dirty="0"/>
+              </a:p>
+              <a:p>
+                <a:pPr marL="0" indent="0">
+                  <a:buNone/>
+                </a:pPr>
+                <a:r>
+                  <a:rPr lang="en-AU" dirty="0"/>
+                  <a:t>Where</a:t>
+                </a:r>
+              </a:p>
+              <a:p>
+                <a:pPr marL="0" indent="0">
+                  <a:buNone/>
+                </a:pPr>
+                <a14:m>
+                  <m:oMathPara xmlns:m="http://schemas.openxmlformats.org/officeDocument/2006/math">
+                    <m:oMathParaPr>
+                      <m:jc m:val="centerGroup"/>
+                    </m:oMathParaPr>
+                    <m:oMath xmlns:m="http://schemas.openxmlformats.org/officeDocument/2006/math">
+                      <m:sSup>
+                        <m:sSupPr>
+                          <m:ctrlPr>
+                            <a:rPr lang="en-AU" b="0" i="1" smtClean="0">
+                              <a:latin typeface="Cambria Math" panose="02040503050406030204" pitchFamily="18" charset="0"/>
+                            </a:rPr>
+                          </m:ctrlPr>
+                        </m:sSupPr>
+                        <m:e>
+                          <m:r>
+                            <a:rPr lang="en-AU" b="0" i="1" smtClean="0">
+                              <a:latin typeface="Cambria Math" panose="02040503050406030204" pitchFamily="18" charset="0"/>
+                            </a:rPr>
+                            <m:t>𝑒</m:t>
+                          </m:r>
+                        </m:e>
+                        <m:sup>
+                          <m:r>
+                            <a:rPr lang="en-AU" b="0" i="1" smtClean="0">
+                              <a:latin typeface="Cambria Math" panose="02040503050406030204" pitchFamily="18" charset="0"/>
+                            </a:rPr>
+                            <m:t>𝑖</m:t>
+                          </m:r>
+                          <m:r>
+                            <a:rPr lang="en-AU" b="0" i="1" smtClean="0">
+                              <a:latin typeface="Cambria Math" panose="02040503050406030204" pitchFamily="18" charset="0"/>
+                            </a:rPr>
+                            <m:t>𝜙</m:t>
+                          </m:r>
+                          <m:r>
+                            <a:rPr lang="en-AU" b="0" i="1" smtClean="0">
+                              <a:latin typeface="Cambria Math" panose="02040503050406030204" pitchFamily="18" charset="0"/>
+                            </a:rPr>
+                            <m:t>𝑍</m:t>
+                          </m:r>
+                        </m:sup>
+                      </m:sSup>
+                      <m:r>
+                        <a:rPr lang="en-AU" b="0" i="1" smtClean="0">
+                          <a:latin typeface="Cambria Math" panose="02040503050406030204" pitchFamily="18" charset="0"/>
+                        </a:rPr>
+                        <m:t>𝑅</m:t>
+                      </m:r>
+                      <m:r>
+                        <a:rPr lang="en-AU" b="0" i="1" smtClean="0">
+                          <a:latin typeface="Cambria Math" panose="02040503050406030204" pitchFamily="18" charset="0"/>
+                        </a:rPr>
+                        <m:t>(</m:t>
+                      </m:r>
+                      <m:r>
+                        <a:rPr lang="en-AU" b="0" i="1" smtClean="0">
+                          <a:latin typeface="Cambria Math" panose="02040503050406030204" pitchFamily="18" charset="0"/>
+                        </a:rPr>
+                        <m:t>𝑎</m:t>
+                      </m:r>
+                      <m:r>
+                        <a:rPr lang="en-AU" b="0" i="1" smtClean="0">
+                          <a:latin typeface="Cambria Math" panose="02040503050406030204" pitchFamily="18" charset="0"/>
+                        </a:rPr>
+                        <m:t>)=</m:t>
+                      </m:r>
+                      <m:sSup>
+                        <m:sSupPr>
+                          <m:ctrlPr>
+                            <a:rPr lang="en-AU" b="0" i="1" smtClean="0">
+                              <a:latin typeface="Cambria Math" panose="02040503050406030204" pitchFamily="18" charset="0"/>
+                            </a:rPr>
+                          </m:ctrlPr>
+                        </m:sSupPr>
+                        <m:e>
+                          <m:r>
+                            <a:rPr lang="en-AU" b="0" i="1" smtClean="0">
+                              <a:latin typeface="Cambria Math" panose="02040503050406030204" pitchFamily="18" charset="0"/>
+                            </a:rPr>
+                            <m:t>𝑒</m:t>
+                          </m:r>
+                        </m:e>
+                        <m:sup>
+                          <m:r>
+                            <a:rPr lang="en-AU" b="0" i="1" smtClean="0">
+                              <a:latin typeface="Cambria Math" panose="02040503050406030204" pitchFamily="18" charset="0"/>
+                            </a:rPr>
+                            <m:t>𝑖</m:t>
+                          </m:r>
+                          <m:r>
+                            <a:rPr lang="en-AU" b="0" i="1" smtClean="0">
+                              <a:latin typeface="Cambria Math" panose="02040503050406030204" pitchFamily="18" charset="0"/>
+                            </a:rPr>
+                            <m:t>𝜙</m:t>
+                          </m:r>
+                        </m:sup>
+                      </m:sSup>
+                      <m:d>
+                        <m:dPr>
+                          <m:ctrlPr>
+                            <a:rPr lang="en-AU" b="0" i="1" smtClean="0">
+                              <a:latin typeface="Cambria Math" panose="02040503050406030204" pitchFamily="18" charset="0"/>
+                            </a:rPr>
+                          </m:ctrlPr>
+                        </m:dPr>
+                        <m:e>
+                          <m:m>
+                            <m:mPr>
+                              <m:mcs>
+                                <m:mc>
+                                  <m:mcPr>
+                                    <m:count m:val="2"/>
+                                    <m:mcJc m:val="center"/>
+                                  </m:mcPr>
+                                </m:mc>
+                              </m:mcs>
+                              <m:ctrlPr>
+                                <a:rPr lang="en-AU" b="0" i="1" smtClean="0">
+                                  <a:latin typeface="Cambria Math" panose="02040503050406030204" pitchFamily="18" charset="0"/>
+                                </a:rPr>
+                              </m:ctrlPr>
+                            </m:mPr>
+                            <m:mr>
+                              <m:e>
+                                <m:r>
+                                  <m:rPr>
+                                    <m:brk m:alnAt="7"/>
+                                  </m:rPr>
+                                  <a:rPr lang="en-AU" b="0" i="1" smtClean="0">
+                                    <a:latin typeface="Cambria Math" panose="02040503050406030204" pitchFamily="18" charset="0"/>
+                                  </a:rPr>
+                                  <m:t>𝑎</m:t>
+                                </m:r>
+                              </m:e>
+                              <m:e>
+                                <m:rad>
+                                  <m:radPr>
+                                    <m:degHide m:val="on"/>
+                                    <m:ctrlPr>
+                                      <a:rPr lang="en-AU" b="0" i="1" smtClean="0">
+                                        <a:latin typeface="Cambria Math" panose="02040503050406030204" pitchFamily="18" charset="0"/>
+                                      </a:rPr>
+                                    </m:ctrlPr>
+                                  </m:radPr>
+                                  <m:deg/>
+                                  <m:e>
+                                    <m:r>
+                                      <a:rPr lang="en-AU" b="0" i="1" smtClean="0">
+                                        <a:latin typeface="Cambria Math" panose="02040503050406030204" pitchFamily="18" charset="0"/>
+                                      </a:rPr>
+                                      <m:t>1−</m:t>
+                                    </m:r>
+                                    <m:sSup>
+                                      <m:sSupPr>
+                                        <m:ctrlPr>
+                                          <a:rPr lang="en-AU" b="0" i="1" smtClean="0">
+                                            <a:latin typeface="Cambria Math" panose="02040503050406030204" pitchFamily="18" charset="0"/>
+                                          </a:rPr>
+                                        </m:ctrlPr>
+                                      </m:sSupPr>
+                                      <m:e>
+                                        <m:r>
+                                          <a:rPr lang="en-AU" b="0" i="1" smtClean="0">
+                                            <a:latin typeface="Cambria Math" panose="02040503050406030204" pitchFamily="18" charset="0"/>
+                                          </a:rPr>
+                                          <m:t>𝑎</m:t>
+                                        </m:r>
+                                      </m:e>
+                                      <m:sup>
+                                        <m:r>
+                                          <a:rPr lang="en-AU" b="0" i="1" smtClean="0">
+                                            <a:latin typeface="Cambria Math" panose="02040503050406030204" pitchFamily="18" charset="0"/>
+                                          </a:rPr>
+                                          <m:t>2</m:t>
+                                        </m:r>
+                                      </m:sup>
+                                    </m:sSup>
+                                  </m:e>
+                                </m:rad>
+                              </m:e>
+                            </m:mr>
+                            <m:mr>
+                              <m:e>
+                                <m:rad>
+                                  <m:radPr>
+                                    <m:degHide m:val="on"/>
+                                    <m:ctrlPr>
+                                      <a:rPr lang="en-AU" b="0" i="1" smtClean="0">
+                                        <a:latin typeface="Cambria Math" panose="02040503050406030204" pitchFamily="18" charset="0"/>
+                                      </a:rPr>
+                                    </m:ctrlPr>
+                                  </m:radPr>
+                                  <m:deg/>
+                                  <m:e>
+                                    <m:r>
+                                      <a:rPr lang="en-AU" b="0" i="1" smtClean="0">
+                                        <a:latin typeface="Cambria Math" panose="02040503050406030204" pitchFamily="18" charset="0"/>
+                                      </a:rPr>
+                                      <m:t>1−</m:t>
+                                    </m:r>
+                                    <m:sSup>
+                                      <m:sSupPr>
+                                        <m:ctrlPr>
+                                          <a:rPr lang="en-AU" b="0" i="1" smtClean="0">
+                                            <a:latin typeface="Cambria Math" panose="02040503050406030204" pitchFamily="18" charset="0"/>
+                                          </a:rPr>
+                                        </m:ctrlPr>
+                                      </m:sSupPr>
+                                      <m:e>
+                                        <m:r>
+                                          <a:rPr lang="en-AU" b="0" i="1" smtClean="0">
+                                            <a:latin typeface="Cambria Math" panose="02040503050406030204" pitchFamily="18" charset="0"/>
+                                          </a:rPr>
+                                          <m:t>𝑎</m:t>
+                                        </m:r>
+                                      </m:e>
+                                      <m:sup>
+                                        <m:r>
+                                          <a:rPr lang="en-AU" b="0" i="1" smtClean="0">
+                                            <a:latin typeface="Cambria Math" panose="02040503050406030204" pitchFamily="18" charset="0"/>
+                                          </a:rPr>
+                                          <m:t>2</m:t>
+                                        </m:r>
+                                      </m:sup>
+                                    </m:sSup>
+                                  </m:e>
+                                </m:rad>
+                                <m:sSup>
+                                  <m:sSupPr>
+                                    <m:ctrlPr>
+                                      <a:rPr lang="en-AU" b="0" i="1" smtClean="0">
+                                        <a:latin typeface="Cambria Math" panose="02040503050406030204" pitchFamily="18" charset="0"/>
+                                      </a:rPr>
+                                    </m:ctrlPr>
+                                  </m:sSupPr>
+                                  <m:e>
+                                    <m:r>
+                                      <a:rPr lang="en-AU" b="0" i="1" smtClean="0">
+                                        <a:latin typeface="Cambria Math" panose="02040503050406030204" pitchFamily="18" charset="0"/>
+                                      </a:rPr>
+                                      <m:t>𝑒</m:t>
+                                    </m:r>
+                                  </m:e>
+                                  <m:sup>
+                                    <m:r>
+                                      <a:rPr lang="en-AU" b="0" i="1" smtClean="0">
+                                        <a:latin typeface="Cambria Math" panose="02040503050406030204" pitchFamily="18" charset="0"/>
+                                      </a:rPr>
+                                      <m:t>−2</m:t>
+                                    </m:r>
+                                    <m:r>
+                                      <a:rPr lang="en-AU" b="0" i="1" smtClean="0">
+                                        <a:latin typeface="Cambria Math" panose="02040503050406030204" pitchFamily="18" charset="0"/>
+                                      </a:rPr>
+                                      <m:t>𝑖</m:t>
+                                    </m:r>
+                                    <m:r>
+                                      <a:rPr lang="en-AU" b="0" i="1" smtClean="0">
+                                        <a:latin typeface="Cambria Math" panose="02040503050406030204" pitchFamily="18" charset="0"/>
+                                      </a:rPr>
+                                      <m:t>𝜙</m:t>
+                                    </m:r>
+                                  </m:sup>
+                                </m:sSup>
+                              </m:e>
+                              <m:e>
+                                <m:r>
+                                  <a:rPr lang="en-AU" b="0" i="1" smtClean="0">
+                                    <a:latin typeface="Cambria Math" panose="02040503050406030204" pitchFamily="18" charset="0"/>
+                                  </a:rPr>
+                                  <m:t>−</m:t>
+                                </m:r>
+                                <m:r>
+                                  <a:rPr lang="en-AU" b="0" i="1" smtClean="0">
+                                    <a:latin typeface="Cambria Math" panose="02040503050406030204" pitchFamily="18" charset="0"/>
+                                  </a:rPr>
+                                  <m:t>𝑎</m:t>
+                                </m:r>
+                                <m:sSup>
+                                  <m:sSupPr>
+                                    <m:ctrlPr>
+                                      <a:rPr lang="en-AU" b="0" i="1" smtClean="0">
+                                        <a:latin typeface="Cambria Math" panose="02040503050406030204" pitchFamily="18" charset="0"/>
+                                      </a:rPr>
+                                    </m:ctrlPr>
+                                  </m:sSupPr>
+                                  <m:e>
+                                    <m:r>
+                                      <a:rPr lang="en-AU" b="0" i="1" smtClean="0">
+                                        <a:latin typeface="Cambria Math" panose="02040503050406030204" pitchFamily="18" charset="0"/>
+                                      </a:rPr>
+                                      <m:t>𝑒</m:t>
+                                    </m:r>
+                                  </m:e>
+                                  <m:sup>
+                                    <m:r>
+                                      <a:rPr lang="en-AU" b="0" i="1" smtClean="0">
+                                        <a:latin typeface="Cambria Math" panose="02040503050406030204" pitchFamily="18" charset="0"/>
+                                      </a:rPr>
+                                      <m:t>−2</m:t>
+                                    </m:r>
+                                    <m:r>
+                                      <a:rPr lang="en-AU" b="0" i="1" smtClean="0">
+                                        <a:latin typeface="Cambria Math" panose="02040503050406030204" pitchFamily="18" charset="0"/>
+                                      </a:rPr>
+                                      <m:t>𝑖</m:t>
+                                    </m:r>
+                                    <m:r>
+                                      <a:rPr lang="en-AU" b="0" i="1" smtClean="0">
+                                        <a:latin typeface="Cambria Math" panose="02040503050406030204" pitchFamily="18" charset="0"/>
+                                      </a:rPr>
+                                      <m:t>𝜙</m:t>
+                                    </m:r>
+                                  </m:sup>
+                                </m:sSup>
+                              </m:e>
+                            </m:mr>
+                          </m:m>
+                        </m:e>
+                      </m:d>
+                    </m:oMath>
+                  </m:oMathPara>
+                </a14:m>
+                <a:endParaRPr lang="en-AU" dirty="0"/>
+              </a:p>
+            </p:txBody>
+          </p:sp>
+        </mc:Choice>
+        <mc:Fallback>
+          <p:sp>
+            <p:nvSpPr>
+              <p:cNvPr id="3" name="Content Placeholder 2">
+                <a:extLst>
+                  <a:ext uri="{FF2B5EF4-FFF2-40B4-BE49-F238E27FC236}">
+                    <a16:creationId xmlns:a16="http://schemas.microsoft.com/office/drawing/2014/main" id="{18755D77-C9CE-04C2-7021-02C9D554177A}"/>
+                  </a:ext>
+                </a:extLst>
+              </p:cNvPr>
+              <p:cNvSpPr>
+                <a:spLocks noGrp="1" noRot="1" noChangeAspect="1" noMove="1" noResize="1" noEditPoints="1" noAdjustHandles="1" noChangeArrowheads="1" noChangeShapeType="1" noTextEdit="1"/>
+              </p:cNvSpPr>
+              <p:nvPr>
+                <p:ph idx="1"/>
+              </p:nvPr>
+            </p:nvSpPr>
+            <p:spPr>
+              <a:blipFill>
+                <a:blip r:embed="rId2"/>
+                <a:stretch>
+                  <a:fillRect l="-928" t="-3081"/>
+                </a:stretch>
+              </a:blipFill>
+            </p:spPr>
+            <p:txBody>
+              <a:bodyPr/>
+              <a:lstStyle/>
+              <a:p>
+                <a:r>
+                  <a:rPr lang="en-AU">
+                    <a:noFill/>
+                  </a:rPr>
+                  <a:t> </a:t>
+                </a:r>
+              </a:p>
+            </p:txBody>
+          </p:sp>
+        </mc:Fallback>
+      </mc:AlternateContent>
+    </p:spTree>
+    <p:extLst>
+      <p:ext uri="{BB962C8B-B14F-4D97-AF65-F5344CB8AC3E}">
+        <p14:creationId xmlns:p14="http://schemas.microsoft.com/office/powerpoint/2010/main" val="1785193322"/>
+      </p:ext>
+    </p:extLst>
+  </p:cSld>
+  <p:clrMapOvr>
+    <a:masterClrMapping/>
+  </p:clrMapOvr>
+</p:sld>
+</file>
+
+<file path=ppt/slides/slide11.xml><?xml version="1.0" encoding="utf-8"?>
+<p:sld xmlns:a="http://schemas.openxmlformats.org/drawingml/2006/main" xmlns:r="http://schemas.openxmlformats.org/officeDocument/2006/relationships" xmlns:p="http://schemas.openxmlformats.org/presentationml/2006/main">
+  <p:cSld>
+    <p:spTree>
+      <p:nvGrpSpPr>
+        <p:cNvPr id="1" name=""/>
+        <p:cNvGrpSpPr/>
+        <p:nvPr/>
+      </p:nvGrpSpPr>
+      <p:grpSpPr>
+        <a:xfrm>
+          <a:off x="0" y="0"/>
+          <a:ext cx="0" cy="0"/>
+          <a:chOff x="0" y="0"/>
+          <a:chExt cx="0" cy="0"/>
+        </a:xfrm>
+      </p:grpSpPr>
+      <p:sp>
+        <p:nvSpPr>
+          <p:cNvPr id="2" name="Title 1">
+            <a:extLst>
+              <a:ext uri="{FF2B5EF4-FFF2-40B4-BE49-F238E27FC236}">
+                <a16:creationId xmlns:a16="http://schemas.microsoft.com/office/drawing/2014/main" id="{8EE42976-5A7A-ABFB-DB17-D94656D0A904}"/>
+              </a:ext>
+            </a:extLst>
+          </p:cNvPr>
+          <p:cNvSpPr>
+            <a:spLocks noGrp="1"/>
+          </p:cNvSpPr>
+          <p:nvPr>
+            <p:ph type="title"/>
+          </p:nvPr>
+        </p:nvSpPr>
+        <p:spPr/>
+        <p:txBody>
+          <a:bodyPr/>
+          <a:lstStyle/>
+          <a:p>
+            <a:r>
+              <a:rPr lang="en-AU" dirty="0"/>
+              <a:t>Proof sketch</a:t>
+            </a:r>
+          </a:p>
+        </p:txBody>
+      </p:sp>
+      <mc:AlternateContent xmlns:mc="http://schemas.openxmlformats.org/markup-compatibility/2006">
+        <mc:Choice xmlns:a14="http://schemas.microsoft.com/office/drawing/2010/main" Requires="a14">
+          <p:sp>
+            <p:nvSpPr>
+              <p:cNvPr id="3" name="Content Placeholder 2">
+                <a:extLst>
+                  <a:ext uri="{FF2B5EF4-FFF2-40B4-BE49-F238E27FC236}">
+                    <a16:creationId xmlns:a16="http://schemas.microsoft.com/office/drawing/2014/main" id="{228598A4-4DF6-9ED3-244E-7D46D4182DEC}"/>
+                  </a:ext>
+                </a:extLst>
+              </p:cNvPr>
+              <p:cNvSpPr>
+                <a:spLocks noGrp="1"/>
+              </p:cNvSpPr>
+              <p:nvPr>
+                <p:ph idx="1"/>
+              </p:nvPr>
+            </p:nvSpPr>
+            <p:spPr/>
+            <p:txBody>
+              <a:bodyPr>
+                <a:normAutofit fontScale="77500" lnSpcReduction="20000"/>
+              </a:bodyPr>
+              <a:lstStyle/>
+              <a:p>
+                <a:pPr marL="0" indent="0">
+                  <a:buNone/>
+                </a:pPr>
+                <a:r>
+                  <a:rPr lang="en-AU" dirty="0"/>
+                  <a:t>So, up to a global phase factor, the state of the system after </a:t>
+                </a:r>
+                <a14:m>
+                  <m:oMath xmlns:m="http://schemas.openxmlformats.org/officeDocument/2006/math">
+                    <m:r>
+                      <a:rPr lang="en-AU" b="0" i="1" smtClean="0">
+                        <a:latin typeface="Cambria Math" panose="02040503050406030204" pitchFamily="18" charset="0"/>
+                      </a:rPr>
+                      <m:t>𝑘</m:t>
+                    </m:r>
+                  </m:oMath>
+                </a14:m>
+                <a:r>
+                  <a:rPr lang="en-AU" dirty="0"/>
+                  <a:t> steps of the algorithm is</a:t>
+                </a:r>
+              </a:p>
+              <a:p>
+                <a:pPr marL="0" indent="0">
+                  <a:buNone/>
+                </a:pPr>
+                <a14:m>
+                  <m:oMathPara xmlns:m="http://schemas.openxmlformats.org/officeDocument/2006/math">
+                    <m:oMathParaPr>
+                      <m:jc m:val="centerGroup"/>
+                    </m:oMathParaPr>
+                    <m:oMath xmlns:m="http://schemas.openxmlformats.org/officeDocument/2006/math">
+                      <m:d>
+                        <m:dPr>
+                          <m:ctrlPr>
+                            <a:rPr lang="en-AU" b="0" i="1" smtClean="0">
+                              <a:latin typeface="Cambria Math" panose="02040503050406030204" pitchFamily="18" charset="0"/>
+                            </a:rPr>
+                          </m:ctrlPr>
+                        </m:dPr>
+                        <m:e>
+                          <m:m>
+                            <m:mPr>
+                              <m:mcs>
+                                <m:mc>
+                                  <m:mcPr>
+                                    <m:count m:val="1"/>
+                                    <m:mcJc m:val="center"/>
+                                  </m:mcPr>
+                                </m:mc>
+                              </m:mcs>
+                              <m:ctrlPr>
+                                <a:rPr lang="en-AU" b="0" i="1" smtClean="0">
+                                  <a:latin typeface="Cambria Math" panose="02040503050406030204" pitchFamily="18" charset="0"/>
+                                </a:rPr>
+                              </m:ctrlPr>
+                            </m:mPr>
+                            <m:mr>
+                              <m:e>
+                                <m:sSub>
+                                  <m:sSubPr>
+                                    <m:ctrlPr>
+                                      <a:rPr lang="en-AU" b="0" i="1" smtClean="0">
+                                        <a:latin typeface="Cambria Math" panose="02040503050406030204" pitchFamily="18" charset="0"/>
+                                      </a:rPr>
+                                    </m:ctrlPr>
+                                  </m:sSubPr>
+                                  <m:e>
+                                    <m:r>
+                                      <m:rPr>
+                                        <m:brk m:alnAt="7"/>
+                                      </m:rPr>
+                                      <a:rPr lang="en-AU" b="0" i="1" smtClean="0">
+                                        <a:latin typeface="Cambria Math" panose="02040503050406030204" pitchFamily="18" charset="0"/>
+                                      </a:rPr>
+                                      <m:t>𝑝</m:t>
+                                    </m:r>
+                                  </m:e>
+                                  <m:sub>
+                                    <m:r>
+                                      <m:rPr>
+                                        <m:brk m:alnAt="7"/>
+                                      </m:rPr>
+                                      <a:rPr lang="en-AU" b="0" i="1" smtClean="0">
+                                        <a:latin typeface="Cambria Math" panose="02040503050406030204" pitchFamily="18" charset="0"/>
+                                      </a:rPr>
+                                      <m:t>𝑘</m:t>
+                                    </m:r>
+                                  </m:sub>
+                                </m:sSub>
+                              </m:e>
+                            </m:mr>
+                            <m:mr>
+                              <m:e>
+                                <m:sSub>
+                                  <m:sSubPr>
+                                    <m:ctrlPr>
+                                      <a:rPr lang="en-AU" b="0" i="1" smtClean="0">
+                                        <a:latin typeface="Cambria Math" panose="02040503050406030204" pitchFamily="18" charset="0"/>
+                                      </a:rPr>
+                                    </m:ctrlPr>
+                                  </m:sSubPr>
+                                  <m:e>
+                                    <m:r>
+                                      <a:rPr lang="en-AU" b="0" i="1" smtClean="0">
+                                        <a:latin typeface="Cambria Math" panose="02040503050406030204" pitchFamily="18" charset="0"/>
+                                      </a:rPr>
+                                      <m:t>𝑞</m:t>
+                                    </m:r>
+                                  </m:e>
+                                  <m:sub>
+                                    <m:r>
+                                      <a:rPr lang="en-AU" b="0" i="1" smtClean="0">
+                                        <a:latin typeface="Cambria Math" panose="02040503050406030204" pitchFamily="18" charset="0"/>
+                                      </a:rPr>
+                                      <m:t>𝑘</m:t>
+                                    </m:r>
+                                  </m:sub>
+                                </m:sSub>
+                              </m:e>
+                            </m:mr>
+                          </m:m>
+                        </m:e>
+                      </m:d>
+                      <m:r>
+                        <a:rPr lang="en-AU" b="0" i="1" smtClean="0">
+                          <a:latin typeface="Cambria Math" panose="02040503050406030204" pitchFamily="18" charset="0"/>
+                        </a:rPr>
+                        <m:t>=</m:t>
+                      </m:r>
+                      <m:sSup>
+                        <m:sSupPr>
+                          <m:ctrlPr>
+                            <a:rPr lang="en-AU" i="1">
+                              <a:latin typeface="Cambria Math" panose="02040503050406030204" pitchFamily="18" charset="0"/>
+                            </a:rPr>
+                          </m:ctrlPr>
+                        </m:sSupPr>
+                        <m:e>
+                          <m:r>
+                            <a:rPr lang="en-AU" i="1">
+                              <a:latin typeface="Cambria Math" panose="02040503050406030204" pitchFamily="18" charset="0"/>
+                            </a:rPr>
+                            <m:t>𝑒</m:t>
+                          </m:r>
+                        </m:e>
+                        <m:sup>
+                          <m:r>
+                            <a:rPr lang="en-AU" i="1">
+                              <a:latin typeface="Cambria Math" panose="02040503050406030204" pitchFamily="18" charset="0"/>
+                            </a:rPr>
+                            <m:t>𝑖</m:t>
+                          </m:r>
+                          <m:sSub>
+                            <m:sSubPr>
+                              <m:ctrlPr>
+                                <a:rPr lang="en-AU" b="0" i="1" smtClean="0">
+                                  <a:latin typeface="Cambria Math" panose="02040503050406030204" pitchFamily="18" charset="0"/>
+                                </a:rPr>
+                              </m:ctrlPr>
+                            </m:sSubPr>
+                            <m:e>
+                              <m:r>
+                                <a:rPr lang="en-AU" i="1">
+                                  <a:latin typeface="Cambria Math" panose="02040503050406030204" pitchFamily="18" charset="0"/>
+                                </a:rPr>
+                                <m:t>𝜙</m:t>
+                              </m:r>
+                            </m:e>
+                            <m:sub>
+                              <m:r>
+                                <a:rPr lang="en-AU" b="0" i="1" smtClean="0">
+                                  <a:latin typeface="Cambria Math" panose="02040503050406030204" pitchFamily="18" charset="0"/>
+                                </a:rPr>
+                                <m:t>𝑘</m:t>
+                              </m:r>
+                            </m:sub>
+                          </m:sSub>
+                          <m:r>
+                            <a:rPr lang="en-AU" i="1">
+                              <a:latin typeface="Cambria Math" panose="02040503050406030204" pitchFamily="18" charset="0"/>
+                            </a:rPr>
+                            <m:t>𝑍</m:t>
+                          </m:r>
+                        </m:sup>
+                      </m:sSup>
+                      <m:r>
+                        <a:rPr lang="en-AU" i="1">
+                          <a:latin typeface="Cambria Math" panose="02040503050406030204" pitchFamily="18" charset="0"/>
+                        </a:rPr>
+                        <m:t>𝑅</m:t>
+                      </m:r>
+                      <m:d>
+                        <m:dPr>
+                          <m:ctrlPr>
+                            <a:rPr lang="en-AU" i="1">
+                              <a:latin typeface="Cambria Math" panose="02040503050406030204" pitchFamily="18" charset="0"/>
+                            </a:rPr>
+                          </m:ctrlPr>
+                        </m:dPr>
+                        <m:e>
+                          <m:r>
+                            <a:rPr lang="en-AU" i="1">
+                              <a:latin typeface="Cambria Math" panose="02040503050406030204" pitchFamily="18" charset="0"/>
+                            </a:rPr>
+                            <m:t>𝑎</m:t>
+                          </m:r>
+                        </m:e>
+                      </m:d>
+                      <m:d>
+                        <m:dPr>
+                          <m:ctrlPr>
+                            <a:rPr lang="en-AU" b="0" i="1" smtClean="0">
+                              <a:latin typeface="Cambria Math" panose="02040503050406030204" pitchFamily="18" charset="0"/>
+                            </a:rPr>
+                          </m:ctrlPr>
+                        </m:dPr>
+                        <m:e>
+                          <m:m>
+                            <m:mPr>
+                              <m:mcs>
+                                <m:mc>
+                                  <m:mcPr>
+                                    <m:count m:val="1"/>
+                                    <m:mcJc m:val="center"/>
+                                  </m:mcPr>
+                                </m:mc>
+                              </m:mcs>
+                              <m:ctrlPr>
+                                <a:rPr lang="en-AU" b="0" i="1" smtClean="0">
+                                  <a:latin typeface="Cambria Math" panose="02040503050406030204" pitchFamily="18" charset="0"/>
+                                </a:rPr>
+                              </m:ctrlPr>
+                            </m:mPr>
+                            <m:mr>
+                              <m:e>
+                                <m:sSub>
+                                  <m:sSubPr>
+                                    <m:ctrlPr>
+                                      <a:rPr lang="en-AU" b="0" i="1" smtClean="0">
+                                        <a:latin typeface="Cambria Math" panose="02040503050406030204" pitchFamily="18" charset="0"/>
+                                      </a:rPr>
+                                    </m:ctrlPr>
+                                  </m:sSubPr>
+                                  <m:e>
+                                    <m:r>
+                                      <m:rPr>
+                                        <m:brk m:alnAt="7"/>
+                                      </m:rPr>
+                                      <a:rPr lang="en-AU" b="0" i="1" smtClean="0">
+                                        <a:latin typeface="Cambria Math" panose="02040503050406030204" pitchFamily="18" charset="0"/>
+                                      </a:rPr>
+                                      <m:t>𝑝</m:t>
+                                    </m:r>
+                                  </m:e>
+                                  <m:sub>
+                                    <m:r>
+                                      <m:rPr>
+                                        <m:brk m:alnAt="7"/>
+                                      </m:rPr>
+                                      <a:rPr lang="en-AU" b="0" i="1" smtClean="0">
+                                        <a:latin typeface="Cambria Math" panose="02040503050406030204" pitchFamily="18" charset="0"/>
+                                      </a:rPr>
+                                      <m:t>𝑘</m:t>
+                                    </m:r>
+                                    <m:r>
+                                      <a:rPr lang="en-AU" b="0" i="1" smtClean="0">
+                                        <a:latin typeface="Cambria Math" panose="02040503050406030204" pitchFamily="18" charset="0"/>
+                                      </a:rPr>
+                                      <m:t>−1 </m:t>
+                                    </m:r>
+                                  </m:sub>
+                                </m:sSub>
+                              </m:e>
+                            </m:mr>
+                            <m:mr>
+                              <m:e>
+                                <m:sSub>
+                                  <m:sSubPr>
+                                    <m:ctrlPr>
+                                      <a:rPr lang="en-AU" b="0" i="1" smtClean="0">
+                                        <a:latin typeface="Cambria Math" panose="02040503050406030204" pitchFamily="18" charset="0"/>
+                                      </a:rPr>
+                                    </m:ctrlPr>
+                                  </m:sSubPr>
+                                  <m:e>
+                                    <m:r>
+                                      <a:rPr lang="en-AU" b="0" i="1" smtClean="0">
+                                        <a:latin typeface="Cambria Math" panose="02040503050406030204" pitchFamily="18" charset="0"/>
+                                      </a:rPr>
+                                      <m:t>𝑞</m:t>
+                                    </m:r>
+                                  </m:e>
+                                  <m:sub>
+                                    <m:r>
+                                      <a:rPr lang="en-AU" b="0" i="1" smtClean="0">
+                                        <a:latin typeface="Cambria Math" panose="02040503050406030204" pitchFamily="18" charset="0"/>
+                                      </a:rPr>
+                                      <m:t>𝑘</m:t>
+                                    </m:r>
+                                    <m:r>
+                                      <a:rPr lang="en-AU" b="0" i="1" smtClean="0">
+                                        <a:latin typeface="Cambria Math" panose="02040503050406030204" pitchFamily="18" charset="0"/>
+                                      </a:rPr>
+                                      <m:t>−1 </m:t>
+                                    </m:r>
+                                  </m:sub>
+                                </m:sSub>
+                              </m:e>
+                            </m:mr>
+                          </m:m>
+                        </m:e>
+                      </m:d>
+                    </m:oMath>
+                  </m:oMathPara>
+                </a14:m>
+                <a:endParaRPr lang="en-AU" dirty="0"/>
+              </a:p>
+              <a:p>
+                <a:pPr marL="0" indent="0">
+                  <a:buNone/>
+                </a:pPr>
+                <a:r>
+                  <a:rPr lang="en-AU" dirty="0"/>
+                  <a:t>Which ends up yielding the recurrence relation</a:t>
+                </a:r>
+              </a:p>
+              <a:p>
+                <a:pPr marL="0" indent="0">
+                  <a:buNone/>
+                </a:pPr>
+                <a14:m>
+                  <m:oMathPara xmlns:m="http://schemas.openxmlformats.org/officeDocument/2006/math">
+                    <m:oMathParaPr>
+                      <m:jc m:val="centerGroup"/>
+                    </m:oMathParaPr>
+                    <m:oMath xmlns:m="http://schemas.openxmlformats.org/officeDocument/2006/math">
+                      <m:sSub>
+                        <m:sSubPr>
+                          <m:ctrlPr>
+                            <a:rPr lang="en-AU" b="0" i="1" smtClean="0">
+                              <a:latin typeface="Cambria Math" panose="02040503050406030204" pitchFamily="18" charset="0"/>
+                            </a:rPr>
+                          </m:ctrlPr>
+                        </m:sSubPr>
+                        <m:e>
+                          <m:r>
+                            <a:rPr lang="en-AU" b="0" i="1" smtClean="0">
+                              <a:latin typeface="Cambria Math" panose="02040503050406030204" pitchFamily="18" charset="0"/>
+                            </a:rPr>
+                            <m:t>𝑝</m:t>
+                          </m:r>
+                        </m:e>
+                        <m:sub>
+                          <m:r>
+                            <a:rPr lang="en-AU" b="0" i="1" smtClean="0">
+                              <a:latin typeface="Cambria Math" panose="02040503050406030204" pitchFamily="18" charset="0"/>
+                            </a:rPr>
+                            <m:t>0</m:t>
+                          </m:r>
+                        </m:sub>
+                      </m:sSub>
+                      <m:r>
+                        <a:rPr lang="en-AU" b="0" i="1" smtClean="0">
+                          <a:latin typeface="Cambria Math" panose="02040503050406030204" pitchFamily="18" charset="0"/>
+                        </a:rPr>
+                        <m:t>=1</m:t>
+                      </m:r>
+                    </m:oMath>
+                  </m:oMathPara>
+                </a14:m>
+                <a:endParaRPr lang="en-AU" dirty="0"/>
+              </a:p>
+              <a:p>
+                <a:pPr marL="0" indent="0">
+                  <a:buNone/>
+                </a:pPr>
+                <a14:m>
+                  <m:oMathPara xmlns:m="http://schemas.openxmlformats.org/officeDocument/2006/math">
+                    <m:oMathParaPr>
+                      <m:jc m:val="centerGroup"/>
+                    </m:oMathParaPr>
+                    <m:oMath xmlns:m="http://schemas.openxmlformats.org/officeDocument/2006/math">
+                      <m:sSub>
+                        <m:sSubPr>
+                          <m:ctrlPr>
+                            <a:rPr lang="en-AU" b="0" i="1" smtClean="0">
+                              <a:latin typeface="Cambria Math" panose="02040503050406030204" pitchFamily="18" charset="0"/>
+                            </a:rPr>
+                          </m:ctrlPr>
+                        </m:sSubPr>
+                        <m:e>
+                          <m:r>
+                            <a:rPr lang="en-AU" b="0" i="1" smtClean="0">
+                              <a:latin typeface="Cambria Math" panose="02040503050406030204" pitchFamily="18" charset="0"/>
+                            </a:rPr>
+                            <m:t>𝑝</m:t>
+                          </m:r>
+                        </m:e>
+                        <m:sub>
+                          <m:r>
+                            <a:rPr lang="en-AU" b="0" i="1" smtClean="0">
+                              <a:latin typeface="Cambria Math" panose="02040503050406030204" pitchFamily="18" charset="0"/>
+                            </a:rPr>
+                            <m:t>1</m:t>
+                          </m:r>
+                        </m:sub>
+                      </m:sSub>
+                      <m:r>
+                        <a:rPr lang="en-AU" b="0" i="1" smtClean="0">
+                          <a:latin typeface="Cambria Math" panose="02040503050406030204" pitchFamily="18" charset="0"/>
+                        </a:rPr>
+                        <m:t>=</m:t>
+                      </m:r>
+                      <m:r>
+                        <a:rPr lang="en-AU" b="0" i="1" smtClean="0">
+                          <a:latin typeface="Cambria Math" panose="02040503050406030204" pitchFamily="18" charset="0"/>
+                        </a:rPr>
+                        <m:t>𝑎</m:t>
+                      </m:r>
+                    </m:oMath>
+                  </m:oMathPara>
+                </a14:m>
+                <a:endParaRPr lang="en-AU" dirty="0"/>
+              </a:p>
+              <a:p>
+                <a:pPr marL="0" indent="0">
+                  <a:buNone/>
+                </a:pPr>
+                <a14:m>
+                  <m:oMathPara xmlns:m="http://schemas.openxmlformats.org/officeDocument/2006/math">
+                    <m:oMathParaPr>
+                      <m:jc m:val="centerGroup"/>
+                    </m:oMathParaPr>
+                    <m:oMath xmlns:m="http://schemas.openxmlformats.org/officeDocument/2006/math">
+                      <m:sSub>
+                        <m:sSubPr>
+                          <m:ctrlPr>
+                            <a:rPr lang="en-AU" b="0" i="1" smtClean="0">
+                              <a:latin typeface="Cambria Math" panose="02040503050406030204" pitchFamily="18" charset="0"/>
+                            </a:rPr>
+                          </m:ctrlPr>
+                        </m:sSubPr>
+                        <m:e>
+                          <m:r>
+                            <a:rPr lang="en-AU" b="0" i="1" smtClean="0">
+                              <a:latin typeface="Cambria Math" panose="02040503050406030204" pitchFamily="18" charset="0"/>
+                            </a:rPr>
+                            <m:t>𝑝</m:t>
+                          </m:r>
+                        </m:e>
+                        <m:sub>
+                          <m:r>
+                            <a:rPr lang="en-AU" b="0" i="1" smtClean="0">
+                              <a:latin typeface="Cambria Math" panose="02040503050406030204" pitchFamily="18" charset="0"/>
+                            </a:rPr>
+                            <m:t>𝑘</m:t>
+                          </m:r>
+                        </m:sub>
+                      </m:sSub>
+                      <m:r>
+                        <a:rPr lang="en-AU" b="0" i="1" smtClean="0">
+                          <a:latin typeface="Cambria Math" panose="02040503050406030204" pitchFamily="18" charset="0"/>
+                        </a:rPr>
+                        <m:t>=</m:t>
+                      </m:r>
+                      <m:d>
+                        <m:dPr>
+                          <m:ctrlPr>
+                            <a:rPr lang="en-AU" b="0" i="1" smtClean="0">
+                              <a:latin typeface="Cambria Math" panose="02040503050406030204" pitchFamily="18" charset="0"/>
+                            </a:rPr>
+                          </m:ctrlPr>
+                        </m:dPr>
+                        <m:e>
+                          <m:r>
+                            <a:rPr lang="en-AU" b="0" i="1" smtClean="0">
+                              <a:latin typeface="Cambria Math" panose="02040503050406030204" pitchFamily="18" charset="0"/>
+                            </a:rPr>
+                            <m:t>1+</m:t>
+                          </m:r>
+                          <m:sSup>
+                            <m:sSupPr>
+                              <m:ctrlPr>
+                                <a:rPr lang="en-AU" b="0" i="1" smtClean="0">
+                                  <a:latin typeface="Cambria Math" panose="02040503050406030204" pitchFamily="18" charset="0"/>
+                                </a:rPr>
+                              </m:ctrlPr>
+                            </m:sSupPr>
+                            <m:e>
+                              <m:r>
+                                <a:rPr lang="en-AU" b="0" i="1" smtClean="0">
+                                  <a:latin typeface="Cambria Math" panose="02040503050406030204" pitchFamily="18" charset="0"/>
+                                </a:rPr>
+                                <m:t>𝑒</m:t>
+                              </m:r>
+                            </m:e>
+                            <m:sup>
+                              <m:r>
+                                <a:rPr lang="en-AU" b="0" i="1" smtClean="0">
+                                  <a:latin typeface="Cambria Math" panose="02040503050406030204" pitchFamily="18" charset="0"/>
+                                </a:rPr>
+                                <m:t>𝑖</m:t>
+                              </m:r>
+                              <m:d>
+                                <m:dPr>
+                                  <m:ctrlPr>
+                                    <a:rPr lang="en-AU" b="0" i="1" smtClean="0">
+                                      <a:latin typeface="Cambria Math" panose="02040503050406030204" pitchFamily="18" charset="0"/>
+                                    </a:rPr>
+                                  </m:ctrlPr>
+                                </m:dPr>
+                                <m:e>
+                                  <m:r>
+                                    <a:rPr lang="en-AU" b="0" i="1" smtClean="0">
+                                      <a:latin typeface="Cambria Math" panose="02040503050406030204" pitchFamily="18" charset="0"/>
+                                    </a:rPr>
+                                    <m:t>𝜋</m:t>
+                                  </m:r>
+                                  <m:r>
+                                    <a:rPr lang="en-AU" b="0" i="1" smtClean="0">
+                                      <a:latin typeface="Cambria Math" panose="02040503050406030204" pitchFamily="18" charset="0"/>
+                                    </a:rPr>
+                                    <m:t>−2</m:t>
+                                  </m:r>
+                                  <m:sSub>
+                                    <m:sSubPr>
+                                      <m:ctrlPr>
+                                        <a:rPr lang="en-AU" b="0" i="1" smtClean="0">
+                                          <a:latin typeface="Cambria Math" panose="02040503050406030204" pitchFamily="18" charset="0"/>
+                                        </a:rPr>
+                                      </m:ctrlPr>
+                                    </m:sSubPr>
+                                    <m:e>
+                                      <m:r>
+                                        <a:rPr lang="en-AU" b="0" i="1" smtClean="0">
+                                          <a:latin typeface="Cambria Math" panose="02040503050406030204" pitchFamily="18" charset="0"/>
+                                        </a:rPr>
+                                        <m:t>𝜙</m:t>
+                                      </m:r>
+                                    </m:e>
+                                    <m:sub>
+                                      <m:r>
+                                        <a:rPr lang="en-AU" b="0" i="1" smtClean="0">
+                                          <a:latin typeface="Cambria Math" panose="02040503050406030204" pitchFamily="18" charset="0"/>
+                                        </a:rPr>
+                                        <m:t>𝑘</m:t>
+                                      </m:r>
+                                      <m:r>
+                                        <a:rPr lang="en-AU" b="0" i="1" smtClean="0">
+                                          <a:latin typeface="Cambria Math" panose="02040503050406030204" pitchFamily="18" charset="0"/>
+                                        </a:rPr>
+                                        <m:t>−1</m:t>
+                                      </m:r>
+                                    </m:sub>
+                                  </m:sSub>
+                                </m:e>
+                              </m:d>
+                            </m:sup>
+                          </m:sSup>
+                        </m:e>
+                      </m:d>
+                      <m:r>
+                        <a:rPr lang="en-AU" b="0" i="1" smtClean="0">
+                          <a:latin typeface="Cambria Math" panose="02040503050406030204" pitchFamily="18" charset="0"/>
+                        </a:rPr>
+                        <m:t>𝑎</m:t>
+                      </m:r>
+                      <m:sSub>
+                        <m:sSubPr>
+                          <m:ctrlPr>
+                            <a:rPr lang="en-AU" b="0" i="1" smtClean="0">
+                              <a:latin typeface="Cambria Math" panose="02040503050406030204" pitchFamily="18" charset="0"/>
+                            </a:rPr>
+                          </m:ctrlPr>
+                        </m:sSubPr>
+                        <m:e>
+                          <m:r>
+                            <a:rPr lang="en-AU" b="0" i="1" smtClean="0">
+                              <a:latin typeface="Cambria Math" panose="02040503050406030204" pitchFamily="18" charset="0"/>
+                            </a:rPr>
+                            <m:t>𝑝</m:t>
+                          </m:r>
+                        </m:e>
+                        <m:sub>
+                          <m:r>
+                            <a:rPr lang="en-AU" b="0" i="1" smtClean="0">
+                              <a:latin typeface="Cambria Math" panose="02040503050406030204" pitchFamily="18" charset="0"/>
+                            </a:rPr>
+                            <m:t>𝑘</m:t>
+                          </m:r>
+                          <m:r>
+                            <a:rPr lang="en-AU" b="0" i="1" smtClean="0">
+                              <a:latin typeface="Cambria Math" panose="02040503050406030204" pitchFamily="18" charset="0"/>
+                            </a:rPr>
+                            <m:t>−1</m:t>
+                          </m:r>
+                        </m:sub>
+                      </m:sSub>
+                      <m:r>
+                        <a:rPr lang="en-AU" b="0" i="1" smtClean="0">
+                          <a:latin typeface="Cambria Math" panose="02040503050406030204" pitchFamily="18" charset="0"/>
+                        </a:rPr>
+                        <m:t>−</m:t>
+                      </m:r>
+                      <m:sSup>
+                        <m:sSupPr>
+                          <m:ctrlPr>
+                            <a:rPr lang="en-AU" b="0" i="1" smtClean="0">
+                              <a:latin typeface="Cambria Math" panose="02040503050406030204" pitchFamily="18" charset="0"/>
+                            </a:rPr>
+                          </m:ctrlPr>
+                        </m:sSupPr>
+                        <m:e>
+                          <m:r>
+                            <a:rPr lang="en-AU" b="0" i="1" smtClean="0">
+                              <a:latin typeface="Cambria Math" panose="02040503050406030204" pitchFamily="18" charset="0"/>
+                            </a:rPr>
+                            <m:t>𝑒</m:t>
+                          </m:r>
+                        </m:e>
+                        <m:sup>
+                          <m:r>
+                            <a:rPr lang="en-AU" b="0" i="1" smtClean="0">
+                              <a:latin typeface="Cambria Math" panose="02040503050406030204" pitchFamily="18" charset="0"/>
+                            </a:rPr>
+                            <m:t>𝑖</m:t>
+                          </m:r>
+                          <m:d>
+                            <m:dPr>
+                              <m:ctrlPr>
+                                <a:rPr lang="en-AU" b="0" i="1" smtClean="0">
+                                  <a:latin typeface="Cambria Math" panose="02040503050406030204" pitchFamily="18" charset="0"/>
+                                </a:rPr>
+                              </m:ctrlPr>
+                            </m:dPr>
+                            <m:e>
+                              <m:r>
+                                <a:rPr lang="en-AU" b="0" i="1" smtClean="0">
+                                  <a:latin typeface="Cambria Math" panose="02040503050406030204" pitchFamily="18" charset="0"/>
+                                </a:rPr>
+                                <m:t>𝜋</m:t>
+                              </m:r>
+                              <m:r>
+                                <a:rPr lang="en-AU" b="0" i="1" smtClean="0">
+                                  <a:latin typeface="Cambria Math" panose="02040503050406030204" pitchFamily="18" charset="0"/>
+                                </a:rPr>
+                                <m:t>−2</m:t>
+                              </m:r>
+                              <m:sSub>
+                                <m:sSubPr>
+                                  <m:ctrlPr>
+                                    <a:rPr lang="en-AU" b="0" i="1" smtClean="0">
+                                      <a:latin typeface="Cambria Math" panose="02040503050406030204" pitchFamily="18" charset="0"/>
+                                    </a:rPr>
+                                  </m:ctrlPr>
+                                </m:sSubPr>
+                                <m:e>
+                                  <m:r>
+                                    <a:rPr lang="en-AU" b="0" i="1" smtClean="0">
+                                      <a:latin typeface="Cambria Math" panose="02040503050406030204" pitchFamily="18" charset="0"/>
+                                    </a:rPr>
+                                    <m:t>𝜙</m:t>
+                                  </m:r>
+                                </m:e>
+                                <m:sub>
+                                  <m:r>
+                                    <a:rPr lang="en-AU" b="0" i="1" smtClean="0">
+                                      <a:latin typeface="Cambria Math" panose="02040503050406030204" pitchFamily="18" charset="0"/>
+                                    </a:rPr>
+                                    <m:t>𝑘</m:t>
+                                  </m:r>
+                                  <m:r>
+                                    <a:rPr lang="en-AU" b="0" i="1" smtClean="0">
+                                      <a:latin typeface="Cambria Math" panose="02040503050406030204" pitchFamily="18" charset="0"/>
+                                    </a:rPr>
+                                    <m:t>−1</m:t>
+                                  </m:r>
+                                </m:sub>
+                              </m:sSub>
+                            </m:e>
+                          </m:d>
+                        </m:sup>
+                      </m:sSup>
+                      <m:sSub>
+                        <m:sSubPr>
+                          <m:ctrlPr>
+                            <a:rPr lang="en-AU" b="0" i="1" smtClean="0">
+                              <a:latin typeface="Cambria Math" panose="02040503050406030204" pitchFamily="18" charset="0"/>
+                            </a:rPr>
+                          </m:ctrlPr>
+                        </m:sSubPr>
+                        <m:e>
+                          <m:r>
+                            <a:rPr lang="en-AU" b="0" i="1" smtClean="0">
+                              <a:latin typeface="Cambria Math" panose="02040503050406030204" pitchFamily="18" charset="0"/>
+                            </a:rPr>
+                            <m:t>𝑝</m:t>
+                          </m:r>
+                        </m:e>
+                        <m:sub>
+                          <m:r>
+                            <a:rPr lang="en-AU" b="0" i="1" smtClean="0">
+                              <a:latin typeface="Cambria Math" panose="02040503050406030204" pitchFamily="18" charset="0"/>
+                            </a:rPr>
+                            <m:t>𝑘</m:t>
+                          </m:r>
+                          <m:r>
+                            <a:rPr lang="en-AU" b="0" i="1" smtClean="0">
+                              <a:latin typeface="Cambria Math" panose="02040503050406030204" pitchFamily="18" charset="0"/>
+                            </a:rPr>
+                            <m:t>−2</m:t>
+                          </m:r>
+                        </m:sub>
+                      </m:sSub>
+                    </m:oMath>
+                  </m:oMathPara>
+                </a14:m>
+                <a:endParaRPr lang="en-AU" dirty="0"/>
+              </a:p>
+              <a:p>
+                <a:pPr marL="0" indent="0">
+                  <a:buNone/>
+                </a:pPr>
+                <a:r>
+                  <a:rPr lang="en-AU" dirty="0"/>
+                  <a:t>We can see that </a:t>
+                </a:r>
+                <a14:m>
+                  <m:oMath xmlns:m="http://schemas.openxmlformats.org/officeDocument/2006/math">
+                    <m:sSub>
+                      <m:sSubPr>
+                        <m:ctrlPr>
+                          <a:rPr lang="en-AU" b="0" i="1" smtClean="0">
+                            <a:latin typeface="Cambria Math" panose="02040503050406030204" pitchFamily="18" charset="0"/>
+                          </a:rPr>
+                        </m:ctrlPr>
+                      </m:sSubPr>
+                      <m:e>
+                        <m:r>
+                          <a:rPr lang="en-AU" b="0" i="1" smtClean="0">
+                            <a:latin typeface="Cambria Math" panose="02040503050406030204" pitchFamily="18" charset="0"/>
+                          </a:rPr>
+                          <m:t>𝑝</m:t>
+                        </m:r>
+                      </m:e>
+                      <m:sub>
+                        <m:r>
+                          <a:rPr lang="en-AU" b="0" i="1" smtClean="0">
+                            <a:latin typeface="Cambria Math" panose="02040503050406030204" pitchFamily="18" charset="0"/>
+                          </a:rPr>
+                          <m:t>𝑘</m:t>
+                        </m:r>
+                      </m:sub>
+                    </m:sSub>
+                  </m:oMath>
+                </a14:m>
+                <a:r>
+                  <a:rPr lang="en-AU" dirty="0"/>
+                  <a:t> is a generalisation of the Chebyshev polynomials of the first kind</a:t>
+                </a:r>
+              </a:p>
+              <a:p>
+                <a:pPr marL="0" indent="0">
+                  <a:buNone/>
+                </a:pPr>
+                <a14:m>
+                  <m:oMathPara xmlns:m="http://schemas.openxmlformats.org/officeDocument/2006/math">
+                    <m:oMathParaPr>
+                      <m:jc m:val="centerGroup"/>
+                    </m:oMathParaPr>
+                    <m:oMath xmlns:m="http://schemas.openxmlformats.org/officeDocument/2006/math">
+                      <m:sSub>
+                        <m:sSubPr>
+                          <m:ctrlPr>
+                            <a:rPr lang="en-AU" b="0" i="1" smtClean="0">
+                              <a:latin typeface="Cambria Math" panose="02040503050406030204" pitchFamily="18" charset="0"/>
+                            </a:rPr>
+                          </m:ctrlPr>
+                        </m:sSubPr>
+                        <m:e>
+                          <m:r>
+                            <a:rPr lang="en-AU" b="0" i="1" smtClean="0">
+                              <a:latin typeface="Cambria Math" panose="02040503050406030204" pitchFamily="18" charset="0"/>
+                            </a:rPr>
+                            <m:t>𝑇</m:t>
+                          </m:r>
+                        </m:e>
+                        <m:sub>
+                          <m:r>
+                            <a:rPr lang="en-AU" b="0" i="1" smtClean="0">
+                              <a:latin typeface="Cambria Math" panose="02040503050406030204" pitchFamily="18" charset="0"/>
+                            </a:rPr>
+                            <m:t>0</m:t>
+                          </m:r>
+                        </m:sub>
+                      </m:sSub>
+                      <m:r>
+                        <a:rPr lang="en-AU" b="0" i="1" smtClean="0">
+                          <a:latin typeface="Cambria Math" panose="02040503050406030204" pitchFamily="18" charset="0"/>
+                        </a:rPr>
+                        <m:t>(</m:t>
+                      </m:r>
+                      <m:r>
+                        <a:rPr lang="en-AU" b="0" i="1" smtClean="0">
+                          <a:latin typeface="Cambria Math" panose="02040503050406030204" pitchFamily="18" charset="0"/>
+                        </a:rPr>
+                        <m:t>𝑎</m:t>
+                      </m:r>
+                      <m:r>
+                        <a:rPr lang="en-AU" b="0" i="1" smtClean="0">
+                          <a:latin typeface="Cambria Math" panose="02040503050406030204" pitchFamily="18" charset="0"/>
+                        </a:rPr>
+                        <m:t>)=1</m:t>
+                      </m:r>
+                    </m:oMath>
+                  </m:oMathPara>
+                </a14:m>
+                <a:endParaRPr lang="en-AU" b="0" dirty="0"/>
+              </a:p>
+              <a:p>
+                <a:pPr marL="0" indent="0">
+                  <a:buNone/>
+                </a:pPr>
+                <a14:m>
+                  <m:oMathPara xmlns:m="http://schemas.openxmlformats.org/officeDocument/2006/math">
+                    <m:oMathParaPr>
+                      <m:jc m:val="centerGroup"/>
+                    </m:oMathParaPr>
+                    <m:oMath xmlns:m="http://schemas.openxmlformats.org/officeDocument/2006/math">
+                      <m:sSub>
+                        <m:sSubPr>
+                          <m:ctrlPr>
+                            <a:rPr lang="en-AU" b="0" i="1" smtClean="0">
+                              <a:latin typeface="Cambria Math" panose="02040503050406030204" pitchFamily="18" charset="0"/>
+                            </a:rPr>
+                          </m:ctrlPr>
+                        </m:sSubPr>
+                        <m:e>
+                          <m:r>
+                            <a:rPr lang="en-AU" b="0" i="1" smtClean="0">
+                              <a:latin typeface="Cambria Math" panose="02040503050406030204" pitchFamily="18" charset="0"/>
+                            </a:rPr>
+                            <m:t>𝑇</m:t>
+                          </m:r>
+                        </m:e>
+                        <m:sub>
+                          <m:r>
+                            <a:rPr lang="en-AU" b="0" i="1" smtClean="0">
+                              <a:latin typeface="Cambria Math" panose="02040503050406030204" pitchFamily="18" charset="0"/>
+                            </a:rPr>
+                            <m:t>1</m:t>
+                          </m:r>
+                        </m:sub>
+                      </m:sSub>
+                      <m:d>
+                        <m:dPr>
+                          <m:ctrlPr>
+                            <a:rPr lang="en-AU" b="0" i="1" smtClean="0">
+                              <a:latin typeface="Cambria Math" panose="02040503050406030204" pitchFamily="18" charset="0"/>
+                            </a:rPr>
+                          </m:ctrlPr>
+                        </m:dPr>
+                        <m:e>
+                          <m:r>
+                            <a:rPr lang="en-AU" b="0" i="1" smtClean="0">
+                              <a:latin typeface="Cambria Math" panose="02040503050406030204" pitchFamily="18" charset="0"/>
+                            </a:rPr>
+                            <m:t>𝑎</m:t>
+                          </m:r>
+                        </m:e>
+                      </m:d>
+                      <m:r>
+                        <a:rPr lang="en-AU" b="0" i="1" smtClean="0">
+                          <a:latin typeface="Cambria Math" panose="02040503050406030204" pitchFamily="18" charset="0"/>
+                        </a:rPr>
+                        <m:t>=</m:t>
+                      </m:r>
+                      <m:r>
+                        <a:rPr lang="en-AU" b="0" i="1" smtClean="0">
+                          <a:latin typeface="Cambria Math" panose="02040503050406030204" pitchFamily="18" charset="0"/>
+                        </a:rPr>
+                        <m:t>𝑎</m:t>
+                      </m:r>
+                    </m:oMath>
+                  </m:oMathPara>
+                </a14:m>
+                <a:endParaRPr lang="en-AU" dirty="0"/>
+              </a:p>
+              <a:p>
+                <a:pPr marL="0" indent="0">
+                  <a:buNone/>
+                </a:pPr>
+                <a14:m>
+                  <m:oMathPara xmlns:m="http://schemas.openxmlformats.org/officeDocument/2006/math">
+                    <m:oMathParaPr>
+                      <m:jc m:val="centerGroup"/>
+                    </m:oMathParaPr>
+                    <m:oMath xmlns:m="http://schemas.openxmlformats.org/officeDocument/2006/math">
+                      <m:sSub>
+                        <m:sSubPr>
+                          <m:ctrlPr>
+                            <a:rPr lang="en-AU" b="0" i="1" smtClean="0">
+                              <a:latin typeface="Cambria Math" panose="02040503050406030204" pitchFamily="18" charset="0"/>
+                            </a:rPr>
+                          </m:ctrlPr>
+                        </m:sSubPr>
+                        <m:e>
+                          <m:r>
+                            <a:rPr lang="en-AU" b="0" i="1" smtClean="0">
+                              <a:latin typeface="Cambria Math" panose="02040503050406030204" pitchFamily="18" charset="0"/>
+                            </a:rPr>
+                            <m:t>𝑇</m:t>
+                          </m:r>
+                        </m:e>
+                        <m:sub>
+                          <m:r>
+                            <a:rPr lang="en-AU" b="0" i="1" smtClean="0">
+                              <a:latin typeface="Cambria Math" panose="02040503050406030204" pitchFamily="18" charset="0"/>
+                            </a:rPr>
+                            <m:t>𝑘</m:t>
+                          </m:r>
+                        </m:sub>
+                      </m:sSub>
+                      <m:d>
+                        <m:dPr>
+                          <m:ctrlPr>
+                            <a:rPr lang="en-AU" b="0" i="1" smtClean="0">
+                              <a:latin typeface="Cambria Math" panose="02040503050406030204" pitchFamily="18" charset="0"/>
+                            </a:rPr>
+                          </m:ctrlPr>
+                        </m:dPr>
+                        <m:e>
+                          <m:r>
+                            <a:rPr lang="en-AU" b="0" i="1" smtClean="0">
+                              <a:latin typeface="Cambria Math" panose="02040503050406030204" pitchFamily="18" charset="0"/>
+                            </a:rPr>
+                            <m:t>𝑎</m:t>
+                          </m:r>
+                        </m:e>
+                      </m:d>
+                      <m:r>
+                        <a:rPr lang="en-AU" b="0" i="1" smtClean="0">
+                          <a:latin typeface="Cambria Math" panose="02040503050406030204" pitchFamily="18" charset="0"/>
+                        </a:rPr>
+                        <m:t>=2</m:t>
+                      </m:r>
+                      <m:r>
+                        <a:rPr lang="en-AU" b="0" i="1" smtClean="0">
+                          <a:latin typeface="Cambria Math" panose="02040503050406030204" pitchFamily="18" charset="0"/>
+                        </a:rPr>
+                        <m:t>𝑎</m:t>
+                      </m:r>
+                      <m:sSub>
+                        <m:sSubPr>
+                          <m:ctrlPr>
+                            <a:rPr lang="en-AU" b="0" i="1" smtClean="0">
+                              <a:latin typeface="Cambria Math" panose="02040503050406030204" pitchFamily="18" charset="0"/>
+                            </a:rPr>
+                          </m:ctrlPr>
+                        </m:sSubPr>
+                        <m:e>
+                          <m:r>
+                            <a:rPr lang="en-AU" b="0" i="1" smtClean="0">
+                              <a:latin typeface="Cambria Math" panose="02040503050406030204" pitchFamily="18" charset="0"/>
+                            </a:rPr>
+                            <m:t>𝑇</m:t>
+                          </m:r>
+                        </m:e>
+                        <m:sub>
+                          <m:r>
+                            <a:rPr lang="en-AU" b="0" i="1" smtClean="0">
+                              <a:latin typeface="Cambria Math" panose="02040503050406030204" pitchFamily="18" charset="0"/>
+                            </a:rPr>
+                            <m:t>𝑘</m:t>
+                          </m:r>
+                          <m:r>
+                            <a:rPr lang="en-AU" b="0" i="1" smtClean="0">
+                              <a:latin typeface="Cambria Math" panose="02040503050406030204" pitchFamily="18" charset="0"/>
+                            </a:rPr>
+                            <m:t>−1</m:t>
+                          </m:r>
+                        </m:sub>
+                      </m:sSub>
+                      <m:d>
+                        <m:dPr>
+                          <m:ctrlPr>
+                            <a:rPr lang="en-AU" b="0" i="1" smtClean="0">
+                              <a:latin typeface="Cambria Math" panose="02040503050406030204" pitchFamily="18" charset="0"/>
+                            </a:rPr>
+                          </m:ctrlPr>
+                        </m:dPr>
+                        <m:e>
+                          <m:r>
+                            <a:rPr lang="en-AU" b="0" i="1" smtClean="0">
+                              <a:latin typeface="Cambria Math" panose="02040503050406030204" pitchFamily="18" charset="0"/>
+                            </a:rPr>
+                            <m:t>𝑎</m:t>
+                          </m:r>
+                        </m:e>
+                      </m:d>
+                      <m:r>
+                        <a:rPr lang="en-AU" b="0" i="1" smtClean="0">
+                          <a:latin typeface="Cambria Math" panose="02040503050406030204" pitchFamily="18" charset="0"/>
+                        </a:rPr>
+                        <m:t>−</m:t>
+                      </m:r>
+                      <m:sSub>
+                        <m:sSubPr>
+                          <m:ctrlPr>
+                            <a:rPr lang="en-AU" b="0" i="1" smtClean="0">
+                              <a:latin typeface="Cambria Math" panose="02040503050406030204" pitchFamily="18" charset="0"/>
+                            </a:rPr>
+                          </m:ctrlPr>
+                        </m:sSubPr>
+                        <m:e>
+                          <m:r>
+                            <a:rPr lang="en-AU" b="0" i="1" smtClean="0">
+                              <a:latin typeface="Cambria Math" panose="02040503050406030204" pitchFamily="18" charset="0"/>
+                            </a:rPr>
+                            <m:t>𝑇</m:t>
+                          </m:r>
+                        </m:e>
+                        <m:sub>
+                          <m:r>
+                            <a:rPr lang="en-AU" b="0" i="1" smtClean="0">
+                              <a:latin typeface="Cambria Math" panose="02040503050406030204" pitchFamily="18" charset="0"/>
+                            </a:rPr>
+                            <m:t>𝑘</m:t>
+                          </m:r>
+                          <m:r>
+                            <a:rPr lang="en-AU" b="0" i="1" smtClean="0">
+                              <a:latin typeface="Cambria Math" panose="02040503050406030204" pitchFamily="18" charset="0"/>
+                            </a:rPr>
+                            <m:t>−2</m:t>
+                          </m:r>
+                        </m:sub>
+                      </m:sSub>
+                      <m:r>
+                        <a:rPr lang="en-AU" b="0" i="1" smtClean="0">
+                          <a:latin typeface="Cambria Math" panose="02040503050406030204" pitchFamily="18" charset="0"/>
+                        </a:rPr>
+                        <m:t>(</m:t>
+                      </m:r>
+                      <m:r>
+                        <a:rPr lang="en-AU" b="0" i="1" smtClean="0">
+                          <a:latin typeface="Cambria Math" panose="02040503050406030204" pitchFamily="18" charset="0"/>
+                        </a:rPr>
+                        <m:t>𝑎</m:t>
+                      </m:r>
+                      <m:r>
+                        <a:rPr lang="en-AU" b="0" i="1" smtClean="0">
+                          <a:latin typeface="Cambria Math" panose="02040503050406030204" pitchFamily="18" charset="0"/>
+                        </a:rPr>
+                        <m:t>)</m:t>
+                      </m:r>
+                    </m:oMath>
+                  </m:oMathPara>
+                </a14:m>
+                <a:endParaRPr lang="en-AU" dirty="0"/>
+              </a:p>
+              <a:p>
+                <a:pPr marL="0" indent="0">
+                  <a:buNone/>
+                </a:pPr>
+                <a:r>
+                  <a:rPr lang="en-AU" dirty="0"/>
+                  <a:t>Which occurs when </a:t>
+                </a:r>
+                <a14:m>
+                  <m:oMath xmlns:m="http://schemas.openxmlformats.org/officeDocument/2006/math">
+                    <m:sSub>
+                      <m:sSubPr>
+                        <m:ctrlPr>
+                          <a:rPr lang="en-AU" b="0" i="1" smtClean="0">
+                            <a:latin typeface="Cambria Math" panose="02040503050406030204" pitchFamily="18" charset="0"/>
+                          </a:rPr>
+                        </m:ctrlPr>
+                      </m:sSubPr>
+                      <m:e>
+                        <m:r>
+                          <a:rPr lang="en-AU" b="0" i="1" smtClean="0">
+                            <a:latin typeface="Cambria Math" panose="02040503050406030204" pitchFamily="18" charset="0"/>
+                          </a:rPr>
+                          <m:t>𝜙</m:t>
+                        </m:r>
+                      </m:e>
+                      <m:sub>
+                        <m:r>
+                          <a:rPr lang="en-AU" b="0" i="1" smtClean="0">
+                            <a:latin typeface="Cambria Math" panose="02040503050406030204" pitchFamily="18" charset="0"/>
+                          </a:rPr>
+                          <m:t>𝑗</m:t>
+                        </m:r>
+                      </m:sub>
+                    </m:sSub>
+                    <m:r>
+                      <a:rPr lang="en-AU" b="0" i="1" smtClean="0">
+                        <a:latin typeface="Cambria Math" panose="02040503050406030204" pitchFamily="18" charset="0"/>
+                      </a:rPr>
+                      <m:t>=</m:t>
+                    </m:r>
+                    <m:f>
+                      <m:fPr>
+                        <m:ctrlPr>
+                          <a:rPr lang="en-AU" b="0" i="1" smtClean="0">
+                            <a:latin typeface="Cambria Math" panose="02040503050406030204" pitchFamily="18" charset="0"/>
+                          </a:rPr>
+                        </m:ctrlPr>
+                      </m:fPr>
+                      <m:num>
+                        <m:r>
+                          <a:rPr lang="en-AU" b="0" i="1" smtClean="0">
+                            <a:latin typeface="Cambria Math" panose="02040503050406030204" pitchFamily="18" charset="0"/>
+                          </a:rPr>
+                          <m:t>𝜋</m:t>
+                        </m:r>
+                      </m:num>
+                      <m:den>
+                        <m:r>
+                          <a:rPr lang="en-AU" b="0" i="1" smtClean="0">
+                            <a:latin typeface="Cambria Math" panose="02040503050406030204" pitchFamily="18" charset="0"/>
+                          </a:rPr>
+                          <m:t>2</m:t>
+                        </m:r>
+                      </m:den>
+                    </m:f>
+                  </m:oMath>
+                </a14:m>
+                <a:r>
+                  <a:rPr lang="en-AU" dirty="0"/>
+                  <a:t> for </a:t>
+                </a:r>
+                <a14:m>
+                  <m:oMath xmlns:m="http://schemas.openxmlformats.org/officeDocument/2006/math">
+                    <m:r>
+                      <a:rPr lang="en-AU" b="0" i="1" smtClean="0">
+                        <a:latin typeface="Cambria Math" panose="02040503050406030204" pitchFamily="18" charset="0"/>
+                      </a:rPr>
+                      <m:t>𝑗</m:t>
+                    </m:r>
+                    <m:r>
+                      <a:rPr lang="en-AU" b="0" i="1" smtClean="0">
+                        <a:latin typeface="Cambria Math" panose="02040503050406030204" pitchFamily="18" charset="0"/>
+                      </a:rPr>
+                      <m:t>∈{1…</m:t>
+                    </m:r>
+                    <m:r>
+                      <a:rPr lang="en-AU" b="0" i="1" smtClean="0">
+                        <a:latin typeface="Cambria Math" panose="02040503050406030204" pitchFamily="18" charset="0"/>
+                      </a:rPr>
+                      <m:t>𝑘</m:t>
+                    </m:r>
+                    <m:r>
+                      <a:rPr lang="en-AU" b="0" i="1" smtClean="0">
+                        <a:latin typeface="Cambria Math" panose="02040503050406030204" pitchFamily="18" charset="0"/>
+                      </a:rPr>
+                      <m:t>}</m:t>
+                    </m:r>
+                  </m:oMath>
+                </a14:m>
+                <a:r>
+                  <a:rPr lang="en-AU" dirty="0"/>
+                  <a:t>.</a:t>
+                </a:r>
+              </a:p>
+            </p:txBody>
+          </p:sp>
+        </mc:Choice>
+        <mc:Fallback>
+          <p:sp>
+            <p:nvSpPr>
+              <p:cNvPr id="3" name="Content Placeholder 2">
+                <a:extLst>
+                  <a:ext uri="{FF2B5EF4-FFF2-40B4-BE49-F238E27FC236}">
+                    <a16:creationId xmlns:a16="http://schemas.microsoft.com/office/drawing/2014/main" id="{228598A4-4DF6-9ED3-244E-7D46D4182DEC}"/>
+                  </a:ext>
+                </a:extLst>
+              </p:cNvPr>
+              <p:cNvSpPr>
+                <a:spLocks noGrp="1" noRot="1" noChangeAspect="1" noMove="1" noResize="1" noEditPoints="1" noAdjustHandles="1" noChangeArrowheads="1" noChangeShapeType="1" noTextEdit="1"/>
+              </p:cNvSpPr>
+              <p:nvPr>
+                <p:ph idx="1"/>
+              </p:nvPr>
+            </p:nvSpPr>
+            <p:spPr>
+              <a:blipFill>
+                <a:blip r:embed="rId2"/>
+                <a:stretch>
+                  <a:fillRect l="-754" t="-2661"/>
+                </a:stretch>
+              </a:blipFill>
+            </p:spPr>
+            <p:txBody>
+              <a:bodyPr/>
+              <a:lstStyle/>
+              <a:p>
+                <a:r>
+                  <a:rPr lang="en-AU">
+                    <a:noFill/>
+                  </a:rPr>
+                  <a:t> </a:t>
+                </a:r>
+              </a:p>
+            </p:txBody>
+          </p:sp>
+        </mc:Fallback>
+      </mc:AlternateContent>
+    </p:spTree>
+    <p:extLst>
+      <p:ext uri="{BB962C8B-B14F-4D97-AF65-F5344CB8AC3E}">
+        <p14:creationId xmlns:p14="http://schemas.microsoft.com/office/powerpoint/2010/main" val="2277734282"/>
+      </p:ext>
+    </p:extLst>
+  </p:cSld>
+  <p:clrMapOvr>
+    <a:masterClrMapping/>
+  </p:clrMapOvr>
+</p:sld>
+</file>
+
+<file path=ppt/slides/slide12.xml><?xml version="1.0" encoding="utf-8"?>
+<p:sld xmlns:a="http://schemas.openxmlformats.org/drawingml/2006/main" xmlns:r="http://schemas.openxmlformats.org/officeDocument/2006/relationships" xmlns:p="http://schemas.openxmlformats.org/presentationml/2006/main" show="0">
+  <p:cSld>
+    <p:spTree>
+      <p:nvGrpSpPr>
+        <p:cNvPr id="1" name=""/>
+        <p:cNvGrpSpPr/>
+        <p:nvPr/>
+      </p:nvGrpSpPr>
+      <p:grpSpPr>
+        <a:xfrm>
+          <a:off x="0" y="0"/>
+          <a:ext cx="0" cy="0"/>
+          <a:chOff x="0" y="0"/>
+          <a:chExt cx="0" cy="0"/>
+        </a:xfrm>
+      </p:grpSpPr>
+      <mc:AlternateContent xmlns:mc="http://schemas.openxmlformats.org/markup-compatibility/2006">
+        <mc:Choice xmlns:a14="http://schemas.microsoft.com/office/drawing/2010/main" Requires="a14">
+          <p:sp>
+            <p:nvSpPr>
+              <p:cNvPr id="3" name="Content Placeholder 2">
+                <a:extLst>
+                  <a:ext uri="{FF2B5EF4-FFF2-40B4-BE49-F238E27FC236}">
+                    <a16:creationId xmlns:a16="http://schemas.microsoft.com/office/drawing/2014/main" id="{C5E596A3-C173-08FE-BA8C-0C9F658BA7D2}"/>
+                  </a:ext>
+                </a:extLst>
+              </p:cNvPr>
+              <p:cNvSpPr>
+                <a:spLocks noGrp="1"/>
+              </p:cNvSpPr>
+              <p:nvPr>
+                <p:ph idx="1"/>
+              </p:nvPr>
+            </p:nvSpPr>
+            <p:spPr>
+              <a:xfrm>
+                <a:off x="838200" y="355002"/>
+                <a:ext cx="10515600" cy="5821961"/>
+              </a:xfrm>
+            </p:spPr>
+            <p:txBody>
+              <a:bodyPr>
+                <a:normAutofit fontScale="70000" lnSpcReduction="20000"/>
+              </a:bodyPr>
+              <a:lstStyle/>
+              <a:p>
+                <a:pPr marL="0" indent="0">
+                  <a:buNone/>
+                </a:pPr>
+                <a:r>
+                  <a:rPr lang="en-AU" dirty="0"/>
+                  <a:t>Let </a:t>
+                </a:r>
+                <a:endParaRPr lang="en-AU" i="0" dirty="0">
+                  <a:latin typeface="Cambria Math" panose="02040503050406030204" pitchFamily="18" charset="0"/>
+                </a:endParaRPr>
+              </a:p>
+              <a:p>
+                <a:pPr>
+                  <a:buFontTx/>
+                  <a:buChar char="-"/>
+                </a:pPr>
+                <a14:m>
+                  <m:oMath xmlns:m="http://schemas.openxmlformats.org/officeDocument/2006/math">
+                    <m:r>
+                      <m:rPr>
+                        <m:sty m:val="p"/>
+                      </m:rPr>
+                      <a:rPr lang="en-AU" i="0" dirty="0" smtClean="0">
+                        <a:latin typeface="Cambria Math" panose="02040503050406030204" pitchFamily="18" charset="0"/>
+                      </a:rPr>
+                      <m:t>S</m:t>
+                    </m:r>
+                  </m:oMath>
+                </a14:m>
+                <a:r>
+                  <a:rPr lang="en-AU" dirty="0"/>
+                  <a:t> be the time to set up the initial (stationary) distribution, </a:t>
+                </a:r>
+              </a:p>
+              <a:p>
+                <a:pPr>
+                  <a:buFontTx/>
+                  <a:buChar char="-"/>
+                </a:pPr>
+                <a14:m>
+                  <m:oMath xmlns:m="http://schemas.openxmlformats.org/officeDocument/2006/math">
+                    <m:r>
+                      <m:rPr>
+                        <m:sty m:val="p"/>
+                      </m:rPr>
+                      <a:rPr lang="en-AU" b="0" i="0" smtClean="0">
+                        <a:latin typeface="Cambria Math" panose="02040503050406030204" pitchFamily="18" charset="0"/>
+                      </a:rPr>
+                      <m:t>C</m:t>
+                    </m:r>
+                  </m:oMath>
+                </a14:m>
+                <a:r>
+                  <a:rPr lang="en-AU" dirty="0"/>
+                  <a:t> the time to check if a state is marked,</a:t>
+                </a:r>
+              </a:p>
+              <a:p>
+                <a:pPr>
+                  <a:buFontTx/>
+                  <a:buChar char="-"/>
+                </a:pPr>
+                <a14:m>
+                  <m:oMath xmlns:m="http://schemas.openxmlformats.org/officeDocument/2006/math">
+                    <m:r>
+                      <m:rPr>
+                        <m:sty m:val="p"/>
+                      </m:rPr>
+                      <a:rPr lang="en-AU" b="0" i="0" smtClean="0">
+                        <a:latin typeface="Cambria Math" panose="02040503050406030204" pitchFamily="18" charset="0"/>
+                      </a:rPr>
+                      <m:t>U</m:t>
+                    </m:r>
+                  </m:oMath>
+                </a14:m>
+                <a:r>
+                  <a:rPr lang="en-AU" dirty="0"/>
+                  <a:t> the time to invoke the quantum walk operator,</a:t>
+                </a:r>
+              </a:p>
+              <a:p>
+                <a:pPr>
+                  <a:buFontTx/>
+                  <a:buChar char="-"/>
+                </a:pPr>
+                <a14:m>
+                  <m:oMath xmlns:m="http://schemas.openxmlformats.org/officeDocument/2006/math">
+                    <m:r>
+                      <a:rPr lang="en-AU" b="0" i="1" smtClean="0">
+                        <a:latin typeface="Cambria Math" panose="02040503050406030204" pitchFamily="18" charset="0"/>
+                      </a:rPr>
+                      <m:t>𝜀</m:t>
+                    </m:r>
+                  </m:oMath>
+                </a14:m>
+                <a:r>
+                  <a:rPr lang="en-AU" dirty="0"/>
+                  <a:t> be a known lower bound of the probability that a marked state in the initial distribution,</a:t>
+                </a:r>
+              </a:p>
+              <a:p>
+                <a:pPr>
+                  <a:buFontTx/>
+                  <a:buChar char="-"/>
+                </a:pPr>
+                <a14:m>
+                  <m:oMath xmlns:m="http://schemas.openxmlformats.org/officeDocument/2006/math">
+                    <m:r>
+                      <a:rPr lang="en-AU" b="0" i="1" smtClean="0">
+                        <a:latin typeface="Cambria Math" panose="02040503050406030204" pitchFamily="18" charset="0"/>
+                      </a:rPr>
+                      <m:t>𝛿</m:t>
+                    </m:r>
+                  </m:oMath>
+                </a14:m>
+                <a:r>
+                  <a:rPr lang="en-AU" dirty="0"/>
+                  <a:t> be the eigenvalue gap of the transition matrix of the Markov chain, and</a:t>
+                </a:r>
+              </a:p>
+              <a:p>
+                <a:pPr>
+                  <a:buFontTx/>
+                  <a:buChar char="-"/>
+                </a:pPr>
+                <a14:m>
+                  <m:oMath xmlns:m="http://schemas.openxmlformats.org/officeDocument/2006/math">
+                    <m:r>
+                      <a:rPr lang="en-AU" b="0" i="1" smtClean="0">
+                        <a:latin typeface="Cambria Math" panose="02040503050406030204" pitchFamily="18" charset="0"/>
+                      </a:rPr>
+                      <m:t>𝐻𝑇</m:t>
+                    </m:r>
+                  </m:oMath>
+                </a14:m>
+                <a:r>
+                  <a:rPr lang="en-AU" dirty="0"/>
+                  <a:t> be the hitting time of any marked vertex starting from the stationary distribution</a:t>
+                </a:r>
+              </a:p>
+              <a:p>
+                <a:pPr marL="0" indent="0">
+                  <a:buNone/>
+                </a:pPr>
+                <a:endParaRPr lang="en-AU" dirty="0"/>
+              </a:p>
+              <a:p>
+                <a:pPr marL="0" indent="0">
+                  <a:buNone/>
+                </a:pPr>
+                <a:r>
+                  <a:rPr lang="en-AU" dirty="0"/>
+                  <a:t>The MNRS algorithm achieves</a:t>
+                </a:r>
+              </a:p>
+              <a:p>
+                <a:pPr marL="0" indent="0">
+                  <a:buNone/>
+                </a:pPr>
+                <a14:m>
+                  <m:oMathPara xmlns:m="http://schemas.openxmlformats.org/officeDocument/2006/math">
+                    <m:oMathParaPr>
+                      <m:jc m:val="centerGroup"/>
+                    </m:oMathParaPr>
+                    <m:oMath xmlns:m="http://schemas.openxmlformats.org/officeDocument/2006/math">
+                      <m:r>
+                        <a:rPr lang="en-AU" b="0" i="1" smtClean="0">
+                          <a:latin typeface="Cambria Math" panose="02040503050406030204" pitchFamily="18" charset="0"/>
+                        </a:rPr>
+                        <m:t>𝑂</m:t>
+                      </m:r>
+                      <m:d>
+                        <m:dPr>
+                          <m:ctrlPr>
+                            <a:rPr lang="en-AU" b="0" i="1" smtClean="0">
+                              <a:latin typeface="Cambria Math" panose="02040503050406030204" pitchFamily="18" charset="0"/>
+                            </a:rPr>
+                          </m:ctrlPr>
+                        </m:dPr>
+                        <m:e>
+                          <m:r>
+                            <m:rPr>
+                              <m:sty m:val="p"/>
+                            </m:rPr>
+                            <a:rPr lang="en-AU" b="0" i="0" smtClean="0">
+                              <a:latin typeface="Cambria Math" panose="02040503050406030204" pitchFamily="18" charset="0"/>
+                            </a:rPr>
+                            <m:t>S</m:t>
+                          </m:r>
+                          <m:r>
+                            <a:rPr lang="en-AU" b="0" i="0" smtClean="0">
+                              <a:latin typeface="Cambria Math" panose="02040503050406030204" pitchFamily="18" charset="0"/>
+                            </a:rPr>
+                            <m:t>+</m:t>
+                          </m:r>
+                          <m:f>
+                            <m:fPr>
+                              <m:ctrlPr>
+                                <a:rPr lang="en-AU" b="0" i="1" smtClean="0">
+                                  <a:latin typeface="Cambria Math" panose="02040503050406030204" pitchFamily="18" charset="0"/>
+                                </a:rPr>
+                              </m:ctrlPr>
+                            </m:fPr>
+                            <m:num>
+                              <m:r>
+                                <a:rPr lang="en-AU" b="0" i="1" smtClean="0">
+                                  <a:latin typeface="Cambria Math" panose="02040503050406030204" pitchFamily="18" charset="0"/>
+                                </a:rPr>
+                                <m:t>1</m:t>
+                              </m:r>
+                            </m:num>
+                            <m:den>
+                              <m:rad>
+                                <m:radPr>
+                                  <m:degHide m:val="on"/>
+                                  <m:ctrlPr>
+                                    <a:rPr lang="en-AU" b="0" i="1" smtClean="0">
+                                      <a:latin typeface="Cambria Math" panose="02040503050406030204" pitchFamily="18" charset="0"/>
+                                    </a:rPr>
+                                  </m:ctrlPr>
+                                </m:radPr>
+                                <m:deg/>
+                                <m:e>
+                                  <m:r>
+                                    <a:rPr lang="en-AU" b="0" i="1" smtClean="0">
+                                      <a:latin typeface="Cambria Math" panose="02040503050406030204" pitchFamily="18" charset="0"/>
+                                    </a:rPr>
+                                    <m:t>𝜀</m:t>
+                                  </m:r>
+                                </m:e>
+                              </m:rad>
+                            </m:den>
+                          </m:f>
+                          <m:d>
+                            <m:dPr>
+                              <m:ctrlPr>
+                                <a:rPr lang="en-AU" b="0" i="1" smtClean="0">
+                                  <a:latin typeface="Cambria Math" panose="02040503050406030204" pitchFamily="18" charset="0"/>
+                                </a:rPr>
+                              </m:ctrlPr>
+                            </m:dPr>
+                            <m:e>
+                              <m:r>
+                                <m:rPr>
+                                  <m:sty m:val="p"/>
+                                </m:rPr>
+                                <a:rPr lang="en-AU" b="0" i="0" smtClean="0">
+                                  <a:latin typeface="Cambria Math" panose="02040503050406030204" pitchFamily="18" charset="0"/>
+                                </a:rPr>
+                                <m:t>C</m:t>
+                              </m:r>
+                              <m:r>
+                                <a:rPr lang="en-AU" b="0" i="0" smtClean="0">
+                                  <a:latin typeface="Cambria Math" panose="02040503050406030204" pitchFamily="18" charset="0"/>
+                                </a:rPr>
+                                <m:t>+</m:t>
+                              </m:r>
+                              <m:f>
+                                <m:fPr>
+                                  <m:ctrlPr>
+                                    <a:rPr lang="en-AU" b="0" i="1" smtClean="0">
+                                      <a:latin typeface="Cambria Math" panose="02040503050406030204" pitchFamily="18" charset="0"/>
+                                    </a:rPr>
+                                  </m:ctrlPr>
+                                </m:fPr>
+                                <m:num>
+                                  <m:r>
+                                    <a:rPr lang="en-AU" b="0" i="1" smtClean="0">
+                                      <a:latin typeface="Cambria Math" panose="02040503050406030204" pitchFamily="18" charset="0"/>
+                                    </a:rPr>
+                                    <m:t>1</m:t>
+                                  </m:r>
+                                </m:num>
+                                <m:den>
+                                  <m:rad>
+                                    <m:radPr>
+                                      <m:degHide m:val="on"/>
+                                      <m:ctrlPr>
+                                        <a:rPr lang="en-AU" b="0" i="1" smtClean="0">
+                                          <a:latin typeface="Cambria Math" panose="02040503050406030204" pitchFamily="18" charset="0"/>
+                                        </a:rPr>
+                                      </m:ctrlPr>
+                                    </m:radPr>
+                                    <m:deg/>
+                                    <m:e>
+                                      <m:r>
+                                        <a:rPr lang="en-AU" b="0" i="1" smtClean="0">
+                                          <a:latin typeface="Cambria Math" panose="02040503050406030204" pitchFamily="18" charset="0"/>
+                                        </a:rPr>
+                                        <m:t>𝛿</m:t>
+                                      </m:r>
+                                    </m:e>
+                                  </m:rad>
+                                </m:den>
+                              </m:f>
+                              <m:r>
+                                <m:rPr>
+                                  <m:sty m:val="p"/>
+                                </m:rPr>
+                                <a:rPr lang="en-AU" b="0" i="0" smtClean="0">
+                                  <a:latin typeface="Cambria Math" panose="02040503050406030204" pitchFamily="18" charset="0"/>
+                                </a:rPr>
+                                <m:t>U</m:t>
+                              </m:r>
+                            </m:e>
+                          </m:d>
+                        </m:e>
+                      </m:d>
+                    </m:oMath>
+                  </m:oMathPara>
+                </a14:m>
+                <a:endParaRPr lang="en-AU" dirty="0"/>
+              </a:p>
+              <a:p>
+                <a:pPr marL="0" indent="0">
+                  <a:buNone/>
+                </a:pPr>
+                <a:r>
+                  <a:rPr lang="en-AU" dirty="0"/>
+                  <a:t>The QSVT implementation of MNRS achieves</a:t>
+                </a:r>
+              </a:p>
+              <a:p>
+                <a:pPr marL="0" indent="0">
+                  <a:buNone/>
+                </a:pPr>
+                <a14:m>
+                  <m:oMathPara xmlns:m="http://schemas.openxmlformats.org/officeDocument/2006/math">
+                    <m:oMathParaPr>
+                      <m:jc m:val="centerGroup"/>
+                    </m:oMathParaPr>
+                    <m:oMath xmlns:m="http://schemas.openxmlformats.org/officeDocument/2006/math">
+                      <m:r>
+                        <a:rPr lang="en-AU" i="1">
+                          <a:latin typeface="Cambria Math" panose="02040503050406030204" pitchFamily="18" charset="0"/>
+                        </a:rPr>
+                        <m:t>𝑂</m:t>
+                      </m:r>
+                      <m:d>
+                        <m:dPr>
+                          <m:ctrlPr>
+                            <a:rPr lang="en-AU" i="1">
+                              <a:latin typeface="Cambria Math" panose="02040503050406030204" pitchFamily="18" charset="0"/>
+                            </a:rPr>
+                          </m:ctrlPr>
+                        </m:dPr>
+                        <m:e>
+                          <m:r>
+                            <m:rPr>
+                              <m:sty m:val="p"/>
+                            </m:rPr>
+                            <a:rPr lang="en-AU">
+                              <a:latin typeface="Cambria Math" panose="02040503050406030204" pitchFamily="18" charset="0"/>
+                            </a:rPr>
+                            <m:t>S</m:t>
+                          </m:r>
+                          <m:r>
+                            <a:rPr lang="en-AU">
+                              <a:latin typeface="Cambria Math" panose="02040503050406030204" pitchFamily="18" charset="0"/>
+                            </a:rPr>
+                            <m:t>+</m:t>
+                          </m:r>
+                          <m:f>
+                            <m:fPr>
+                              <m:ctrlPr>
+                                <a:rPr lang="en-AU" i="1">
+                                  <a:latin typeface="Cambria Math" panose="02040503050406030204" pitchFamily="18" charset="0"/>
+                                </a:rPr>
+                              </m:ctrlPr>
+                            </m:fPr>
+                            <m:num>
+                              <m:r>
+                                <a:rPr lang="en-AU" i="1">
+                                  <a:latin typeface="Cambria Math" panose="02040503050406030204" pitchFamily="18" charset="0"/>
+                                </a:rPr>
+                                <m:t>1</m:t>
+                              </m:r>
+                            </m:num>
+                            <m:den>
+                              <m:rad>
+                                <m:radPr>
+                                  <m:degHide m:val="on"/>
+                                  <m:ctrlPr>
+                                    <a:rPr lang="en-AU" i="1">
+                                      <a:latin typeface="Cambria Math" panose="02040503050406030204" pitchFamily="18" charset="0"/>
+                                    </a:rPr>
+                                  </m:ctrlPr>
+                                </m:radPr>
+                                <m:deg/>
+                                <m:e>
+                                  <m:r>
+                                    <a:rPr lang="en-AU" i="1">
+                                      <a:latin typeface="Cambria Math" panose="02040503050406030204" pitchFamily="18" charset="0"/>
+                                    </a:rPr>
+                                    <m:t>𝜀</m:t>
+                                  </m:r>
+                                </m:e>
+                              </m:rad>
+                            </m:den>
+                          </m:f>
+                          <m:d>
+                            <m:dPr>
+                              <m:ctrlPr>
+                                <a:rPr lang="en-AU" i="1">
+                                  <a:latin typeface="Cambria Math" panose="02040503050406030204" pitchFamily="18" charset="0"/>
+                                </a:rPr>
+                              </m:ctrlPr>
+                            </m:dPr>
+                            <m:e>
+                              <m:r>
+                                <m:rPr>
+                                  <m:sty m:val="p"/>
+                                </m:rPr>
+                                <a:rPr lang="en-AU">
+                                  <a:latin typeface="Cambria Math" panose="02040503050406030204" pitchFamily="18" charset="0"/>
+                                </a:rPr>
+                                <m:t>C</m:t>
+                              </m:r>
+                              <m:r>
+                                <a:rPr lang="en-AU">
+                                  <a:latin typeface="Cambria Math" panose="02040503050406030204" pitchFamily="18" charset="0"/>
+                                </a:rPr>
+                                <m:t>+</m:t>
+                              </m:r>
+                              <m:f>
+                                <m:fPr>
+                                  <m:ctrlPr>
+                                    <a:rPr lang="en-AU" i="1">
+                                      <a:latin typeface="Cambria Math" panose="02040503050406030204" pitchFamily="18" charset="0"/>
+                                    </a:rPr>
+                                  </m:ctrlPr>
+                                </m:fPr>
+                                <m:num>
+                                  <m:r>
+                                    <a:rPr lang="en-AU" i="1">
+                                      <a:latin typeface="Cambria Math" panose="02040503050406030204" pitchFamily="18" charset="0"/>
+                                    </a:rPr>
+                                    <m:t>1</m:t>
+                                  </m:r>
+                                </m:num>
+                                <m:den>
+                                  <m:rad>
+                                    <m:radPr>
+                                      <m:degHide m:val="on"/>
+                                      <m:ctrlPr>
+                                        <a:rPr lang="en-AU" i="1">
+                                          <a:latin typeface="Cambria Math" panose="02040503050406030204" pitchFamily="18" charset="0"/>
+                                        </a:rPr>
+                                      </m:ctrlPr>
+                                    </m:radPr>
+                                    <m:deg/>
+                                    <m:e>
+                                      <m:r>
+                                        <a:rPr lang="en-AU" i="1">
+                                          <a:latin typeface="Cambria Math" panose="02040503050406030204" pitchFamily="18" charset="0"/>
+                                        </a:rPr>
+                                        <m:t>𝛿</m:t>
+                                      </m:r>
+                                    </m:e>
+                                  </m:rad>
+                                </m:den>
+                              </m:f>
+                              <m:func>
+                                <m:funcPr>
+                                  <m:ctrlPr>
+                                    <a:rPr lang="en-AU" i="1">
+                                      <a:latin typeface="Cambria Math" panose="02040503050406030204" pitchFamily="18" charset="0"/>
+                                    </a:rPr>
+                                  </m:ctrlPr>
+                                </m:funcPr>
+                                <m:fName>
+                                  <m:r>
+                                    <m:rPr>
+                                      <m:sty m:val="p"/>
+                                    </m:rPr>
+                                    <a:rPr lang="en-AU">
+                                      <a:latin typeface="Cambria Math" panose="02040503050406030204" pitchFamily="18" charset="0"/>
+                                    </a:rPr>
+                                    <m:t>log</m:t>
+                                  </m:r>
+                                </m:fName>
+                                <m:e>
+                                  <m:r>
+                                    <a:rPr lang="en-AU" i="1">
+                                      <a:latin typeface="Cambria Math" panose="02040503050406030204" pitchFamily="18" charset="0"/>
+                                    </a:rPr>
+                                    <m:t>(</m:t>
+                                  </m:r>
+                                  <m:r>
+                                    <a:rPr lang="en-AU" i="1">
+                                      <a:latin typeface="Cambria Math" panose="02040503050406030204" pitchFamily="18" charset="0"/>
+                                    </a:rPr>
+                                    <m:t>𝜀</m:t>
+                                  </m:r>
+                                  <m:r>
+                                    <a:rPr lang="en-AU" i="1">
+                                      <a:latin typeface="Cambria Math" panose="02040503050406030204" pitchFamily="18" charset="0"/>
+                                    </a:rPr>
+                                    <m:t>)</m:t>
+                                  </m:r>
+                                </m:e>
+                              </m:func>
+                              <m:r>
+                                <m:rPr>
+                                  <m:sty m:val="p"/>
+                                </m:rPr>
+                                <a:rPr lang="en-AU">
+                                  <a:latin typeface="Cambria Math" panose="02040503050406030204" pitchFamily="18" charset="0"/>
+                                </a:rPr>
+                                <m:t>U</m:t>
+                              </m:r>
+                            </m:e>
+                          </m:d>
+                        </m:e>
+                      </m:d>
+                    </m:oMath>
+                  </m:oMathPara>
+                </a14:m>
+                <a:endParaRPr lang="en-AU" dirty="0"/>
+              </a:p>
+              <a:p>
+                <a:pPr marL="0" indent="0">
+                  <a:buNone/>
+                </a:pPr>
+                <a:r>
+                  <a:rPr lang="en-AU" dirty="0"/>
+                  <a:t>The AGJK algorithm achieves</a:t>
+                </a:r>
+              </a:p>
+              <a:p>
+                <a:pPr marL="0" indent="0">
+                  <a:buNone/>
+                </a:pPr>
+                <a14:m>
+                  <m:oMathPara xmlns:m="http://schemas.openxmlformats.org/officeDocument/2006/math">
+                    <m:oMathParaPr>
+                      <m:jc m:val="centerGroup"/>
+                    </m:oMathParaPr>
+                    <m:oMath xmlns:m="http://schemas.openxmlformats.org/officeDocument/2006/math">
+                      <m:r>
+                        <a:rPr lang="en-AU" b="0" i="1" smtClean="0">
+                          <a:latin typeface="Cambria Math" panose="02040503050406030204" pitchFamily="18" charset="0"/>
+                        </a:rPr>
+                        <m:t>𝑂</m:t>
+                      </m:r>
+                      <m:d>
+                        <m:dPr>
+                          <m:ctrlPr>
+                            <a:rPr lang="en-AU" b="0" i="1" smtClean="0">
+                              <a:latin typeface="Cambria Math" panose="02040503050406030204" pitchFamily="18" charset="0"/>
+                            </a:rPr>
+                          </m:ctrlPr>
+                        </m:dPr>
+                        <m:e>
+                          <m:r>
+                            <m:rPr>
+                              <m:sty m:val="p"/>
+                            </m:rPr>
+                            <a:rPr lang="en-AU" b="0" i="0" smtClean="0">
+                              <a:latin typeface="Cambria Math" panose="02040503050406030204" pitchFamily="18" charset="0"/>
+                            </a:rPr>
+                            <m:t>S</m:t>
+                          </m:r>
+                          <m:rad>
+                            <m:radPr>
+                              <m:degHide m:val="on"/>
+                              <m:ctrlPr>
+                                <a:rPr lang="en-AU" b="0" i="1" smtClean="0">
+                                  <a:latin typeface="Cambria Math" panose="02040503050406030204" pitchFamily="18" charset="0"/>
+                                </a:rPr>
+                              </m:ctrlPr>
+                            </m:radPr>
+                            <m:deg/>
+                            <m:e>
+                              <m:func>
+                                <m:funcPr>
+                                  <m:ctrlPr>
+                                    <a:rPr lang="en-AU" b="0" i="1" smtClean="0">
+                                      <a:latin typeface="Cambria Math" panose="02040503050406030204" pitchFamily="18" charset="0"/>
+                                    </a:rPr>
+                                  </m:ctrlPr>
+                                </m:funcPr>
+                                <m:fName>
+                                  <m:r>
+                                    <m:rPr>
+                                      <m:sty m:val="p"/>
+                                    </m:rPr>
+                                    <a:rPr lang="en-AU" b="0" i="0" smtClean="0">
+                                      <a:latin typeface="Cambria Math" panose="02040503050406030204" pitchFamily="18" charset="0"/>
+                                    </a:rPr>
+                                    <m:t>log</m:t>
+                                  </m:r>
+                                </m:fName>
+                                <m:e>
+                                  <m:r>
+                                    <a:rPr lang="en-AU" b="0" i="1" smtClean="0">
+                                      <a:latin typeface="Cambria Math" panose="02040503050406030204" pitchFamily="18" charset="0"/>
+                                    </a:rPr>
+                                    <m:t>𝐻𝑇</m:t>
+                                  </m:r>
+                                </m:e>
+                              </m:func>
+                            </m:e>
+                          </m:rad>
+                          <m:r>
+                            <a:rPr lang="en-AU" b="0" i="1" smtClean="0">
+                              <a:latin typeface="Cambria Math" panose="02040503050406030204" pitchFamily="18" charset="0"/>
+                            </a:rPr>
+                            <m:t>+</m:t>
+                          </m:r>
+                          <m:rad>
+                            <m:radPr>
+                              <m:degHide m:val="on"/>
+                              <m:ctrlPr>
+                                <a:rPr lang="en-AU" b="0" i="1" smtClean="0">
+                                  <a:latin typeface="Cambria Math" panose="02040503050406030204" pitchFamily="18" charset="0"/>
+                                </a:rPr>
+                              </m:ctrlPr>
+                            </m:radPr>
+                            <m:deg/>
+                            <m:e>
+                              <m:r>
+                                <a:rPr lang="en-AU" b="0" i="1" smtClean="0">
+                                  <a:latin typeface="Cambria Math" panose="02040503050406030204" pitchFamily="18" charset="0"/>
+                                </a:rPr>
+                                <m:t>𝐻𝑇</m:t>
+                              </m:r>
+                            </m:e>
+                          </m:rad>
+                          <m:d>
+                            <m:dPr>
+                              <m:ctrlPr>
+                                <a:rPr lang="en-AU" b="0" i="1" smtClean="0">
+                                  <a:latin typeface="Cambria Math" panose="02040503050406030204" pitchFamily="18" charset="0"/>
+                                </a:rPr>
+                              </m:ctrlPr>
+                            </m:dPr>
+                            <m:e>
+                              <m:r>
+                                <m:rPr>
+                                  <m:sty m:val="p"/>
+                                </m:rPr>
+                                <a:rPr lang="en-AU" b="0" i="0" smtClean="0">
+                                  <a:latin typeface="Cambria Math" panose="02040503050406030204" pitchFamily="18" charset="0"/>
+                                </a:rPr>
+                                <m:t>C</m:t>
+                              </m:r>
+                              <m:r>
+                                <a:rPr lang="en-AU" b="0" i="0" smtClean="0">
+                                  <a:latin typeface="Cambria Math" panose="02040503050406030204" pitchFamily="18" charset="0"/>
+                                </a:rPr>
+                                <m:t>+</m:t>
+                              </m:r>
+                              <m:r>
+                                <m:rPr>
+                                  <m:sty m:val="p"/>
+                                </m:rPr>
+                                <a:rPr lang="en-AU" b="0" i="0" smtClean="0">
+                                  <a:latin typeface="Cambria Math" panose="02040503050406030204" pitchFamily="18" charset="0"/>
+                                </a:rPr>
+                                <m:t>U</m:t>
+                              </m:r>
+                            </m:e>
+                          </m:d>
+                          <m:rad>
+                            <m:radPr>
+                              <m:degHide m:val="on"/>
+                              <m:ctrlPr>
+                                <a:rPr lang="en-AU" b="0" i="1" smtClean="0">
+                                  <a:latin typeface="Cambria Math" panose="02040503050406030204" pitchFamily="18" charset="0"/>
+                                </a:rPr>
+                              </m:ctrlPr>
+                            </m:radPr>
+                            <m:deg/>
+                            <m:e>
+                              <m:func>
+                                <m:funcPr>
+                                  <m:ctrlPr>
+                                    <a:rPr lang="en-AU" b="0" i="1" smtClean="0">
+                                      <a:latin typeface="Cambria Math" panose="02040503050406030204" pitchFamily="18" charset="0"/>
+                                    </a:rPr>
+                                  </m:ctrlPr>
+                                </m:funcPr>
+                                <m:fName>
+                                  <m:r>
+                                    <m:rPr>
+                                      <m:sty m:val="p"/>
+                                    </m:rPr>
+                                    <a:rPr lang="en-AU" b="0" i="0" smtClean="0">
+                                      <a:latin typeface="Cambria Math" panose="02040503050406030204" pitchFamily="18" charset="0"/>
+                                    </a:rPr>
+                                    <m:t>log</m:t>
+                                  </m:r>
+                                </m:fName>
+                                <m:e>
+                                  <m:r>
+                                    <a:rPr lang="en-AU" b="0" i="1" smtClean="0">
+                                      <a:latin typeface="Cambria Math" panose="02040503050406030204" pitchFamily="18" charset="0"/>
+                                    </a:rPr>
+                                    <m:t>𝐻𝑇</m:t>
+                                  </m:r>
+                                </m:e>
+                              </m:func>
+                              <m:func>
+                                <m:funcPr>
+                                  <m:ctrlPr>
+                                    <a:rPr lang="en-AU" b="0" i="1" smtClean="0">
+                                      <a:latin typeface="Cambria Math" panose="02040503050406030204" pitchFamily="18" charset="0"/>
+                                    </a:rPr>
+                                  </m:ctrlPr>
+                                </m:funcPr>
+                                <m:fName>
+                                  <m:r>
+                                    <m:rPr>
+                                      <m:sty m:val="p"/>
+                                    </m:rPr>
+                                    <a:rPr lang="en-AU" b="0" i="0" smtClean="0">
+                                      <a:latin typeface="Cambria Math" panose="02040503050406030204" pitchFamily="18" charset="0"/>
+                                    </a:rPr>
+                                    <m:t>log</m:t>
+                                  </m:r>
+                                </m:fName>
+                                <m:e>
+                                  <m:func>
+                                    <m:funcPr>
+                                      <m:ctrlPr>
+                                        <a:rPr lang="en-AU" b="0" i="1" smtClean="0">
+                                          <a:latin typeface="Cambria Math" panose="02040503050406030204" pitchFamily="18" charset="0"/>
+                                        </a:rPr>
+                                      </m:ctrlPr>
+                                    </m:funcPr>
+                                    <m:fName>
+                                      <m:r>
+                                        <m:rPr>
+                                          <m:sty m:val="p"/>
+                                        </m:rPr>
+                                        <a:rPr lang="en-AU" b="0" i="0" smtClean="0">
+                                          <a:latin typeface="Cambria Math" panose="02040503050406030204" pitchFamily="18" charset="0"/>
+                                        </a:rPr>
+                                        <m:t>log</m:t>
+                                      </m:r>
+                                    </m:fName>
+                                    <m:e>
+                                      <m:r>
+                                        <a:rPr lang="en-AU" b="0" i="1" smtClean="0">
+                                          <a:latin typeface="Cambria Math" panose="02040503050406030204" pitchFamily="18" charset="0"/>
+                                        </a:rPr>
+                                        <m:t>𝐻𝑇</m:t>
+                                      </m:r>
+                                    </m:e>
+                                  </m:func>
+                                </m:e>
+                              </m:func>
+                            </m:e>
+                          </m:rad>
+                        </m:e>
+                      </m:d>
+                    </m:oMath>
+                  </m:oMathPara>
+                </a14:m>
+                <a:endParaRPr lang="en-AU" dirty="0"/>
+              </a:p>
+              <a:p>
+                <a:pPr marL="0" indent="0">
+                  <a:buNone/>
+                </a:pPr>
+                <a:endParaRPr lang="en-AU" dirty="0"/>
+              </a:p>
+              <a:p>
+                <a:pPr marL="0" indent="0">
+                  <a:buNone/>
+                </a:pPr>
+                <a:endParaRPr lang="en-AU" dirty="0"/>
+              </a:p>
+            </p:txBody>
+          </p:sp>
+        </mc:Choice>
+        <mc:Fallback>
+          <p:sp>
+            <p:nvSpPr>
+              <p:cNvPr id="3" name="Content Placeholder 2">
+                <a:extLst>
+                  <a:ext uri="{FF2B5EF4-FFF2-40B4-BE49-F238E27FC236}">
+                    <a16:creationId xmlns:a16="http://schemas.microsoft.com/office/drawing/2014/main" id="{C5E596A3-C173-08FE-BA8C-0C9F658BA7D2}"/>
+                  </a:ext>
+                </a:extLst>
+              </p:cNvPr>
+              <p:cNvSpPr>
+                <a:spLocks noGrp="1" noRot="1" noChangeAspect="1" noMove="1" noResize="1" noEditPoints="1" noAdjustHandles="1" noChangeArrowheads="1" noChangeShapeType="1" noTextEdit="1"/>
+              </p:cNvSpPr>
+              <p:nvPr>
+                <p:ph idx="1"/>
+              </p:nvPr>
+            </p:nvSpPr>
+            <p:spPr>
+              <a:xfrm>
+                <a:off x="838200" y="355002"/>
+                <a:ext cx="10515600" cy="5821961"/>
+              </a:xfrm>
+              <a:blipFill>
+                <a:blip r:embed="rId2"/>
+                <a:stretch>
+                  <a:fillRect l="-638" t="-1780"/>
+                </a:stretch>
+              </a:blipFill>
+            </p:spPr>
+            <p:txBody>
+              <a:bodyPr/>
+              <a:lstStyle/>
+              <a:p>
+                <a:r>
+                  <a:rPr lang="en-AU">
+                    <a:noFill/>
+                  </a:rPr>
+                  <a:t> </a:t>
+                </a:r>
+              </a:p>
+            </p:txBody>
+          </p:sp>
+        </mc:Fallback>
+      </mc:AlternateContent>
+    </p:spTree>
+    <p:extLst>
+      <p:ext uri="{BB962C8B-B14F-4D97-AF65-F5344CB8AC3E}">
+        <p14:creationId xmlns:p14="http://schemas.microsoft.com/office/powerpoint/2010/main" val="839836634"/>
+      </p:ext>
+    </p:extLst>
+  </p:cSld>
+  <p:clrMapOvr>
+    <a:masterClrMapping/>
+  </p:clrMapOvr>
+</p:sld>
+</file>
+
 <file path=ppt/slides/slide2.xml><?xml version="1.0" encoding="utf-8"?>
 <p:sld xmlns:a="http://schemas.openxmlformats.org/drawingml/2006/main" xmlns:r="http://schemas.openxmlformats.org/officeDocument/2006/relationships" xmlns:p="http://schemas.openxmlformats.org/presentationml/2006/main">
   <p:cSld>
@@ -4019,62 +7460,6 @@
                       <m:jc m:val="centerGroup"/>
                     </m:oMathParaPr>
                     <m:oMath xmlns:m="http://schemas.openxmlformats.org/officeDocument/2006/math">
-                      <m:sSup>
-                        <m:sSupPr>
-                          <m:ctrlPr>
-                            <a:rPr lang="en-AU" b="0" i="1" smtClean="0">
-                              <a:latin typeface="Cambria Math" panose="02040503050406030204" pitchFamily="18" charset="0"/>
-                            </a:rPr>
-                          </m:ctrlPr>
-                        </m:sSupPr>
-                        <m:e>
-                          <m:r>
-                            <a:rPr lang="en-AU" b="0" i="1" smtClean="0">
-                              <a:latin typeface="Cambria Math" panose="02040503050406030204" pitchFamily="18" charset="0"/>
-                            </a:rPr>
-                            <m:t>𝑒</m:t>
-                          </m:r>
-                        </m:e>
-                        <m:sup>
-                          <m:r>
-                            <a:rPr lang="en-AU" b="0" i="1" smtClean="0">
-                              <a:latin typeface="Cambria Math" panose="02040503050406030204" pitchFamily="18" charset="0"/>
-                            </a:rPr>
-                            <m:t>𝑖</m:t>
-                          </m:r>
-                          <m:sSub>
-                            <m:sSubPr>
-                              <m:ctrlPr>
-                                <a:rPr lang="en-AU" b="0" i="1" smtClean="0">
-                                  <a:latin typeface="Cambria Math" panose="02040503050406030204" pitchFamily="18" charset="0"/>
-                                </a:rPr>
-                              </m:ctrlPr>
-                            </m:sSubPr>
-                            <m:e>
-                              <m:r>
-                                <a:rPr lang="en-AU" b="0" i="1" smtClean="0">
-                                  <a:latin typeface="Cambria Math" panose="02040503050406030204" pitchFamily="18" charset="0"/>
-                                </a:rPr>
-                                <m:t>𝜙</m:t>
-                              </m:r>
-                            </m:e>
-                            <m:sub>
-                              <m:r>
-                                <a:rPr lang="en-AU" b="0" i="1" smtClean="0">
-                                  <a:latin typeface="Cambria Math" panose="02040503050406030204" pitchFamily="18" charset="0"/>
-                                </a:rPr>
-                                <m:t>0</m:t>
-                              </m:r>
-                            </m:sub>
-                          </m:sSub>
-                          <m:r>
-                            <a:rPr lang="en-AU" b="0" i="1" smtClean="0">
-                              <a:latin typeface="Cambria Math" panose="02040503050406030204" pitchFamily="18" charset="0"/>
-                            </a:rPr>
-                            <m:t>𝑍</m:t>
-                          </m:r>
-                        </m:sup>
-                      </m:sSup>
                       <m:nary>
                         <m:naryPr>
                           <m:chr m:val="∏"/>
@@ -4107,40 +7492,17 @@
                           </m:r>
                         </m:sup>
                         <m:e>
-                          <m:r>
-                            <a:rPr lang="en-AU" b="0" i="1" smtClean="0">
-                              <a:latin typeface="Cambria Math" panose="02040503050406030204" pitchFamily="18" charset="0"/>
-                            </a:rPr>
-                            <m:t>𝑅</m:t>
-                          </m:r>
-                          <m:d>
-                            <m:dPr>
-                              <m:ctrlPr>
-                                <a:rPr lang="en-AU" b="0" i="1" smtClean="0">
-                                  <a:latin typeface="Cambria Math" panose="02040503050406030204" pitchFamily="18" charset="0"/>
-                                </a:rPr>
-                              </m:ctrlPr>
-                            </m:dPr>
-                            <m:e>
-                              <m:r>
-                                <a:rPr lang="en-AU" b="0" i="1" smtClean="0">
-                                  <a:latin typeface="Cambria Math" panose="02040503050406030204" pitchFamily="18" charset="0"/>
-                                </a:rPr>
-                                <m:t>𝑎</m:t>
-                              </m:r>
-                            </m:e>
-                          </m:d>
                           <m:sSup>
                             <m:sSupPr>
                               <m:ctrlPr>
-                                <a:rPr lang="en-AU" b="0" i="1" smtClean="0">
+                                <a:rPr lang="en-AU" i="1">
                                   <a:latin typeface="Cambria Math" panose="02040503050406030204" pitchFamily="18" charset="0"/>
                                 </a:rPr>
                               </m:ctrlPr>
                             </m:sSupPr>
                             <m:e>
                               <m:r>
-                                <a:rPr lang="en-AU" b="0" i="1" smtClean="0">
+                                <a:rPr lang="en-AU" i="1">
                                   <a:latin typeface="Cambria Math" panose="02040503050406030204" pitchFamily="18" charset="0"/>
                                 </a:rPr>
                                 <m:t>𝑒</m:t>
@@ -4148,7 +7510,7 @@
                             </m:e>
                             <m:sup>
                               <m:r>
-                                <a:rPr lang="en-AU" b="0" i="1" smtClean="0">
+                                <a:rPr lang="en-AU" i="1">
                                   <a:latin typeface="Cambria Math" panose="02040503050406030204" pitchFamily="18" charset="0"/>
                                 </a:rPr>
                                 <m:t>𝑖</m:t>
@@ -4156,14 +7518,14 @@
                               <m:sSub>
                                 <m:sSubPr>
                                   <m:ctrlPr>
-                                    <a:rPr lang="en-AU" b="0" i="1" smtClean="0">
+                                    <a:rPr lang="en-AU" i="1">
                                       <a:latin typeface="Cambria Math" panose="02040503050406030204" pitchFamily="18" charset="0"/>
                                     </a:rPr>
                                   </m:ctrlPr>
                                 </m:sSubPr>
                                 <m:e>
                                   <m:r>
-                                    <a:rPr lang="en-AU" b="0" i="1" smtClean="0">
+                                    <a:rPr lang="en-AU" i="1">
                                       <a:latin typeface="Cambria Math" panose="02040503050406030204" pitchFamily="18" charset="0"/>
                                     </a:rPr>
                                     <m:t>𝜙</m:t>
@@ -4171,7 +7533,7 @@
                                 </m:e>
                                 <m:sub>
                                   <m:r>
-                                    <a:rPr lang="en-AU" b="0" i="1" smtClean="0">
+                                    <a:rPr lang="en-AU" i="1">
                                       <a:latin typeface="Cambria Math" panose="02040503050406030204" pitchFamily="18" charset="0"/>
                                     </a:rPr>
                                     <m:t>𝑘</m:t>
@@ -4179,13 +7541,36 @@
                                 </m:sub>
                               </m:sSub>
                               <m:r>
-                                <a:rPr lang="en-AU" b="0" i="1" smtClean="0">
+                                <a:rPr lang="en-AU" i="1">
                                   <a:latin typeface="Cambria Math" panose="02040503050406030204" pitchFamily="18" charset="0"/>
                                 </a:rPr>
                                 <m:t>𝑍</m:t>
                               </m:r>
                             </m:sup>
                           </m:sSup>
+                          <m:r>
+                            <a:rPr lang="en-AU" b="0" i="1" smtClean="0">
+                              <a:latin typeface="Cambria Math" panose="02040503050406030204" pitchFamily="18" charset="0"/>
+                            </a:rPr>
+                            <m:t>𝑅</m:t>
+                          </m:r>
+                          <m:d>
+                            <m:dPr>
+                              <m:ctrlPr>
+                                <a:rPr lang="en-AU" b="0" i="1" smtClean="0">
+                                  <a:latin typeface="Cambria Math" panose="02040503050406030204" pitchFamily="18" charset="0"/>
+                                </a:rPr>
+                              </m:ctrlPr>
+                            </m:dPr>
+                            <m:e>
+                              <m:r>
+                                <a:rPr lang="en-AU" b="0" i="1" smtClean="0">
+                                  <a:latin typeface="Cambria Math" panose="02040503050406030204" pitchFamily="18" charset="0"/>
+                                </a:rPr>
+                                <m:t>𝑎</m:t>
+                              </m:r>
+                            </m:e>
+                          </m:d>
                         </m:e>
                       </m:nary>
                       <m:r>
@@ -4789,8 +8174,8 @@
           </a:p>
         </p:txBody>
       </p:sp>
-      <mc:AlternateContent xmlns:mc="http://schemas.openxmlformats.org/markup-compatibility/2006">
-        <mc:Choice xmlns:a14="http://schemas.microsoft.com/office/drawing/2010/main" Requires="a14">
+      <mc:AlternateContent xmlns:mc="http://schemas.openxmlformats.org/markup-compatibility/2006" xmlns:a14="http://schemas.microsoft.com/office/drawing/2010/main">
+        <mc:Choice Requires="a14">
           <p:sp>
             <p:nvSpPr>
               <p:cNvPr id="3" name="Content Placeholder 2">
@@ -5682,7 +9067,7 @@
             </p:txBody>
           </p:sp>
         </mc:Choice>
-        <mc:Fallback>
+        <mc:Fallback xmlns="">
           <p:sp>
             <p:nvSpPr>
               <p:cNvPr id="3" name="Content Placeholder 2">
@@ -5786,8 +9171,8 @@
           </a:p>
         </p:txBody>
       </p:sp>
-      <mc:AlternateContent xmlns:mc="http://schemas.openxmlformats.org/markup-compatibility/2006">
-        <mc:Choice xmlns:a14="http://schemas.microsoft.com/office/drawing/2010/main" Requires="a14">
+      <mc:AlternateContent xmlns:mc="http://schemas.openxmlformats.org/markup-compatibility/2006" xmlns:a14="http://schemas.microsoft.com/office/drawing/2010/main">
+        <mc:Choice Requires="a14">
           <p:sp>
             <p:nvSpPr>
               <p:cNvPr id="3" name="Content Placeholder 2">
@@ -6999,7 +10384,7 @@
             </p:txBody>
           </p:sp>
         </mc:Choice>
-        <mc:Fallback>
+        <mc:Fallback xmlns="">
           <p:sp>
             <p:nvSpPr>
               <p:cNvPr id="3" name="Content Placeholder 2">
@@ -7194,12 +10579,50 @@
                         </a:rPr>
                         <m:t>=</m:t>
                       </m:r>
-                      <m:r>
-                        <a:rPr lang="en-AU" b="0" i="1" smtClean="0">
-                          <a:latin typeface="Cambria Math" panose="02040503050406030204" pitchFamily="18" charset="0"/>
-                        </a:rPr>
-                        <m:t>𝑎</m:t>
-                      </m:r>
+                      <m:rad>
+                        <m:radPr>
+                          <m:degHide m:val="on"/>
+                          <m:ctrlPr>
+                            <a:rPr lang="en-AU" i="1">
+                              <a:latin typeface="Cambria Math" panose="02040503050406030204" pitchFamily="18" charset="0"/>
+                            </a:rPr>
+                          </m:ctrlPr>
+                        </m:radPr>
+                        <m:deg/>
+                        <m:e>
+                          <m:r>
+                            <a:rPr lang="en-AU" i="1">
+                              <a:latin typeface="Cambria Math" panose="02040503050406030204" pitchFamily="18" charset="0"/>
+                            </a:rPr>
+                            <m:t>1−</m:t>
+                          </m:r>
+                          <m:sSup>
+                            <m:sSupPr>
+                              <m:ctrlPr>
+                                <a:rPr lang="en-AU" i="1">
+                                  <a:latin typeface="Cambria Math" panose="02040503050406030204" pitchFamily="18" charset="0"/>
+                                </a:rPr>
+                              </m:ctrlPr>
+                            </m:sSupPr>
+                            <m:e>
+                              <m:r>
+                                <a:rPr lang="en-AU" i="1">
+                                  <a:latin typeface="Cambria Math" panose="02040503050406030204" pitchFamily="18" charset="0"/>
+                                </a:rPr>
+                                <m:t>𝑎</m:t>
+                              </m:r>
+                            </m:e>
+                            <m:sup>
+                              <m:r>
+                                <a:rPr lang="en-AU" i="1">
+                                  <a:latin typeface="Cambria Math" panose="02040503050406030204" pitchFamily="18" charset="0"/>
+                                </a:rPr>
+                                <m:t>2</m:t>
+                              </m:r>
+                            </m:sup>
+                          </m:sSup>
+                        </m:e>
+                      </m:rad>
                       <m:d>
                         <m:dPr>
                           <m:begChr m:val="|"/>
@@ -7225,50 +10648,12 @@
                         </a:rPr>
                         <m:t>+</m:t>
                       </m:r>
-                      <m:rad>
-                        <m:radPr>
-                          <m:degHide m:val="on"/>
-                          <m:ctrlPr>
-                            <a:rPr lang="en-AU" b="0" i="1" smtClean="0">
-                              <a:latin typeface="Cambria Math" panose="02040503050406030204" pitchFamily="18" charset="0"/>
-                            </a:rPr>
-                          </m:ctrlPr>
-                        </m:radPr>
-                        <m:deg/>
-                        <m:e>
-                          <m:r>
-                            <a:rPr lang="en-AU" b="0" i="1" smtClean="0">
-                              <a:latin typeface="Cambria Math" panose="02040503050406030204" pitchFamily="18" charset="0"/>
-                            </a:rPr>
-                            <m:t>1−</m:t>
-                          </m:r>
-                          <m:sSup>
-                            <m:sSupPr>
-                              <m:ctrlPr>
-                                <a:rPr lang="en-AU" b="0" i="1" smtClean="0">
-                                  <a:latin typeface="Cambria Math" panose="02040503050406030204" pitchFamily="18" charset="0"/>
-                                </a:rPr>
-                              </m:ctrlPr>
-                            </m:sSupPr>
-                            <m:e>
-                              <m:r>
-                                <a:rPr lang="en-AU" b="0" i="1" smtClean="0">
-                                  <a:latin typeface="Cambria Math" panose="02040503050406030204" pitchFamily="18" charset="0"/>
-                                </a:rPr>
-                                <m:t>𝑎</m:t>
-                              </m:r>
-                            </m:e>
-                            <m:sup>
-                              <m:r>
-                                <a:rPr lang="en-AU" b="0" i="1" smtClean="0">
-                                  <a:latin typeface="Cambria Math" panose="02040503050406030204" pitchFamily="18" charset="0"/>
-                                </a:rPr>
-                                <m:t>2</m:t>
-                              </m:r>
-                            </m:sup>
-                          </m:sSup>
-                        </m:e>
-                      </m:rad>
+                      <m:r>
+                        <a:rPr lang="en-AU" b="0" i="1" smtClean="0">
+                          <a:latin typeface="Cambria Math" panose="02040503050406030204" pitchFamily="18" charset="0"/>
+                        </a:rPr>
+                        <m:t>𝑎</m:t>
+                      </m:r>
                       <m:r>
                         <a:rPr lang="en-AU" b="0" i="1" smtClean="0">
                           <a:latin typeface="Cambria Math" panose="02040503050406030204" pitchFamily="18" charset="0"/>
@@ -7815,12 +11200,50 @@
                       </a:rPr>
                       <m:t>=</m:t>
                     </m:r>
-                    <m:r>
-                      <a:rPr lang="en-AU" sz="2400" b="0" i="1" smtClean="0">
-                        <a:latin typeface="Cambria Math" panose="02040503050406030204" pitchFamily="18" charset="0"/>
-                      </a:rPr>
-                      <m:t>𝑎</m:t>
-                    </m:r>
+                    <m:rad>
+                      <m:radPr>
+                        <m:degHide m:val="on"/>
+                        <m:ctrlPr>
+                          <a:rPr lang="en-AU" sz="2400" b="0" i="1" smtClean="0">
+                            <a:latin typeface="Cambria Math" panose="02040503050406030204" pitchFamily="18" charset="0"/>
+                          </a:rPr>
+                        </m:ctrlPr>
+                      </m:radPr>
+                      <m:deg/>
+                      <m:e>
+                        <m:r>
+                          <a:rPr lang="en-AU" sz="2400" b="0" i="1" smtClean="0">
+                            <a:latin typeface="Cambria Math" panose="02040503050406030204" pitchFamily="18" charset="0"/>
+                          </a:rPr>
+                          <m:t>1−</m:t>
+                        </m:r>
+                        <m:sSup>
+                          <m:sSupPr>
+                            <m:ctrlPr>
+                              <a:rPr lang="en-AU" sz="2400" b="0" i="1" smtClean="0">
+                                <a:latin typeface="Cambria Math" panose="02040503050406030204" pitchFamily="18" charset="0"/>
+                              </a:rPr>
+                            </m:ctrlPr>
+                          </m:sSupPr>
+                          <m:e>
+                            <m:r>
+                              <a:rPr lang="en-AU" sz="2400" b="0" i="1" smtClean="0">
+                                <a:latin typeface="Cambria Math" panose="02040503050406030204" pitchFamily="18" charset="0"/>
+                              </a:rPr>
+                              <m:t>𝑎</m:t>
+                            </m:r>
+                          </m:e>
+                          <m:sup>
+                            <m:r>
+                              <a:rPr lang="en-AU" sz="2400" b="0" i="1" smtClean="0">
+                                <a:latin typeface="Cambria Math" panose="02040503050406030204" pitchFamily="18" charset="0"/>
+                              </a:rPr>
+                              <m:t>2</m:t>
+                            </m:r>
+                          </m:sup>
+                        </m:sSup>
+                      </m:e>
+                    </m:rad>
                     <m:r>
                       <a:rPr lang="en-AU" sz="2400" b="0" i="1" smtClean="0">
                         <a:latin typeface="Cambria Math" panose="02040503050406030204" pitchFamily="18" charset="0"/>
@@ -7992,69 +11415,6 @@
                         </a:rPr>
                         <m:t>=</m:t>
                       </m:r>
-                      <m:rad>
-                        <m:radPr>
-                          <m:degHide m:val="on"/>
-                          <m:ctrlPr>
-                            <a:rPr lang="en-AU" sz="2400" b="0" i="1" smtClean="0">
-                              <a:latin typeface="Cambria Math" panose="02040503050406030204" pitchFamily="18" charset="0"/>
-                            </a:rPr>
-                          </m:ctrlPr>
-                        </m:radPr>
-                        <m:deg/>
-                        <m:e>
-                          <m:r>
-                            <a:rPr lang="en-AU" sz="2400" b="0" i="1" smtClean="0">
-                              <a:latin typeface="Cambria Math" panose="02040503050406030204" pitchFamily="18" charset="0"/>
-                            </a:rPr>
-                            <m:t>1−</m:t>
-                          </m:r>
-                          <m:sSup>
-                            <m:sSupPr>
-                              <m:ctrlPr>
-                                <a:rPr lang="en-AU" sz="2400" b="0" i="1" smtClean="0">
-                                  <a:latin typeface="Cambria Math" panose="02040503050406030204" pitchFamily="18" charset="0"/>
-                                </a:rPr>
-                              </m:ctrlPr>
-                            </m:sSupPr>
-                            <m:e>
-                              <m:r>
-                                <a:rPr lang="en-AU" sz="2400" b="0" i="1" smtClean="0">
-                                  <a:latin typeface="Cambria Math" panose="02040503050406030204" pitchFamily="18" charset="0"/>
-                                </a:rPr>
-                                <m:t>𝑎</m:t>
-                              </m:r>
-                            </m:e>
-                            <m:sup>
-                              <m:r>
-                                <a:rPr lang="en-AU" sz="2400" b="0" i="1" smtClean="0">
-                                  <a:latin typeface="Cambria Math" panose="02040503050406030204" pitchFamily="18" charset="0"/>
-                                </a:rPr>
-                                <m:t>2</m:t>
-                              </m:r>
-                            </m:sup>
-                          </m:sSup>
-                        </m:e>
-                      </m:rad>
-                      <m:d>
-                        <m:dPr>
-                          <m:begChr m:val="|"/>
-                          <m:endChr m:val="⟩"/>
-                          <m:ctrlPr>
-                            <a:rPr lang="en-AU" sz="2400" b="0" i="1" smtClean="0">
-                              <a:latin typeface="Cambria Math" panose="02040503050406030204" pitchFamily="18" charset="0"/>
-                            </a:rPr>
-                          </m:ctrlPr>
-                        </m:dPr>
-                        <m:e>
-                          <m:r>
-                            <a:rPr lang="en-AU" sz="2400" b="0" i="1" smtClean="0">
-                              <a:latin typeface="Cambria Math" panose="02040503050406030204" pitchFamily="18" charset="0"/>
-                            </a:rPr>
-                            <m:t>𝑡</m:t>
-                          </m:r>
-                        </m:e>
-                      </m:d>
                       <m:r>
                         <a:rPr lang="en-AU" sz="2400" b="0" i="1" smtClean="0">
                           <a:latin typeface="Cambria Math" panose="02040503050406030204" pitchFamily="18" charset="0"/>
@@ -8067,6 +11427,75 @@
                         </a:rPr>
                         <m:t>𝑎</m:t>
                       </m:r>
+                      <m:d>
+                        <m:dPr>
+                          <m:begChr m:val="|"/>
+                          <m:endChr m:val="⟩"/>
+                          <m:ctrlPr>
+                            <a:rPr lang="en-AU" sz="2400" b="0" i="1" smtClean="0">
+                              <a:latin typeface="Cambria Math" panose="02040503050406030204" pitchFamily="18" charset="0"/>
+                            </a:rPr>
+                          </m:ctrlPr>
+                        </m:dPr>
+                        <m:e>
+                          <m:r>
+                            <a:rPr lang="en-AU" sz="2400" b="0" i="1" smtClean="0">
+                              <a:latin typeface="Cambria Math" panose="02040503050406030204" pitchFamily="18" charset="0"/>
+                            </a:rPr>
+                            <m:t>𝑡</m:t>
+                          </m:r>
+                        </m:e>
+                      </m:d>
+                      <m:r>
+                        <a:rPr lang="en-AU" sz="2400" b="0" i="1" smtClean="0">
+                          <a:latin typeface="Cambria Math" panose="02040503050406030204" pitchFamily="18" charset="0"/>
+                        </a:rPr>
+                        <m:t>+</m:t>
+                      </m:r>
+                      <m:rad>
+                        <m:radPr>
+                          <m:degHide m:val="on"/>
+                          <m:ctrlPr>
+                            <a:rPr lang="en-AU" sz="2400" b="0" i="1" smtClean="0">
+                              <a:latin typeface="Cambria Math" panose="02040503050406030204" pitchFamily="18" charset="0"/>
+                            </a:rPr>
+                          </m:ctrlPr>
+                        </m:radPr>
+                        <m:deg/>
+                        <m:e>
+                          <m:r>
+                            <a:rPr lang="en-AU" sz="2400" b="0" i="1" smtClean="0">
+                              <a:latin typeface="Cambria Math" panose="02040503050406030204" pitchFamily="18" charset="0"/>
+                            </a:rPr>
+                            <m:t>1−</m:t>
+                          </m:r>
+                          <m:sSup>
+                            <m:sSupPr>
+                              <m:ctrlPr>
+                                <a:rPr lang="en-AU" sz="2400" b="0" i="1" smtClean="0">
+                                  <a:latin typeface="Cambria Math" panose="02040503050406030204" pitchFamily="18" charset="0"/>
+                                </a:rPr>
+                              </m:ctrlPr>
+                            </m:sSupPr>
+                            <m:e>
+                              <m:r>
+                                <a:rPr lang="en-AU" sz="2400" b="0" i="1" smtClean="0">
+                                  <a:latin typeface="Cambria Math" panose="02040503050406030204" pitchFamily="18" charset="0"/>
+                                </a:rPr>
+                                <m:t>𝑎</m:t>
+                              </m:r>
+                            </m:e>
+                            <m:sup>
+                              <m:r>
+                                <a:rPr lang="en-AU" sz="2400" b="0" i="1" smtClean="0">
+                                  <a:latin typeface="Cambria Math" panose="02040503050406030204" pitchFamily="18" charset="0"/>
+                                </a:rPr>
+                                <m:t>2</m:t>
+                              </m:r>
+                            </m:sup>
+                          </m:sSup>
+                        </m:e>
+                      </m:rad>
                       <m:r>
                         <a:rPr lang="en-AU" sz="2400" b="0" i="1" smtClean="0">
                           <a:latin typeface="Cambria Math" panose="02040503050406030204" pitchFamily="18" charset="0"/>
@@ -8140,6 +11569,94 @@
                         </a:rPr>
                         <m:t>=</m:t>
                       </m:r>
+                      <m:rad>
+                        <m:radPr>
+                          <m:degHide m:val="on"/>
+                          <m:ctrlPr>
+                            <a:rPr lang="en-AU" sz="2400" i="1">
+                              <a:latin typeface="Cambria Math" panose="02040503050406030204" pitchFamily="18" charset="0"/>
+                            </a:rPr>
+                          </m:ctrlPr>
+                        </m:radPr>
+                        <m:deg/>
+                        <m:e>
+                          <m:r>
+                            <a:rPr lang="en-AU" sz="2400" i="1">
+                              <a:latin typeface="Cambria Math" panose="02040503050406030204" pitchFamily="18" charset="0"/>
+                            </a:rPr>
+                            <m:t>1−</m:t>
+                          </m:r>
+                          <m:sSup>
+                            <m:sSupPr>
+                              <m:ctrlPr>
+                                <a:rPr lang="en-AU" sz="2400" i="1">
+                                  <a:latin typeface="Cambria Math" panose="02040503050406030204" pitchFamily="18" charset="0"/>
+                                </a:rPr>
+                              </m:ctrlPr>
+                            </m:sSupPr>
+                            <m:e>
+                              <m:r>
+                                <a:rPr lang="en-AU" sz="2400" i="1">
+                                  <a:latin typeface="Cambria Math" panose="02040503050406030204" pitchFamily="18" charset="0"/>
+                                </a:rPr>
+                                <m:t>𝑎</m:t>
+                              </m:r>
+                            </m:e>
+                            <m:sup>
+                              <m:r>
+                                <a:rPr lang="en-AU" sz="2400" i="1">
+                                  <a:latin typeface="Cambria Math" panose="02040503050406030204" pitchFamily="18" charset="0"/>
+                                </a:rPr>
+                                <m:t>2</m:t>
+                              </m:r>
+                            </m:sup>
+                          </m:sSup>
+                        </m:e>
+                      </m:rad>
+                      <m:d>
+                        <m:dPr>
+                          <m:begChr m:val="|"/>
+                          <m:endChr m:val="⟩"/>
+                          <m:ctrlPr>
+                            <a:rPr lang="en-AU" sz="2400" b="0" i="1" smtClean="0">
+                              <a:latin typeface="Cambria Math" panose="02040503050406030204" pitchFamily="18" charset="0"/>
+                            </a:rPr>
+                          </m:ctrlPr>
+                        </m:dPr>
+                        <m:e>
+                          <m:r>
+                            <a:rPr lang="en-AU" sz="2400" b="0" i="1" smtClean="0">
+                              <a:latin typeface="Cambria Math" panose="02040503050406030204" pitchFamily="18" charset="0"/>
+                            </a:rPr>
+                            <m:t>𝑡</m:t>
+                          </m:r>
+                        </m:e>
+                      </m:d>
+                      <m:d>
+                        <m:dPr>
+                          <m:begChr m:val="⟨"/>
+                          <m:endChr m:val="|"/>
+                          <m:ctrlPr>
+                            <a:rPr lang="en-AU" sz="2400" b="0" i="1" smtClean="0">
+                              <a:latin typeface="Cambria Math" panose="02040503050406030204" pitchFamily="18" charset="0"/>
+                            </a:rPr>
+                          </m:ctrlPr>
+                        </m:dPr>
+                        <m:e>
+                          <m:r>
+                            <a:rPr lang="en-AU" sz="2400" b="0" i="1" smtClean="0">
+                              <a:latin typeface="Cambria Math" panose="02040503050406030204" pitchFamily="18" charset="0"/>
+                            </a:rPr>
+                            <m:t>𝑣</m:t>
+                          </m:r>
+                        </m:e>
+                      </m:d>
+                      <m:r>
+                        <a:rPr lang="en-AU" sz="2400" b="0" i="1" smtClean="0">
+                          <a:latin typeface="Cambria Math" panose="02040503050406030204" pitchFamily="18" charset="0"/>
+                        </a:rPr>
+                        <m:t>+</m:t>
+                      </m:r>
                       <m:r>
                         <a:rPr lang="en-AU" sz="2400" b="0" i="1" smtClean="0">
                           <a:latin typeface="Cambria Math" panose="02040503050406030204" pitchFamily="18" charset="0"/>
@@ -8176,94 +11693,6 @@
                           </m:ctrlPr>
                         </m:dPr>
                         <m:e>
-                          <m:r>
-                            <a:rPr lang="en-AU" sz="2400" b="0" i="1" smtClean="0">
-                              <a:latin typeface="Cambria Math" panose="02040503050406030204" pitchFamily="18" charset="0"/>
-                            </a:rPr>
-                            <m:t>𝑣</m:t>
-                          </m:r>
-                        </m:e>
-                      </m:d>
-                      <m:r>
-                        <a:rPr lang="en-AU" sz="2400" b="0" i="1" smtClean="0">
-                          <a:latin typeface="Cambria Math" panose="02040503050406030204" pitchFamily="18" charset="0"/>
-                        </a:rPr>
-                        <m:t>+</m:t>
-                      </m:r>
-                      <m:rad>
-                        <m:radPr>
-                          <m:degHide m:val="on"/>
-                          <m:ctrlPr>
-                            <a:rPr lang="en-AU" sz="2400" b="0" i="1" smtClean="0">
-                              <a:latin typeface="Cambria Math" panose="02040503050406030204" pitchFamily="18" charset="0"/>
-                            </a:rPr>
-                          </m:ctrlPr>
-                        </m:radPr>
-                        <m:deg/>
-                        <m:e>
-                          <m:r>
-                            <a:rPr lang="en-AU" sz="2400" b="0" i="1" smtClean="0">
-                              <a:latin typeface="Cambria Math" panose="02040503050406030204" pitchFamily="18" charset="0"/>
-                            </a:rPr>
-                            <m:t>1−</m:t>
-                          </m:r>
-                          <m:sSup>
-                            <m:sSupPr>
-                              <m:ctrlPr>
-                                <a:rPr lang="en-AU" sz="2400" b="0" i="1" smtClean="0">
-                                  <a:latin typeface="Cambria Math" panose="02040503050406030204" pitchFamily="18" charset="0"/>
-                                </a:rPr>
-                              </m:ctrlPr>
-                            </m:sSupPr>
-                            <m:e>
-                              <m:r>
-                                <a:rPr lang="en-AU" sz="2400" b="0" i="1" smtClean="0">
-                                  <a:latin typeface="Cambria Math" panose="02040503050406030204" pitchFamily="18" charset="0"/>
-                                </a:rPr>
-                                <m:t>𝑎</m:t>
-                              </m:r>
-                            </m:e>
-                            <m:sup>
-                              <m:r>
-                                <a:rPr lang="en-AU" sz="2400" b="0" i="1" smtClean="0">
-                                  <a:latin typeface="Cambria Math" panose="02040503050406030204" pitchFamily="18" charset="0"/>
-                                </a:rPr>
-                                <m:t>2</m:t>
-                              </m:r>
-                            </m:sup>
-                          </m:sSup>
-                        </m:e>
-                      </m:rad>
-                      <m:d>
-                        <m:dPr>
-                          <m:begChr m:val="|"/>
-                          <m:endChr m:val="⟩"/>
-                          <m:ctrlPr>
-                            <a:rPr lang="en-AU" sz="2400" b="0" i="1" smtClean="0">
-                              <a:latin typeface="Cambria Math" panose="02040503050406030204" pitchFamily="18" charset="0"/>
-                            </a:rPr>
-                          </m:ctrlPr>
-                        </m:dPr>
-                        <m:e>
-                          <m:r>
-                            <a:rPr lang="en-AU" sz="2400" b="0" i="1" smtClean="0">
-                              <a:latin typeface="Cambria Math" panose="02040503050406030204" pitchFamily="18" charset="0"/>
-                            </a:rPr>
-                            <m:t>𝑡</m:t>
-                          </m:r>
-                        </m:e>
-                      </m:d>
-                      <m:d>
-                        <m:dPr>
-                          <m:begChr m:val="⟨"/>
-                          <m:endChr m:val="|"/>
-                          <m:ctrlPr>
-                            <a:rPr lang="en-AU" sz="2400" b="0" i="1" smtClean="0">
-                              <a:latin typeface="Cambria Math" panose="02040503050406030204" pitchFamily="18" charset="0"/>
-                            </a:rPr>
-                          </m:ctrlPr>
-                        </m:dPr>
-                        <m:e>
                           <m:sSup>
                             <m:sSupPr>
                               <m:ctrlPr>
@@ -8297,50 +11726,12 @@
                         </a:rPr>
                         <m:t>+</m:t>
                       </m:r>
-                      <m:rad>
-                        <m:radPr>
-                          <m:degHide m:val="on"/>
-                          <m:ctrlPr>
-                            <a:rPr lang="en-AU" sz="2400" b="0" i="1" smtClean="0">
-                              <a:latin typeface="Cambria Math" panose="02040503050406030204" pitchFamily="18" charset="0"/>
-                            </a:rPr>
-                          </m:ctrlPr>
-                        </m:radPr>
-                        <m:deg/>
-                        <m:e>
-                          <m:r>
-                            <a:rPr lang="en-AU" sz="2400" b="0" i="1" smtClean="0">
-                              <a:latin typeface="Cambria Math" panose="02040503050406030204" pitchFamily="18" charset="0"/>
-                            </a:rPr>
-                            <m:t>1−</m:t>
-                          </m:r>
-                          <m:sSup>
-                            <m:sSupPr>
-                              <m:ctrlPr>
-                                <a:rPr lang="en-AU" sz="2400" b="0" i="1" smtClean="0">
-                                  <a:latin typeface="Cambria Math" panose="02040503050406030204" pitchFamily="18" charset="0"/>
-                                </a:rPr>
-                              </m:ctrlPr>
-                            </m:sSupPr>
-                            <m:e>
-                              <m:r>
-                                <a:rPr lang="en-AU" sz="2400" b="0" i="1" smtClean="0">
-                                  <a:latin typeface="Cambria Math" panose="02040503050406030204" pitchFamily="18" charset="0"/>
-                                </a:rPr>
-                                <m:t>𝑎</m:t>
-                              </m:r>
-                            </m:e>
-                            <m:sup>
-                              <m:r>
-                                <a:rPr lang="en-AU" sz="2400" b="0" i="1" smtClean="0">
-                                  <a:latin typeface="Cambria Math" panose="02040503050406030204" pitchFamily="18" charset="0"/>
-                                </a:rPr>
-                                <m:t>2</m:t>
-                              </m:r>
-                            </m:sup>
-                          </m:sSup>
-                        </m:e>
-                      </m:rad>
+                      <m:r>
+                        <a:rPr lang="en-AU" sz="2400" b="0" i="1" smtClean="0">
+                          <a:latin typeface="Cambria Math" panose="02040503050406030204" pitchFamily="18" charset="0"/>
+                        </a:rPr>
+                        <m:t>𝑎</m:t>
+                      </m:r>
                       <m:r>
                         <a:rPr lang="en-AU" sz="2400" b="0" i="1" smtClean="0">
                           <a:latin typeface="Cambria Math" panose="02040503050406030204" pitchFamily="18" charset="0"/>
@@ -8401,12 +11792,50 @@
                             </a:rPr>
                             <m:t>−</m:t>
                           </m:r>
-                          <m:r>
-                            <a:rPr lang="en-AU" sz="2400" b="0" i="1" smtClean="0">
-                              <a:latin typeface="Cambria Math" panose="02040503050406030204" pitchFamily="18" charset="0"/>
-                            </a:rPr>
-                            <m:t>𝑎</m:t>
-                          </m:r>
+                          <m:rad>
+                            <m:radPr>
+                              <m:degHide m:val="on"/>
+                              <m:ctrlPr>
+                                <a:rPr lang="en-AU" sz="2400" i="1">
+                                  <a:latin typeface="Cambria Math" panose="02040503050406030204" pitchFamily="18" charset="0"/>
+                                </a:rPr>
+                              </m:ctrlPr>
+                            </m:radPr>
+                            <m:deg/>
+                            <m:e>
+                              <m:r>
+                                <a:rPr lang="en-AU" sz="2400" i="1">
+                                  <a:latin typeface="Cambria Math" panose="02040503050406030204" pitchFamily="18" charset="0"/>
+                                </a:rPr>
+                                <m:t>1−</m:t>
+                              </m:r>
+                              <m:sSup>
+                                <m:sSupPr>
+                                  <m:ctrlPr>
+                                    <a:rPr lang="en-AU" sz="2400" i="1">
+                                      <a:latin typeface="Cambria Math" panose="02040503050406030204" pitchFamily="18" charset="0"/>
+                                    </a:rPr>
+                                  </m:ctrlPr>
+                                </m:sSupPr>
+                                <m:e>
+                                  <m:r>
+                                    <a:rPr lang="en-AU" sz="2400" i="1">
+                                      <a:latin typeface="Cambria Math" panose="02040503050406030204" pitchFamily="18" charset="0"/>
+                                    </a:rPr>
+                                    <m:t>𝑎</m:t>
+                                  </m:r>
+                                </m:e>
+                                <m:sup>
+                                  <m:r>
+                                    <a:rPr lang="en-AU" sz="2400" i="1">
+                                      <a:latin typeface="Cambria Math" panose="02040503050406030204" pitchFamily="18" charset="0"/>
+                                    </a:rPr>
+                                    <m:t>2</m:t>
+                                  </m:r>
+                                </m:sup>
+                              </m:sSup>
+                            </m:e>
+                          </m:rad>
                         </m:e>
                       </m:d>
                       <m:sSup>
@@ -8480,12 +11909,337 @@
                 <a:pPr marL="0" indent="0">
                   <a:buNone/>
                 </a:pPr>
+                <a:r>
+                  <a:rPr lang="en-AU" sz="2400" dirty="0"/>
+                  <a:t>If we set </a:t>
+                </a:r>
+                <a14:m>
+                  <m:oMath xmlns:m="http://schemas.openxmlformats.org/officeDocument/2006/math">
+                    <m:d>
+                      <m:dPr>
+                        <m:begChr m:val="|"/>
+                        <m:endChr m:val="⟩"/>
+                        <m:ctrlPr>
+                          <a:rPr lang="en-AU" sz="2400" b="0" i="1" smtClean="0">
+                            <a:latin typeface="Cambria Math" panose="02040503050406030204" pitchFamily="18" charset="0"/>
+                          </a:rPr>
+                        </m:ctrlPr>
+                      </m:dPr>
+                      <m:e>
+                        <m:r>
+                          <a:rPr lang="en-AU" sz="2400" b="0" i="1" smtClean="0">
+                            <a:latin typeface="Cambria Math" panose="02040503050406030204" pitchFamily="18" charset="0"/>
+                          </a:rPr>
+                          <m:t>𝑡</m:t>
+                        </m:r>
+                      </m:e>
+                    </m:d>
+                    <m:r>
+                      <a:rPr lang="en-AU" sz="2400" b="0" i="1" smtClean="0">
+                        <a:latin typeface="Cambria Math" panose="02040503050406030204" pitchFamily="18" charset="0"/>
+                      </a:rPr>
+                      <m:t>=</m:t>
+                    </m:r>
+                    <m:sSup>
+                      <m:sSupPr>
+                        <m:ctrlPr>
+                          <a:rPr lang="en-AU" sz="2400" b="0" i="1" smtClean="0">
+                            <a:latin typeface="Cambria Math" panose="02040503050406030204" pitchFamily="18" charset="0"/>
+                          </a:rPr>
+                        </m:ctrlPr>
+                      </m:sSupPr>
+                      <m:e>
+                        <m:d>
+                          <m:dPr>
+                            <m:ctrlPr>
+                              <a:rPr lang="en-AU" sz="2400" b="0" i="1" smtClean="0">
+                                <a:latin typeface="Cambria Math" panose="02040503050406030204" pitchFamily="18" charset="0"/>
+                              </a:rPr>
+                            </m:ctrlPr>
+                          </m:dPr>
+                          <m:e>
+                            <m:r>
+                              <a:rPr lang="en-AU" sz="2400" b="0" i="1" smtClean="0">
+                                <a:latin typeface="Cambria Math" panose="02040503050406030204" pitchFamily="18" charset="0"/>
+                              </a:rPr>
+                              <m:t>0,1</m:t>
+                            </m:r>
+                          </m:e>
+                        </m:d>
+                      </m:e>
+                      <m:sup>
+                        <m:r>
+                          <a:rPr lang="en-AU" sz="2400" b="0" i="1" smtClean="0">
+                            <a:latin typeface="Cambria Math" panose="02040503050406030204" pitchFamily="18" charset="0"/>
+                          </a:rPr>
+                          <m:t>⊤</m:t>
+                        </m:r>
+                      </m:sup>
+                    </m:sSup>
+                    <m:r>
+                      <a:rPr lang="en-AU" sz="2400" b="0" i="1" smtClean="0">
+                        <a:latin typeface="Cambria Math" panose="02040503050406030204" pitchFamily="18" charset="0"/>
+                      </a:rPr>
+                      <m:t>, </m:t>
+                    </m:r>
+                    <m:d>
+                      <m:dPr>
+                        <m:begChr m:val="|"/>
+                        <m:endChr m:val="⟩"/>
+                        <m:ctrlPr>
+                          <a:rPr lang="en-AU" sz="2400" b="0" i="1" smtClean="0">
+                            <a:latin typeface="Cambria Math" panose="02040503050406030204" pitchFamily="18" charset="0"/>
+                          </a:rPr>
+                        </m:ctrlPr>
+                      </m:dPr>
+                      <m:e>
+                        <m:sSup>
+                          <m:sSupPr>
+                            <m:ctrlPr>
+                              <a:rPr lang="en-AU" sz="2400" b="0" i="1" smtClean="0">
+                                <a:latin typeface="Cambria Math" panose="02040503050406030204" pitchFamily="18" charset="0"/>
+                              </a:rPr>
+                            </m:ctrlPr>
+                          </m:sSupPr>
+                          <m:e>
+                            <m:r>
+                              <a:rPr lang="en-AU" sz="2400" b="0" i="1" smtClean="0">
+                                <a:latin typeface="Cambria Math" panose="02040503050406030204" pitchFamily="18" charset="0"/>
+                              </a:rPr>
+                              <m:t>𝑡</m:t>
+                            </m:r>
+                          </m:e>
+                          <m:sup>
+                            <m:r>
+                              <a:rPr lang="en-AU" sz="2400" b="0" i="1" smtClean="0">
+                                <a:latin typeface="Cambria Math" panose="02040503050406030204" pitchFamily="18" charset="0"/>
+                              </a:rPr>
+                              <m:t>⊥</m:t>
+                            </m:r>
+                          </m:sup>
+                        </m:sSup>
+                      </m:e>
+                    </m:d>
+                    <m:r>
+                      <a:rPr lang="en-AU" sz="2400" b="0" i="1" smtClean="0">
+                        <a:latin typeface="Cambria Math" panose="02040503050406030204" pitchFamily="18" charset="0"/>
+                      </a:rPr>
+                      <m:t>=</m:t>
+                    </m:r>
+                    <m:sSup>
+                      <m:sSupPr>
+                        <m:ctrlPr>
+                          <a:rPr lang="en-AU" sz="2400" b="0" i="1" smtClean="0">
+                            <a:latin typeface="Cambria Math" panose="02040503050406030204" pitchFamily="18" charset="0"/>
+                          </a:rPr>
+                        </m:ctrlPr>
+                      </m:sSupPr>
+                      <m:e>
+                        <m:d>
+                          <m:dPr>
+                            <m:ctrlPr>
+                              <a:rPr lang="en-AU" sz="2400" b="0" i="1" smtClean="0">
+                                <a:latin typeface="Cambria Math" panose="02040503050406030204" pitchFamily="18" charset="0"/>
+                              </a:rPr>
+                            </m:ctrlPr>
+                          </m:dPr>
+                          <m:e>
+                            <m:r>
+                              <a:rPr lang="en-AU" sz="2400" b="0" i="1" smtClean="0">
+                                <a:latin typeface="Cambria Math" panose="02040503050406030204" pitchFamily="18" charset="0"/>
+                              </a:rPr>
+                              <m:t>1,0</m:t>
+                            </m:r>
+                          </m:e>
+                        </m:d>
+                      </m:e>
+                      <m:sup>
+                        <m:r>
+                          <a:rPr lang="en-AU" sz="2400" b="0" i="1" smtClean="0">
+                            <a:latin typeface="Cambria Math" panose="02040503050406030204" pitchFamily="18" charset="0"/>
+                          </a:rPr>
+                          <m:t>⊤</m:t>
+                        </m:r>
+                      </m:sup>
+                    </m:sSup>
+                    <m:r>
+                      <a:rPr lang="en-AU" sz="2400" b="0" i="1" smtClean="0">
+                        <a:latin typeface="Cambria Math" panose="02040503050406030204" pitchFamily="18" charset="0"/>
+                      </a:rPr>
+                      <m:t>,</m:t>
+                    </m:r>
+                    <m:d>
+                      <m:dPr>
+                        <m:begChr m:val="|"/>
+                        <m:endChr m:val="⟩"/>
+                        <m:ctrlPr>
+                          <a:rPr lang="en-AU" sz="2400" b="0" i="1" smtClean="0">
+                            <a:latin typeface="Cambria Math" panose="02040503050406030204" pitchFamily="18" charset="0"/>
+                          </a:rPr>
+                        </m:ctrlPr>
+                      </m:dPr>
+                      <m:e>
+                        <m:r>
+                          <a:rPr lang="en-AU" sz="2400" b="0" i="1" smtClean="0">
+                            <a:latin typeface="Cambria Math" panose="02040503050406030204" pitchFamily="18" charset="0"/>
+                          </a:rPr>
+                          <m:t>𝑣</m:t>
+                        </m:r>
+                      </m:e>
+                    </m:d>
+                    <m:r>
+                      <a:rPr lang="en-AU" sz="2400" b="0" i="1" smtClean="0">
+                        <a:latin typeface="Cambria Math" panose="02040503050406030204" pitchFamily="18" charset="0"/>
+                      </a:rPr>
+                      <m:t>=</m:t>
+                    </m:r>
+                    <m:sSup>
+                      <m:sSupPr>
+                        <m:ctrlPr>
+                          <a:rPr lang="en-AU" sz="2400" b="0" i="1" smtClean="0">
+                            <a:latin typeface="Cambria Math" panose="02040503050406030204" pitchFamily="18" charset="0"/>
+                          </a:rPr>
+                        </m:ctrlPr>
+                      </m:sSupPr>
+                      <m:e>
+                        <m:d>
+                          <m:dPr>
+                            <m:ctrlPr>
+                              <a:rPr lang="en-AU" sz="2400" b="0" i="1" smtClean="0">
+                                <a:latin typeface="Cambria Math" panose="02040503050406030204" pitchFamily="18" charset="0"/>
+                              </a:rPr>
+                            </m:ctrlPr>
+                          </m:dPr>
+                          <m:e>
+                            <m:r>
+                              <a:rPr lang="en-AU" sz="2400" b="0" i="1" smtClean="0">
+                                <a:latin typeface="Cambria Math" panose="02040503050406030204" pitchFamily="18" charset="0"/>
+                              </a:rPr>
+                              <m:t>1,0</m:t>
+                            </m:r>
+                          </m:e>
+                        </m:d>
+                      </m:e>
+                      <m:sup>
+                        <m:r>
+                          <a:rPr lang="en-AU" sz="2400" b="0" i="1" smtClean="0">
+                            <a:latin typeface="Cambria Math" panose="02040503050406030204" pitchFamily="18" charset="0"/>
+                          </a:rPr>
+                          <m:t>⊤</m:t>
+                        </m:r>
+                      </m:sup>
+                    </m:sSup>
+                  </m:oMath>
+                </a14:m>
+                <a:r>
+                  <a:rPr lang="en-AU" sz="2400" dirty="0"/>
+                  <a:t>and </a:t>
+                </a:r>
+                <a14:m>
+                  <m:oMath xmlns:m="http://schemas.openxmlformats.org/officeDocument/2006/math">
+                    <m:d>
+                      <m:dPr>
+                        <m:begChr m:val="|"/>
+                        <m:endChr m:val="⟩"/>
+                        <m:ctrlPr>
+                          <a:rPr lang="en-AU" sz="2400" b="0" i="1" smtClean="0">
+                            <a:latin typeface="Cambria Math" panose="02040503050406030204" pitchFamily="18" charset="0"/>
+                          </a:rPr>
+                        </m:ctrlPr>
+                      </m:dPr>
+                      <m:e>
+                        <m:sSup>
+                          <m:sSupPr>
+                            <m:ctrlPr>
+                              <a:rPr lang="en-AU" sz="2400" b="0" i="1" smtClean="0">
+                                <a:latin typeface="Cambria Math" panose="02040503050406030204" pitchFamily="18" charset="0"/>
+                              </a:rPr>
+                            </m:ctrlPr>
+                          </m:sSupPr>
+                          <m:e>
+                            <m:r>
+                              <a:rPr lang="en-AU" sz="2400" b="0" i="1" smtClean="0">
+                                <a:latin typeface="Cambria Math" panose="02040503050406030204" pitchFamily="18" charset="0"/>
+                              </a:rPr>
+                              <m:t>𝑣</m:t>
+                            </m:r>
+                          </m:e>
+                          <m:sup>
+                            <m:r>
+                              <a:rPr lang="en-AU" sz="2400" b="0" i="1" smtClean="0">
+                                <a:latin typeface="Cambria Math" panose="02040503050406030204" pitchFamily="18" charset="0"/>
+                              </a:rPr>
+                              <m:t>⊥</m:t>
+                            </m:r>
+                          </m:sup>
+                        </m:sSup>
+                      </m:e>
+                    </m:d>
+                    <m:r>
+                      <a:rPr lang="en-AU" sz="2400" b="0" i="1" smtClean="0">
+                        <a:latin typeface="Cambria Math" panose="02040503050406030204" pitchFamily="18" charset="0"/>
+                      </a:rPr>
+                      <m:t>=</m:t>
+                    </m:r>
+                    <m:sSup>
+                      <m:sSupPr>
+                        <m:ctrlPr>
+                          <a:rPr lang="en-AU" sz="2400" b="0" i="1" smtClean="0">
+                            <a:latin typeface="Cambria Math" panose="02040503050406030204" pitchFamily="18" charset="0"/>
+                          </a:rPr>
+                        </m:ctrlPr>
+                      </m:sSupPr>
+                      <m:e>
+                        <m:d>
+                          <m:dPr>
+                            <m:ctrlPr>
+                              <a:rPr lang="en-AU" sz="2400" b="0" i="1" smtClean="0">
+                                <a:latin typeface="Cambria Math" panose="02040503050406030204" pitchFamily="18" charset="0"/>
+                              </a:rPr>
+                            </m:ctrlPr>
+                          </m:dPr>
+                          <m:e>
+                            <m:r>
+                              <a:rPr lang="en-AU" sz="2400" b="0" i="1" smtClean="0">
+                                <a:latin typeface="Cambria Math" panose="02040503050406030204" pitchFamily="18" charset="0"/>
+                              </a:rPr>
+                              <m:t>0,1</m:t>
+                            </m:r>
+                          </m:e>
+                        </m:d>
+                      </m:e>
+                      <m:sup>
+                        <m:r>
+                          <a:rPr lang="en-AU" sz="2400" b="0" i="1" smtClean="0">
+                            <a:latin typeface="Cambria Math" panose="02040503050406030204" pitchFamily="18" charset="0"/>
+                          </a:rPr>
+                          <m:t>⊤</m:t>
+                        </m:r>
+                      </m:sup>
+                    </m:sSup>
+                  </m:oMath>
+                </a14:m>
+                <a:r>
+                  <a:rPr lang="en-AU" sz="2400" dirty="0"/>
+                  <a:t> then </a:t>
+                </a:r>
+              </a:p>
+              <a:p>
+                <a:pPr marL="0" indent="0">
+                  <a:buNone/>
+                </a:pPr>
                 <a14:m>
                   <m:oMathPara xmlns:m="http://schemas.openxmlformats.org/officeDocument/2006/math">
                     <m:oMathParaPr>
                       <m:jc m:val="centerGroup"/>
                     </m:oMathParaPr>
                     <m:oMath xmlns:m="http://schemas.openxmlformats.org/officeDocument/2006/math">
+                      <m:r>
+                        <a:rPr lang="en-AU" sz="2400" b="0" i="1" smtClean="0">
+                          <a:latin typeface="Cambria Math" panose="02040503050406030204" pitchFamily="18" charset="0"/>
+                        </a:rPr>
+                        <m:t>𝐼</m:t>
+                      </m:r>
                       <m:r>
                         <a:rPr lang="en-AU" sz="2400" b="0" i="1" smtClean="0">
                           <a:latin typeface="Cambria Math" panose="02040503050406030204" pitchFamily="18" charset="0"/>
@@ -8676,126 +12430,6 @@
                 </a14:m>
                 <a:endParaRPr lang="en-AU" sz="2400" dirty="0"/>
               </a:p>
-              <a:p>
-                <a:pPr marL="0" indent="0">
-                  <a:buNone/>
-                </a:pPr>
-                <a:r>
-                  <a:rPr lang="en-AU" sz="2400" dirty="0"/>
-                  <a:t>In the input basis </a:t>
-                </a:r>
-                <a14:m>
-                  <m:oMath xmlns:m="http://schemas.openxmlformats.org/officeDocument/2006/math">
-                    <m:r>
-                      <a:rPr lang="en-AU" sz="2400" b="0" i="0" smtClean="0">
-                        <a:latin typeface="Cambria Math" panose="02040503050406030204" pitchFamily="18" charset="0"/>
-                      </a:rPr>
-                      <m:t>{|</m:t>
-                    </m:r>
-                    <m:r>
-                      <a:rPr lang="en-AU" sz="2400" b="0" i="1" smtClean="0">
-                        <a:latin typeface="Cambria Math" panose="02040503050406030204" pitchFamily="18" charset="0"/>
-                      </a:rPr>
-                      <m:t>𝑣</m:t>
-                    </m:r>
-                    <m:r>
-                      <a:rPr lang="en-AU" sz="2400" b="0" i="1" smtClean="0">
-                        <a:latin typeface="Cambria Math" panose="02040503050406030204" pitchFamily="18" charset="0"/>
-                      </a:rPr>
-                      <m:t>⟩,|</m:t>
-                    </m:r>
-                    <m:sSup>
-                      <m:sSupPr>
-                        <m:ctrlPr>
-                          <a:rPr lang="en-AU" sz="2400" b="0" i="1" smtClean="0">
-                            <a:latin typeface="Cambria Math" panose="02040503050406030204" pitchFamily="18" charset="0"/>
-                          </a:rPr>
-                        </m:ctrlPr>
-                      </m:sSupPr>
-                      <m:e>
-                        <m:r>
-                          <a:rPr lang="en-AU" sz="2400" b="0" i="1" smtClean="0">
-                            <a:latin typeface="Cambria Math" panose="02040503050406030204" pitchFamily="18" charset="0"/>
-                          </a:rPr>
-                          <m:t>𝑣</m:t>
-                        </m:r>
-                      </m:e>
-                      <m:sup>
-                        <m:r>
-                          <a:rPr lang="en-AU" sz="2400" b="0" i="1" smtClean="0">
-                            <a:latin typeface="Cambria Math" panose="02040503050406030204" pitchFamily="18" charset="0"/>
-                          </a:rPr>
-                          <m:t>⊥</m:t>
-                        </m:r>
-                      </m:sup>
-                    </m:sSup>
-                    <m:r>
-                      <a:rPr lang="en-AU" sz="2400" b="0" i="1" smtClean="0">
-                        <a:latin typeface="Cambria Math" panose="02040503050406030204" pitchFamily="18" charset="0"/>
-                      </a:rPr>
-                      <m:t>⟩}</m:t>
-                    </m:r>
-                  </m:oMath>
-                </a14:m>
-                <a:r>
-                  <a:rPr lang="en-AU" sz="2400" dirty="0"/>
-                  <a:t> and output basis </a:t>
-                </a:r>
-                <a14:m>
-                  <m:oMath xmlns:m="http://schemas.openxmlformats.org/officeDocument/2006/math">
-                    <m:r>
-                      <a:rPr lang="en-AU" sz="2400" b="0" i="0" smtClean="0">
-                        <a:latin typeface="Cambria Math" panose="02040503050406030204" pitchFamily="18" charset="0"/>
-                      </a:rPr>
-                      <m:t>{|</m:t>
-                    </m:r>
-                    <m:r>
-                      <a:rPr lang="en-AU" sz="2400" b="0" i="1" smtClean="0">
-                        <a:latin typeface="Cambria Math" panose="02040503050406030204" pitchFamily="18" charset="0"/>
-                      </a:rPr>
-                      <m:t>𝑡</m:t>
-                    </m:r>
-                    <m:r>
-                      <a:rPr lang="en-AU" sz="2400" b="0" i="1" smtClean="0">
-                        <a:latin typeface="Cambria Math" panose="02040503050406030204" pitchFamily="18" charset="0"/>
-                      </a:rPr>
-                      <m:t>⟩,|</m:t>
-                    </m:r>
-                    <m:sSup>
-                      <m:sSupPr>
-                        <m:ctrlPr>
-                          <a:rPr lang="en-AU" sz="2400" b="0" i="1" smtClean="0">
-                            <a:latin typeface="Cambria Math" panose="02040503050406030204" pitchFamily="18" charset="0"/>
-                          </a:rPr>
-                        </m:ctrlPr>
-                      </m:sSupPr>
-                      <m:e>
-                        <m:r>
-                          <a:rPr lang="en-AU" sz="2400" b="0" i="1" smtClean="0">
-                            <a:latin typeface="Cambria Math" panose="02040503050406030204" pitchFamily="18" charset="0"/>
-                          </a:rPr>
-                          <m:t>𝑡</m:t>
-                        </m:r>
-                      </m:e>
-                      <m:sup>
-                        <m:r>
-                          <a:rPr lang="en-AU" sz="2400" b="0" i="1" smtClean="0">
-                            <a:latin typeface="Cambria Math" panose="02040503050406030204" pitchFamily="18" charset="0"/>
-                          </a:rPr>
-                          <m:t>⊥</m:t>
-                        </m:r>
-                      </m:sup>
-                    </m:sSup>
-                    <m:r>
-                      <a:rPr lang="en-AU" sz="2400" b="0" i="1" smtClean="0">
-                        <a:latin typeface="Cambria Math" panose="02040503050406030204" pitchFamily="18" charset="0"/>
-                      </a:rPr>
-                      <m:t>⟩}.</m:t>
-                    </m:r>
-                  </m:oMath>
-                </a14:m>
-                <a:endParaRPr lang="en-AU" sz="2400" dirty="0"/>
-              </a:p>
             </p:txBody>
           </p:sp>
         </mc:Choice>
@@ -8820,7 +12454,7 @@
               <a:blipFill>
                 <a:blip r:embed="rId2"/>
                 <a:stretch>
-                  <a:fillRect l="-638" t="-1821"/>
+                  <a:fillRect l="-638" t="-1821" r="-406"/>
                 </a:stretch>
               </a:blipFill>
             </p:spPr>
@@ -9377,12 +13011,31 @@
                             </a:rPr>
                             <m:t>⟨</m:t>
                           </m:r>
-                          <m:r>
-                            <a:rPr lang="en-AU" b="0" i="1" smtClean="0">
-                              <a:latin typeface="Cambria Math" panose="02040503050406030204" pitchFamily="18" charset="0"/>
-                            </a:rPr>
-                            <m:t>𝑡</m:t>
-                          </m:r>
+                          <m:sSup>
+                            <m:sSupPr>
+                              <m:ctrlPr>
+                                <a:rPr lang="en-AU" b="0" i="1" smtClean="0">
+                                  <a:latin typeface="Cambria Math" panose="02040503050406030204" pitchFamily="18" charset="0"/>
+                                </a:rPr>
+                              </m:ctrlPr>
+                            </m:sSupPr>
+                            <m:e>
+                              <m:r>
+                                <a:rPr lang="en-AU" b="0" i="1" smtClean="0">
+                                  <a:latin typeface="Cambria Math" panose="02040503050406030204" pitchFamily="18" charset="0"/>
+                                </a:rPr>
+                                <m:t>𝑡</m:t>
+                              </m:r>
+                            </m:e>
+                            <m:sup>
+                              <m:r>
+                                <a:rPr lang="en-AU" b="0" i="1" smtClean="0">
+                                  <a:latin typeface="Cambria Math" panose="02040503050406030204" pitchFamily="18" charset="0"/>
+                                </a:rPr>
+                                <m:t>⊥</m:t>
+                              </m:r>
+                            </m:sup>
+                          </m:sSup>
                           <m:r>
                             <a:rPr lang="en-AU" b="0" i="1" smtClean="0">
                               <a:latin typeface="Cambria Math" panose="02040503050406030204" pitchFamily="18" charset="0"/>
@@ -9426,12 +13079,31 @@
                         </a:rPr>
                         <m:t>⟩=⟨</m:t>
                       </m:r>
-                      <m:r>
-                        <a:rPr lang="en-AU" b="0" i="1" smtClean="0">
-                          <a:latin typeface="Cambria Math" panose="02040503050406030204" pitchFamily="18" charset="0"/>
-                        </a:rPr>
-                        <m:t>𝑡</m:t>
-                      </m:r>
+                      <m:sSup>
+                        <m:sSupPr>
+                          <m:ctrlPr>
+                            <a:rPr lang="en-AU" b="0" i="1" smtClean="0">
+                              <a:latin typeface="Cambria Math" panose="02040503050406030204" pitchFamily="18" charset="0"/>
+                            </a:rPr>
+                          </m:ctrlPr>
+                        </m:sSupPr>
+                        <m:e>
+                          <m:r>
+                            <a:rPr lang="en-AU" b="0" i="1" smtClean="0">
+                              <a:latin typeface="Cambria Math" panose="02040503050406030204" pitchFamily="18" charset="0"/>
+                            </a:rPr>
+                            <m:t>𝑡</m:t>
+                          </m:r>
+                        </m:e>
+                        <m:sup>
+                          <m:r>
+                            <a:rPr lang="en-AU" b="0" i="1" smtClean="0">
+                              <a:latin typeface="Cambria Math" panose="02040503050406030204" pitchFamily="18" charset="0"/>
+                            </a:rPr>
+                            <m:t>⊥</m:t>
+                          </m:r>
+                        </m:sup>
+                      </m:sSup>
                       <m:r>
                         <a:rPr lang="en-AU" b="0" i="1" smtClean="0">
                           <a:latin typeface="Cambria Math" panose="02040503050406030204" pitchFamily="18" charset="0"/>
@@ -9488,10 +13160,10 @@
                             </m:e>
                             <m:sub>
                               <m:r>
-                                <a:rPr lang="en-AU" i="1" dirty="0">
-                                  <a:latin typeface="Cambria Math" panose="02040503050406030204" pitchFamily="18" charset="0"/>
-                                </a:rPr>
-                                <m:t>1</m:t>
+                                <a:rPr lang="en-AU" b="0" i="1" dirty="0" smtClean="0">
+                                  <a:latin typeface="Cambria Math" panose="02040503050406030204" pitchFamily="18" charset="0"/>
+                                </a:rPr>
+                                <m:t>𝑛</m:t>
                               </m:r>
                             </m:sub>
                           </m:sSub>
@@ -9679,10 +13351,10 @@
                                         <m:t>𝑘</m:t>
                                       </m:r>
                                       <m:r>
-                                        <a:rPr lang="en-AU" i="1" dirty="0">
+                                        <a:rPr lang="en-AU" b="0" i="1" dirty="0" smtClean="0">
                                           <a:latin typeface="Cambria Math" panose="02040503050406030204" pitchFamily="18" charset="0"/>
                                         </a:rPr>
-                                        <m:t>+1</m:t>
+                                        <m:t>−1</m:t>
                                       </m:r>
                                     </m:sub>
                                   </m:sSub>
@@ -9892,7 +13564,7 @@
           <p:cNvPr id="2" name="Title 1">
             <a:extLst>
               <a:ext uri="{FF2B5EF4-FFF2-40B4-BE49-F238E27FC236}">
-                <a16:creationId xmlns:a16="http://schemas.microsoft.com/office/drawing/2014/main" id="{F7FA5CE7-2EF5-3088-8AE3-7D2F902334AE}"/>
+                <a16:creationId xmlns:a16="http://schemas.microsoft.com/office/drawing/2014/main" id="{8B097B8F-C055-86E7-5ED9-82CE271ED24D}"/>
               </a:ext>
             </a:extLst>
           </p:cNvPr>
@@ -9910,7 +13582,7 @@
           <a:p>
             <a:r>
               <a:rPr lang="en-AU" dirty="0"/>
-              <a:t>Claim</a:t>
+              <a:t>An alternative to sign</a:t>
             </a:r>
           </a:p>
         </p:txBody>
@@ -9922,7 +13594,7 @@
               <p:cNvPr id="3" name="Content Placeholder 2">
                 <a:extLst>
                   <a:ext uri="{FF2B5EF4-FFF2-40B4-BE49-F238E27FC236}">
-                    <a16:creationId xmlns:a16="http://schemas.microsoft.com/office/drawing/2014/main" id="{A4439FC6-7A87-3400-2BD8-B06C801C58DD}"/>
+                    <a16:creationId xmlns:a16="http://schemas.microsoft.com/office/drawing/2014/main" id="{66F9C179-04CD-6E1E-442F-409359D905B6}"/>
                   </a:ext>
                 </a:extLst>
               </p:cNvPr>
@@ -9935,7 +13607,9 @@
             </p:nvSpPr>
             <p:spPr/>
             <p:txBody>
-              <a:bodyPr/>
+              <a:bodyPr>
+                <a:normAutofit lnSpcReduction="10000"/>
+              </a:bodyPr>
               <a:lstStyle/>
               <a:p>
                 <a:pPr marL="0" indent="0">
@@ -9943,7 +13617,375 @@
                 </a:pPr>
                 <a:r>
                   <a:rPr lang="en-AU" dirty="0"/>
-                  <a:t>In the Grand Unification of Quantum Algorithms, the claim is made in the appendices that there exists a phase sequence that transforms a wide range of possible small values of </a:t>
+                  <a:t>One possible sequence of phases is</a:t>
+                </a:r>
+              </a:p>
+              <a:p>
+                <a:pPr marL="0" indent="0">
+                  <a:buNone/>
+                </a:pPr>
+                <a14:m>
+                  <m:oMathPara xmlns:m="http://schemas.openxmlformats.org/officeDocument/2006/math">
+                    <m:oMathParaPr>
+                      <m:jc m:val="centerGroup"/>
+                    </m:oMathParaPr>
+                    <m:oMath xmlns:m="http://schemas.openxmlformats.org/officeDocument/2006/math">
+                      <m:sSub>
+                        <m:sSubPr>
+                          <m:ctrlPr>
+                            <a:rPr lang="en-AU" b="0" i="1" smtClean="0">
+                              <a:latin typeface="Cambria Math" panose="02040503050406030204" pitchFamily="18" charset="0"/>
+                            </a:rPr>
+                          </m:ctrlPr>
+                        </m:sSubPr>
+                        <m:e>
+                          <m:r>
+                            <a:rPr lang="en-AU" b="0" i="1" smtClean="0">
+                              <a:latin typeface="Cambria Math" panose="02040503050406030204" pitchFamily="18" charset="0"/>
+                            </a:rPr>
+                            <m:t>𝜙</m:t>
+                          </m:r>
+                        </m:e>
+                        <m:sub>
+                          <m:r>
+                            <a:rPr lang="en-AU" b="0" i="1" smtClean="0">
+                              <a:latin typeface="Cambria Math" panose="02040503050406030204" pitchFamily="18" charset="0"/>
+                            </a:rPr>
+                            <m:t>2</m:t>
+                          </m:r>
+                          <m:r>
+                            <a:rPr lang="en-AU" b="0" i="1" smtClean="0">
+                              <a:latin typeface="Cambria Math" panose="02040503050406030204" pitchFamily="18" charset="0"/>
+                            </a:rPr>
+                            <m:t>𝑘</m:t>
+                          </m:r>
+                          <m:r>
+                            <a:rPr lang="en-AU" b="0" i="1" smtClean="0">
+                              <a:latin typeface="Cambria Math" panose="02040503050406030204" pitchFamily="18" charset="0"/>
+                            </a:rPr>
+                            <m:t>−1</m:t>
+                          </m:r>
+                        </m:sub>
+                      </m:sSub>
+                      <m:r>
+                        <a:rPr lang="en-AU" b="0" i="1" smtClean="0">
+                          <a:latin typeface="Cambria Math" panose="02040503050406030204" pitchFamily="18" charset="0"/>
+                        </a:rPr>
+                        <m:t>=</m:t>
+                      </m:r>
+                      <m:func>
+                        <m:funcPr>
+                          <m:ctrlPr>
+                            <a:rPr lang="en-AU" b="0" i="1" smtClean="0">
+                              <a:latin typeface="Cambria Math" panose="02040503050406030204" pitchFamily="18" charset="0"/>
+                            </a:rPr>
+                          </m:ctrlPr>
+                        </m:funcPr>
+                        <m:fName>
+                          <m:r>
+                            <m:rPr>
+                              <m:sty m:val="p"/>
+                            </m:rPr>
+                            <a:rPr lang="en-AU" b="0" i="0" smtClean="0">
+                              <a:latin typeface="Cambria Math" panose="02040503050406030204" pitchFamily="18" charset="0"/>
+                            </a:rPr>
+                            <m:t>arccot</m:t>
+                          </m:r>
+                        </m:fName>
+                        <m:e>
+                          <m:d>
+                            <m:dPr>
+                              <m:ctrlPr>
+                                <a:rPr lang="en-AU" b="0" i="1" smtClean="0">
+                                  <a:latin typeface="Cambria Math" panose="02040503050406030204" pitchFamily="18" charset="0"/>
+                                </a:rPr>
+                              </m:ctrlPr>
+                            </m:dPr>
+                            <m:e>
+                              <m:r>
+                                <a:rPr lang="en-AU" b="0" i="1" smtClean="0">
+                                  <a:latin typeface="Cambria Math" panose="02040503050406030204" pitchFamily="18" charset="0"/>
+                                </a:rPr>
+                                <m:t>𝑤</m:t>
+                              </m:r>
+                              <m:r>
+                                <a:rPr lang="en-AU" b="0" i="1" smtClean="0">
+                                  <a:latin typeface="Cambria Math" panose="02040503050406030204" pitchFamily="18" charset="0"/>
+                                </a:rPr>
+                                <m:t>∗</m:t>
+                              </m:r>
+                              <m:func>
+                                <m:funcPr>
+                                  <m:ctrlPr>
+                                    <a:rPr lang="en-AU" b="0" i="1" smtClean="0">
+                                      <a:latin typeface="Cambria Math" panose="02040503050406030204" pitchFamily="18" charset="0"/>
+                                    </a:rPr>
+                                  </m:ctrlPr>
+                                </m:funcPr>
+                                <m:fName>
+                                  <m:r>
+                                    <m:rPr>
+                                      <m:sty m:val="p"/>
+                                    </m:rPr>
+                                    <a:rPr lang="en-AU" b="0" i="0" smtClean="0">
+                                      <a:latin typeface="Cambria Math" panose="02040503050406030204" pitchFamily="18" charset="0"/>
+                                    </a:rPr>
+                                    <m:t>tan</m:t>
+                                  </m:r>
+                                </m:fName>
+                                <m:e>
+                                  <m:f>
+                                    <m:fPr>
+                                      <m:ctrlPr>
+                                        <a:rPr lang="en-AU" b="0" i="1" smtClean="0">
+                                          <a:latin typeface="Cambria Math" panose="02040503050406030204" pitchFamily="18" charset="0"/>
+                                        </a:rPr>
+                                      </m:ctrlPr>
+                                    </m:fPr>
+                                    <m:num>
+                                      <m:d>
+                                        <m:dPr>
+                                          <m:ctrlPr>
+                                            <a:rPr lang="en-AU" b="0" i="1" smtClean="0">
+                                              <a:latin typeface="Cambria Math" panose="02040503050406030204" pitchFamily="18" charset="0"/>
+                                            </a:rPr>
+                                          </m:ctrlPr>
+                                        </m:dPr>
+                                        <m:e>
+                                          <m:r>
+                                            <a:rPr lang="en-AU" b="0" i="1" smtClean="0">
+                                              <a:latin typeface="Cambria Math" panose="02040503050406030204" pitchFamily="18" charset="0"/>
+                                            </a:rPr>
+                                            <m:t>2</m:t>
+                                          </m:r>
+                                          <m:r>
+                                            <a:rPr lang="en-AU" b="0" i="1" smtClean="0">
+                                              <a:latin typeface="Cambria Math" panose="02040503050406030204" pitchFamily="18" charset="0"/>
+                                            </a:rPr>
+                                            <m:t>𝑘</m:t>
+                                          </m:r>
+                                          <m:r>
+                                            <a:rPr lang="en-AU" b="0" i="1" smtClean="0">
+                                              <a:latin typeface="Cambria Math" panose="02040503050406030204" pitchFamily="18" charset="0"/>
+                                            </a:rPr>
+                                            <m:t>−1</m:t>
+                                          </m:r>
+                                        </m:e>
+                                      </m:d>
+                                      <m:r>
+                                        <a:rPr lang="en-AU" b="0" i="1" smtClean="0">
+                                          <a:latin typeface="Cambria Math" panose="02040503050406030204" pitchFamily="18" charset="0"/>
+                                        </a:rPr>
+                                        <m:t>𝜋</m:t>
+                                      </m:r>
+                                    </m:num>
+                                    <m:den>
+                                      <m:r>
+                                        <a:rPr lang="en-AU" b="0" i="1" smtClean="0">
+                                          <a:latin typeface="Cambria Math" panose="02040503050406030204" pitchFamily="18" charset="0"/>
+                                        </a:rPr>
+                                        <m:t>2</m:t>
+                                      </m:r>
+                                      <m:r>
+                                        <a:rPr lang="en-AU" b="0" i="1" smtClean="0">
+                                          <a:latin typeface="Cambria Math" panose="02040503050406030204" pitchFamily="18" charset="0"/>
+                                        </a:rPr>
+                                        <m:t>𝑑</m:t>
+                                      </m:r>
+                                      <m:r>
+                                        <a:rPr lang="en-AU" b="0" i="1" smtClean="0">
+                                          <a:latin typeface="Cambria Math" panose="02040503050406030204" pitchFamily="18" charset="0"/>
+                                        </a:rPr>
+                                        <m:t>+1</m:t>
+                                      </m:r>
+                                    </m:den>
+                                  </m:f>
+                                </m:e>
+                              </m:func>
+                            </m:e>
+                          </m:d>
+                        </m:e>
+                      </m:func>
+                    </m:oMath>
+                  </m:oMathPara>
+                </a14:m>
+                <a:endParaRPr lang="en-AU" b="0" dirty="0"/>
+              </a:p>
+              <a:p>
+                <a:pPr marL="0" indent="0">
+                  <a:buNone/>
+                </a:pPr>
+                <a14:m>
+                  <m:oMathPara xmlns:m="http://schemas.openxmlformats.org/officeDocument/2006/math">
+                    <m:oMathParaPr>
+                      <m:jc m:val="centerGroup"/>
+                    </m:oMathParaPr>
+                    <m:oMath xmlns:m="http://schemas.openxmlformats.org/officeDocument/2006/math">
+                      <m:sSub>
+                        <m:sSubPr>
+                          <m:ctrlPr>
+                            <a:rPr lang="en-AU" b="0" i="1" smtClean="0">
+                              <a:latin typeface="Cambria Math" panose="02040503050406030204" pitchFamily="18" charset="0"/>
+                            </a:rPr>
+                          </m:ctrlPr>
+                        </m:sSubPr>
+                        <m:e>
+                          <m:r>
+                            <a:rPr lang="en-AU" b="0" i="1" smtClean="0">
+                              <a:latin typeface="Cambria Math" panose="02040503050406030204" pitchFamily="18" charset="0"/>
+                            </a:rPr>
+                            <m:t>𝜙</m:t>
+                          </m:r>
+                        </m:e>
+                        <m:sub>
+                          <m:r>
+                            <a:rPr lang="en-AU" b="0" i="1" smtClean="0">
+                              <a:latin typeface="Cambria Math" panose="02040503050406030204" pitchFamily="18" charset="0"/>
+                            </a:rPr>
+                            <m:t>2</m:t>
+                          </m:r>
+                          <m:r>
+                            <a:rPr lang="en-AU" b="0" i="1" smtClean="0">
+                              <a:latin typeface="Cambria Math" panose="02040503050406030204" pitchFamily="18" charset="0"/>
+                            </a:rPr>
+                            <m:t>𝑘</m:t>
+                          </m:r>
+                        </m:sub>
+                      </m:sSub>
+                      <m:r>
+                        <a:rPr lang="en-AU" b="0" i="1" smtClean="0">
+                          <a:latin typeface="Cambria Math" panose="02040503050406030204" pitchFamily="18" charset="0"/>
+                        </a:rPr>
+                        <m:t>=</m:t>
+                      </m:r>
+                      <m:func>
+                        <m:funcPr>
+                          <m:ctrlPr>
+                            <a:rPr lang="en-AU" i="1">
+                              <a:latin typeface="Cambria Math" panose="02040503050406030204" pitchFamily="18" charset="0"/>
+                            </a:rPr>
+                          </m:ctrlPr>
+                        </m:funcPr>
+                        <m:fName>
+                          <m:r>
+                            <m:rPr>
+                              <m:sty m:val="p"/>
+                            </m:rPr>
+                            <a:rPr lang="en-AU">
+                              <a:latin typeface="Cambria Math" panose="02040503050406030204" pitchFamily="18" charset="0"/>
+                            </a:rPr>
+                            <m:t>arccot</m:t>
+                          </m:r>
+                        </m:fName>
+                        <m:e>
+                          <m:d>
+                            <m:dPr>
+                              <m:ctrlPr>
+                                <a:rPr lang="en-AU" i="1">
+                                  <a:latin typeface="Cambria Math" panose="02040503050406030204" pitchFamily="18" charset="0"/>
+                                </a:rPr>
+                              </m:ctrlPr>
+                            </m:dPr>
+                            <m:e>
+                              <m:r>
+                                <a:rPr lang="en-AU" i="1">
+                                  <a:latin typeface="Cambria Math" panose="02040503050406030204" pitchFamily="18" charset="0"/>
+                                </a:rPr>
+                                <m:t>𝑤</m:t>
+                              </m:r>
+                              <m:r>
+                                <a:rPr lang="en-AU" i="1">
+                                  <a:latin typeface="Cambria Math" panose="02040503050406030204" pitchFamily="18" charset="0"/>
+                                </a:rPr>
+                                <m:t>∗</m:t>
+                              </m:r>
+                              <m:func>
+                                <m:funcPr>
+                                  <m:ctrlPr>
+                                    <a:rPr lang="en-AU" i="1">
+                                      <a:latin typeface="Cambria Math" panose="02040503050406030204" pitchFamily="18" charset="0"/>
+                                    </a:rPr>
+                                  </m:ctrlPr>
+                                </m:funcPr>
+                                <m:fName>
+                                  <m:r>
+                                    <m:rPr>
+                                      <m:sty m:val="p"/>
+                                    </m:rPr>
+                                    <a:rPr lang="en-AU">
+                                      <a:latin typeface="Cambria Math" panose="02040503050406030204" pitchFamily="18" charset="0"/>
+                                    </a:rPr>
+                                    <m:t>tan</m:t>
+                                  </m:r>
+                                </m:fName>
+                                <m:e>
+                                  <m:f>
+                                    <m:fPr>
+                                      <m:ctrlPr>
+                                        <a:rPr lang="en-AU" i="1">
+                                          <a:latin typeface="Cambria Math" panose="02040503050406030204" pitchFamily="18" charset="0"/>
+                                        </a:rPr>
+                                      </m:ctrlPr>
+                                    </m:fPr>
+                                    <m:num>
+                                      <m:r>
+                                        <a:rPr lang="en-AU" b="0" i="1" smtClean="0">
+                                          <a:latin typeface="Cambria Math" panose="02040503050406030204" pitchFamily="18" charset="0"/>
+                                        </a:rPr>
+                                        <m:t>2</m:t>
+                                      </m:r>
+                                      <m:r>
+                                        <a:rPr lang="en-AU" b="0" i="1" smtClean="0">
+                                          <a:latin typeface="Cambria Math" panose="02040503050406030204" pitchFamily="18" charset="0"/>
+                                        </a:rPr>
+                                        <m:t>𝑘</m:t>
+                                      </m:r>
+                                      <m:r>
+                                        <a:rPr lang="en-AU" i="1">
+                                          <a:latin typeface="Cambria Math" panose="02040503050406030204" pitchFamily="18" charset="0"/>
+                                        </a:rPr>
+                                        <m:t>𝜋</m:t>
+                                      </m:r>
+                                    </m:num>
+                                    <m:den>
+                                      <m:r>
+                                        <a:rPr lang="en-AU" i="1">
+                                          <a:latin typeface="Cambria Math" panose="02040503050406030204" pitchFamily="18" charset="0"/>
+                                        </a:rPr>
+                                        <m:t>2</m:t>
+                                      </m:r>
+                                      <m:r>
+                                        <a:rPr lang="en-AU" i="1">
+                                          <a:latin typeface="Cambria Math" panose="02040503050406030204" pitchFamily="18" charset="0"/>
+                                        </a:rPr>
+                                        <m:t>𝑑</m:t>
+                                      </m:r>
+                                      <m:r>
+                                        <a:rPr lang="en-AU" i="1">
+                                          <a:latin typeface="Cambria Math" panose="02040503050406030204" pitchFamily="18" charset="0"/>
+                                        </a:rPr>
+                                        <m:t>+1</m:t>
+                                      </m:r>
+                                    </m:den>
+                                  </m:f>
+                                </m:e>
+                              </m:func>
+                            </m:e>
+                          </m:d>
+                        </m:e>
+                      </m:func>
+                    </m:oMath>
+                  </m:oMathPara>
+                </a14:m>
+                <a:endParaRPr lang="en-AU" dirty="0"/>
+              </a:p>
+              <a:p>
+                <a:pPr marL="0" indent="0">
+                  <a:buNone/>
+                </a:pPr>
+                <a:r>
+                  <a:rPr lang="en-AU" dirty="0"/>
+                  <a:t>For </a:t>
                 </a:r>
                 <a14:m>
                   <m:oMath xmlns:m="http://schemas.openxmlformats.org/officeDocument/2006/math">
@@ -9951,16 +13993,309 @@
                       <a:rPr lang="en-AU" b="0" i="1" smtClean="0">
                         <a:latin typeface="Cambria Math" panose="02040503050406030204" pitchFamily="18" charset="0"/>
                       </a:rPr>
-                      <m:t>𝑎</m:t>
+                      <m:t>𝑘</m:t>
+                    </m:r>
+                    <m:r>
+                      <a:rPr lang="en-AU" b="0" i="1" smtClean="0">
+                        <a:latin typeface="Cambria Math" panose="02040503050406030204" pitchFamily="18" charset="0"/>
+                      </a:rPr>
+                      <m:t>∈</m:t>
+                    </m:r>
+                    <m:d>
+                      <m:dPr>
+                        <m:begChr m:val="{"/>
+                        <m:endChr m:val="}"/>
+                        <m:ctrlPr>
+                          <a:rPr lang="en-AU" b="0" i="1" smtClean="0">
+                            <a:latin typeface="Cambria Math" panose="02040503050406030204" pitchFamily="18" charset="0"/>
+                          </a:rPr>
+                        </m:ctrlPr>
+                      </m:dPr>
+                      <m:e>
+                        <m:r>
+                          <a:rPr lang="en-AU" b="0" i="1" smtClean="0">
+                            <a:latin typeface="Cambria Math" panose="02040503050406030204" pitchFamily="18" charset="0"/>
+                          </a:rPr>
+                          <m:t>1…</m:t>
+                        </m:r>
+                        <m:r>
+                          <a:rPr lang="en-AU" b="0" i="1" smtClean="0">
+                            <a:latin typeface="Cambria Math" panose="02040503050406030204" pitchFamily="18" charset="0"/>
+                          </a:rPr>
+                          <m:t>𝑑</m:t>
+                        </m:r>
+                      </m:e>
+                    </m:d>
+                    <m:r>
+                      <a:rPr lang="en-AU" b="0" i="1" smtClean="0">
+                        <a:latin typeface="Cambria Math" panose="02040503050406030204" pitchFamily="18" charset="0"/>
+                      </a:rPr>
+                      <m:t>.</m:t>
                     </m:r>
                   </m:oMath>
                 </a14:m>
                 <a:r>
                   <a:rPr lang="en-AU" dirty="0"/>
-                  <a:t> to be close to 1 with error 1-</a:t>
+                  <a:t> This induces the polynomial transformation</a:t>
+                </a:r>
+              </a:p>
+              <a:p>
+                <a:pPr marL="0" indent="0">
+                  <a:buNone/>
+                </a:pPr>
+                <a14:m>
+                  <m:oMathPara xmlns:m="http://schemas.openxmlformats.org/officeDocument/2006/math">
+                    <m:oMathParaPr>
+                      <m:jc m:val="centerGroup"/>
+                    </m:oMathParaPr>
+                    <m:oMath xmlns:m="http://schemas.openxmlformats.org/officeDocument/2006/math">
+                      <m:sSub>
+                        <m:sSubPr>
+                          <m:ctrlPr>
+                            <a:rPr lang="en-AU" b="0" i="1" smtClean="0">
+                              <a:latin typeface="Cambria Math" panose="02040503050406030204" pitchFamily="18" charset="0"/>
+                            </a:rPr>
+                          </m:ctrlPr>
+                        </m:sSubPr>
+                        <m:e>
+                          <m:r>
+                            <a:rPr lang="en-AU" b="0" i="1" smtClean="0">
+                              <a:latin typeface="Cambria Math" panose="02040503050406030204" pitchFamily="18" charset="0"/>
+                            </a:rPr>
+                            <m:t>𝑇</m:t>
+                          </m:r>
+                        </m:e>
+                        <m:sub>
+                          <m:d>
+                            <m:dPr>
+                              <m:ctrlPr>
+                                <a:rPr lang="en-AU" b="0" i="1" smtClean="0">
+                                  <a:latin typeface="Cambria Math" panose="02040503050406030204" pitchFamily="18" charset="0"/>
+                                </a:rPr>
+                              </m:ctrlPr>
+                            </m:dPr>
+                            <m:e>
+                              <m:r>
+                                <a:rPr lang="en-AU" b="0" i="1" smtClean="0">
+                                  <a:latin typeface="Cambria Math" panose="02040503050406030204" pitchFamily="18" charset="0"/>
+                                </a:rPr>
+                                <m:t>2</m:t>
+                              </m:r>
+                              <m:r>
+                                <a:rPr lang="en-AU" b="0" i="1" smtClean="0">
+                                  <a:latin typeface="Cambria Math" panose="02040503050406030204" pitchFamily="18" charset="0"/>
+                                </a:rPr>
+                                <m:t>𝑑</m:t>
+                              </m:r>
+                              <m:r>
+                                <a:rPr lang="en-AU" b="0" i="1" smtClean="0">
+                                  <a:latin typeface="Cambria Math" panose="02040503050406030204" pitchFamily="18" charset="0"/>
+                                </a:rPr>
+                                <m:t>+1</m:t>
+                              </m:r>
+                            </m:e>
+                          </m:d>
+                        </m:sub>
+                      </m:sSub>
+                      <m:d>
+                        <m:dPr>
+                          <m:ctrlPr>
+                            <a:rPr lang="en-AU" b="0" i="1" smtClean="0">
+                              <a:latin typeface="Cambria Math" panose="02040503050406030204" pitchFamily="18" charset="0"/>
+                            </a:rPr>
+                          </m:ctrlPr>
+                        </m:dPr>
+                        <m:e>
+                          <m:f>
+                            <m:fPr>
+                              <m:ctrlPr>
+                                <a:rPr lang="en-AU" b="0" i="1" smtClean="0">
+                                  <a:latin typeface="Cambria Math" panose="02040503050406030204" pitchFamily="18" charset="0"/>
+                                </a:rPr>
+                              </m:ctrlPr>
+                            </m:fPr>
+                            <m:num>
+                              <m:r>
+                                <a:rPr lang="en-AU" b="0" i="1" smtClean="0">
+                                  <a:latin typeface="Cambria Math" panose="02040503050406030204" pitchFamily="18" charset="0"/>
+                                </a:rPr>
+                                <m:t>𝑎</m:t>
+                              </m:r>
+                            </m:num>
+                            <m:den>
+                              <m:rad>
+                                <m:radPr>
+                                  <m:degHide m:val="on"/>
+                                  <m:ctrlPr>
+                                    <a:rPr lang="en-AU" b="0" i="1" smtClean="0">
+                                      <a:latin typeface="Cambria Math" panose="02040503050406030204" pitchFamily="18" charset="0"/>
+                                    </a:rPr>
+                                  </m:ctrlPr>
+                                </m:radPr>
+                                <m:deg/>
+                                <m:e>
+                                  <m:r>
+                                    <a:rPr lang="en-AU" b="0" i="1" smtClean="0">
+                                      <a:latin typeface="Cambria Math" panose="02040503050406030204" pitchFamily="18" charset="0"/>
+                                    </a:rPr>
+                                    <m:t>1−</m:t>
+                                  </m:r>
+                                  <m:sSup>
+                                    <m:sSupPr>
+                                      <m:ctrlPr>
+                                        <a:rPr lang="en-AU" b="0" i="1" smtClean="0">
+                                          <a:latin typeface="Cambria Math" panose="02040503050406030204" pitchFamily="18" charset="0"/>
+                                        </a:rPr>
+                                      </m:ctrlPr>
+                                    </m:sSupPr>
+                                    <m:e>
+                                      <m:r>
+                                        <a:rPr lang="en-AU" b="0" i="1" smtClean="0">
+                                          <a:latin typeface="Cambria Math" panose="02040503050406030204" pitchFamily="18" charset="0"/>
+                                        </a:rPr>
+                                        <m:t>𝑤</m:t>
+                                      </m:r>
+                                    </m:e>
+                                    <m:sup>
+                                      <m:r>
+                                        <a:rPr lang="en-AU" b="0" i="1" smtClean="0">
+                                          <a:latin typeface="Cambria Math" panose="02040503050406030204" pitchFamily="18" charset="0"/>
+                                        </a:rPr>
+                                        <m:t>2</m:t>
+                                      </m:r>
+                                    </m:sup>
+                                  </m:sSup>
+                                </m:e>
+                              </m:rad>
+                            </m:den>
+                          </m:f>
+                        </m:e>
+                      </m:d>
+                      <m:r>
+                        <a:rPr lang="en-AU" b="0" i="1" smtClean="0">
+                          <a:latin typeface="Cambria Math" panose="02040503050406030204" pitchFamily="18" charset="0"/>
+                        </a:rPr>
+                        <m:t>𝛿</m:t>
+                      </m:r>
+                    </m:oMath>
+                  </m:oMathPara>
+                </a14:m>
+                <a:endParaRPr lang="en-AU" dirty="0"/>
+              </a:p>
+              <a:p>
+                <a:pPr marL="0" indent="0">
+                  <a:buNone/>
+                </a:pPr>
+                <a:r>
+                  <a:rPr lang="en-AU" dirty="0"/>
+                  <a:t> where </a:t>
                 </a:r>
                 <a14:m>
                   <m:oMath xmlns:m="http://schemas.openxmlformats.org/officeDocument/2006/math">
+                    <m:r>
+                      <a:rPr lang="en-AU" b="0" i="1" smtClean="0">
+                        <a:latin typeface="Cambria Math" panose="02040503050406030204" pitchFamily="18" charset="0"/>
+                      </a:rPr>
+                      <m:t>𝛿</m:t>
+                    </m:r>
+                    <m:r>
+                      <a:rPr lang="en-AU" b="0" i="1" smtClean="0">
+                        <a:latin typeface="Cambria Math" panose="02040503050406030204" pitchFamily="18" charset="0"/>
+                      </a:rPr>
+                      <m:t> </m:t>
+                    </m:r>
+                  </m:oMath>
+                </a14:m>
+                <a:r>
+                  <a:rPr lang="en-AU" dirty="0"/>
+                  <a:t>is an error tolerance, </a:t>
+                </a:r>
+                <a14:m>
+                  <m:oMath xmlns:m="http://schemas.openxmlformats.org/officeDocument/2006/math">
+                    <m:r>
+                      <a:rPr lang="en-AU" b="0" i="1" smtClean="0">
+                        <a:latin typeface="Cambria Math" panose="02040503050406030204" pitchFamily="18" charset="0"/>
+                      </a:rPr>
+                      <m:t>𝑤</m:t>
+                    </m:r>
+                  </m:oMath>
+                </a14:m>
+                <a:r>
+                  <a:rPr lang="en-AU" dirty="0"/>
+                  <a:t> determines the lower bound such that </a:t>
+                </a:r>
+                <a14:m>
+                  <m:oMath xmlns:m="http://schemas.openxmlformats.org/officeDocument/2006/math">
+                    <m:rad>
+                      <m:radPr>
+                        <m:degHide m:val="on"/>
+                        <m:ctrlPr>
+                          <a:rPr lang="en-AU" b="0" i="1" smtClean="0">
+                            <a:latin typeface="Cambria Math" panose="02040503050406030204" pitchFamily="18" charset="0"/>
+                          </a:rPr>
+                        </m:ctrlPr>
+                      </m:radPr>
+                      <m:deg/>
+                      <m:e>
+                        <m:r>
+                          <a:rPr lang="en-AU" b="0" i="1" smtClean="0">
+                            <a:latin typeface="Cambria Math" panose="02040503050406030204" pitchFamily="18" charset="0"/>
+                          </a:rPr>
+                          <m:t>1−</m:t>
+                        </m:r>
+                        <m:sSup>
+                          <m:sSupPr>
+                            <m:ctrlPr>
+                              <a:rPr lang="en-AU" b="0" i="1" smtClean="0">
+                                <a:latin typeface="Cambria Math" panose="02040503050406030204" pitchFamily="18" charset="0"/>
+                              </a:rPr>
+                            </m:ctrlPr>
+                          </m:sSupPr>
+                          <m:e>
+                            <m:r>
+                              <a:rPr lang="en-AU" b="0" i="1" smtClean="0">
+                                <a:latin typeface="Cambria Math" panose="02040503050406030204" pitchFamily="18" charset="0"/>
+                              </a:rPr>
+                              <m:t>𝑎</m:t>
+                            </m:r>
+                          </m:e>
+                          <m:sup>
+                            <m:r>
+                              <a:rPr lang="en-AU" b="0" i="1" smtClean="0">
+                                <a:latin typeface="Cambria Math" panose="02040503050406030204" pitchFamily="18" charset="0"/>
+                              </a:rPr>
+                              <m:t>2</m:t>
+                            </m:r>
+                          </m:sup>
+                        </m:sSup>
+                      </m:e>
+                    </m:rad>
+                    <m:r>
+                      <a:rPr lang="en-AU" b="0" i="1" smtClean="0">
+                        <a:latin typeface="Cambria Math" panose="02040503050406030204" pitchFamily="18" charset="0"/>
+                      </a:rPr>
+                      <m:t>≥</m:t>
+                    </m:r>
+                    <m:r>
+                      <a:rPr lang="en-AU" b="0" i="1" smtClean="0">
+                        <a:latin typeface="Cambria Math" panose="02040503050406030204" pitchFamily="18" charset="0"/>
+                      </a:rPr>
+                      <m:t>𝑤</m:t>
+                    </m:r>
+                  </m:oMath>
+                </a14:m>
+                <a:r>
+                  <a:rPr lang="en-AU" dirty="0"/>
+                  <a:t> is pushed above </a:t>
+                </a:r>
+                <a14:m>
+                  <m:oMath xmlns:m="http://schemas.openxmlformats.org/officeDocument/2006/math">
+                    <m:r>
+                      <a:rPr lang="en-AU" b="0" i="0" smtClean="0">
+                        <a:latin typeface="Cambria Math" panose="02040503050406030204" pitchFamily="18" charset="0"/>
+                      </a:rPr>
+                      <m:t>1−</m:t>
+                    </m:r>
                     <m:sSup>
                       <m:sSupPr>
                         <m:ctrlPr>
@@ -9990,19 +14325,76 @@
                 </a14:m>
                 <a:r>
                   <a:rPr lang="en-AU" dirty="0"/>
-                  <a:t>.</a:t>
+                  <a:t> and </a:t>
                 </a:r>
-              </a:p>
-              <a:p>
-                <a:pPr marL="0" indent="0">
-                  <a:buNone/>
-                </a:pPr>
-                <a:endParaRPr lang="en-AU" dirty="0"/>
-              </a:p>
-              <a:p>
-                <a:pPr marL="0" indent="0">
-                  <a:buNone/>
-                </a:pPr>
+                <a14:m>
+                  <m:oMath xmlns:m="http://schemas.openxmlformats.org/officeDocument/2006/math">
+                    <m:r>
+                      <a:rPr lang="en-AU" b="0" i="1" smtClean="0">
+                        <a:latin typeface="Cambria Math" panose="02040503050406030204" pitchFamily="18" charset="0"/>
+                      </a:rPr>
+                      <m:t>𝑑</m:t>
+                    </m:r>
+                    <m:r>
+                      <a:rPr lang="en-AU" b="0" i="1" smtClean="0">
+                        <a:latin typeface="Cambria Math" panose="02040503050406030204" pitchFamily="18" charset="0"/>
+                      </a:rPr>
+                      <m:t>=⌈</m:t>
+                    </m:r>
+                    <m:func>
+                      <m:funcPr>
+                        <m:ctrlPr>
+                          <a:rPr lang="en-AU" b="0" i="1" smtClean="0">
+                            <a:latin typeface="Cambria Math" panose="02040503050406030204" pitchFamily="18" charset="0"/>
+                          </a:rPr>
+                        </m:ctrlPr>
+                      </m:funcPr>
+                      <m:fName>
+                        <m:r>
+                          <m:rPr>
+                            <m:sty m:val="p"/>
+                          </m:rPr>
+                          <a:rPr lang="en-AU" b="0" i="0" smtClean="0">
+                            <a:latin typeface="Cambria Math" panose="02040503050406030204" pitchFamily="18" charset="0"/>
+                          </a:rPr>
+                          <m:t>log</m:t>
+                        </m:r>
+                      </m:fName>
+                      <m:e>
+                        <m:r>
+                          <a:rPr lang="en-AU" b="0" i="1" smtClean="0">
+                            <a:latin typeface="Cambria Math" panose="02040503050406030204" pitchFamily="18" charset="0"/>
+                          </a:rPr>
+                          <m:t>(2/</m:t>
+                        </m:r>
+                        <m:r>
+                          <a:rPr lang="en-AU" b="0" i="1" smtClean="0">
+                            <a:latin typeface="Cambria Math" panose="02040503050406030204" pitchFamily="18" charset="0"/>
+                          </a:rPr>
+                          <m:t>𝛿</m:t>
+                        </m:r>
+                        <m:r>
+                          <a:rPr lang="en-AU" b="0" i="1" smtClean="0">
+                            <a:latin typeface="Cambria Math" panose="02040503050406030204" pitchFamily="18" charset="0"/>
+                          </a:rPr>
+                          <m:t>)/2</m:t>
+                        </m:r>
+                        <m:r>
+                          <a:rPr lang="en-AU" b="0" i="1" smtClean="0">
+                            <a:latin typeface="Cambria Math" panose="02040503050406030204" pitchFamily="18" charset="0"/>
+                          </a:rPr>
+                          <m:t>𝑤</m:t>
+                        </m:r>
+                        <m:r>
+                          <a:rPr lang="en-AU" b="0" i="1" smtClean="0">
+                            <a:latin typeface="Cambria Math" panose="02040503050406030204" pitchFamily="18" charset="0"/>
+                          </a:rPr>
+                          <m:t>⌉</m:t>
+                        </m:r>
+                      </m:e>
+                    </m:func>
+                  </m:oMath>
+                </a14:m>
                 <a:endParaRPr lang="en-AU" dirty="0"/>
               </a:p>
             </p:txBody>
@@ -10014,7 +14406,7 @@
               <p:cNvPr id="3" name="Content Placeholder 2">
                 <a:extLst>
                   <a:ext uri="{FF2B5EF4-FFF2-40B4-BE49-F238E27FC236}">
-                    <a16:creationId xmlns:a16="http://schemas.microsoft.com/office/drawing/2014/main" id="{A4439FC6-7A87-3400-2BD8-B06C801C58DD}"/>
+                    <a16:creationId xmlns:a16="http://schemas.microsoft.com/office/drawing/2014/main" id="{66F9C179-04CD-6E1E-442F-409359D905B6}"/>
                   </a:ext>
                 </a:extLst>
               </p:cNvPr>
@@ -10029,7 +14421,7 @@
               <a:blipFill>
                 <a:blip r:embed="rId2"/>
                 <a:stretch>
-                  <a:fillRect l="-1217" t="-2381" r="-580"/>
+                  <a:fillRect l="-1217" t="-3081" b="-3782"/>
                 </a:stretch>
               </a:blipFill>
             </p:spPr>
@@ -10051,7 +14443,7 @@
     </p:spTree>
     <p:extLst>
       <p:ext uri="{BB962C8B-B14F-4D97-AF65-F5344CB8AC3E}">
-        <p14:creationId xmlns:p14="http://schemas.microsoft.com/office/powerpoint/2010/main" val="915114181"/>
+        <p14:creationId xmlns:p14="http://schemas.microsoft.com/office/powerpoint/2010/main" val="1753112279"/>
       </p:ext>
     </p:extLst>
   </p:cSld>
@@ -10066,7 +14458,13 @@
   <p:cSld>
     <p:spTree>
       <p:nvGrpSpPr>
-        <p:cNvPr id="1" name=""/>
+        <p:cNvPr id="1" name="">
+          <a:extLst>
+            <a:ext uri="{FF2B5EF4-FFF2-40B4-BE49-F238E27FC236}">
+              <a16:creationId xmlns:a16="http://schemas.microsoft.com/office/drawing/2014/main" id="{A112F7EF-BBE2-E279-90F5-C6D1C8E4A515}"/>
+            </a:ext>
+          </a:extLst>
+        </p:cNvPr>
         <p:cNvGrpSpPr/>
         <p:nvPr/>
       </p:nvGrpSpPr>
@@ -10083,7 +14481,7 @@
           <p:cNvPr id="2" name="Title 1">
             <a:extLst>
               <a:ext uri="{FF2B5EF4-FFF2-40B4-BE49-F238E27FC236}">
-                <a16:creationId xmlns:a16="http://schemas.microsoft.com/office/drawing/2014/main" id="{0220A1E1-89BD-FE9C-2C93-4564BF8559E9}"/>
+                <a16:creationId xmlns:a16="http://schemas.microsoft.com/office/drawing/2014/main" id="{C08CED1C-F196-3D53-CAFC-E22F0BB744B3}"/>
               </a:ext>
             </a:extLst>
           </p:cNvPr>
@@ -10099,7 +14497,10 @@
           <a:bodyPr/>
           <a:lstStyle/>
           <a:p>
-            <a:endParaRPr lang="en-AU"/>
+            <a:r>
+              <a:rPr lang="en-AU" dirty="0"/>
+              <a:t>An alternative to sign</a:t>
+            </a:r>
           </a:p>
         </p:txBody>
       </p:sp>
@@ -10110,7 +14511,7 @@
               <p:cNvPr id="3" name="Content Placeholder 2">
                 <a:extLst>
                   <a:ext uri="{FF2B5EF4-FFF2-40B4-BE49-F238E27FC236}">
-                    <a16:creationId xmlns:a16="http://schemas.microsoft.com/office/drawing/2014/main" id="{3CB10342-CF95-8D8C-B759-1FC9DDA868F6}"/>
+                    <a16:creationId xmlns:a16="http://schemas.microsoft.com/office/drawing/2014/main" id="{9C60E02D-D6E4-F018-E9B9-3294539E5615}"/>
                   </a:ext>
                 </a:extLst>
               </p:cNvPr>
@@ -10123,102 +14524,113 @@
             </p:nvSpPr>
             <p:spPr/>
             <p:txBody>
-              <a:bodyPr/>
+              <a:bodyPr>
+                <a:normAutofit/>
+              </a:bodyPr>
               <a:lstStyle/>
               <a:p>
                 <a:pPr marL="0" indent="0">
                   <a:buNone/>
                 </a:pPr>
+                <a:r>
+                  <a:rPr lang="en-AU" dirty="0"/>
+                  <a:t>Since </a:t>
+                </a:r>
                 <a14:m>
-                  <m:oMathPara xmlns:m="http://schemas.openxmlformats.org/officeDocument/2006/math">
-                    <m:oMathParaPr>
-                      <m:jc m:val="centerGroup"/>
-                    </m:oMathParaPr>
-                    <m:oMath xmlns:m="http://schemas.openxmlformats.org/officeDocument/2006/math">
-                      <m:r>
-                        <a:rPr lang="en-AU" b="0" i="1" smtClean="0">
-                          <a:latin typeface="Cambria Math" panose="02040503050406030204" pitchFamily="18" charset="0"/>
-                        </a:rPr>
-                        <m:t>𝐴</m:t>
-                      </m:r>
-                      <m:r>
-                        <a:rPr lang="en-AU" b="0" i="1" smtClean="0">
-                          <a:latin typeface="Cambria Math" panose="02040503050406030204" pitchFamily="18" charset="0"/>
-                        </a:rPr>
-                        <m:t>⊕</m:t>
-                      </m:r>
-                      <m:r>
-                        <a:rPr lang="en-AU" b="0" i="1" smtClean="0">
-                          <a:latin typeface="Cambria Math" panose="02040503050406030204" pitchFamily="18" charset="0"/>
-                        </a:rPr>
-                        <m:t>𝐵</m:t>
-                      </m:r>
-                      <m:r>
-                        <a:rPr lang="en-AU" b="0" i="1" smtClean="0">
-                          <a:latin typeface="Cambria Math" panose="02040503050406030204" pitchFamily="18" charset="0"/>
-                        </a:rPr>
-                        <m:t>= </m:t>
-                      </m:r>
-                      <m:m>
-                        <m:mPr>
-                          <m:mcs>
-                            <m:mc>
-                              <m:mcPr>
-                                <m:count m:val="2"/>
-                                <m:mcJc m:val="center"/>
-                              </m:mcPr>
-                            </m:mc>
-                          </m:mcs>
-                          <m:ctrlPr>
-                            <a:rPr lang="en-AU" b="0" i="1" smtClean="0">
-                              <a:latin typeface="Cambria Math" panose="02040503050406030204" pitchFamily="18" charset="0"/>
-                            </a:rPr>
-                          </m:ctrlPr>
-                        </m:mPr>
-                        <m:mr>
-                          <m:e>
-                            <m:r>
-                              <m:rPr>
-                                <m:brk m:alnAt="7"/>
-                              </m:rPr>
-                              <a:rPr lang="en-AU" b="0" i="1" smtClean="0">
-                                <a:latin typeface="Cambria Math" panose="02040503050406030204" pitchFamily="18" charset="0"/>
-                              </a:rPr>
-                              <m:t>𝐴</m:t>
-                            </m:r>
-                          </m:e>
-                          <m:e>
-                            <m:r>
-                              <a:rPr lang="en-AU" b="0" i="1" smtClean="0">
-                                <a:latin typeface="Cambria Math" panose="02040503050406030204" pitchFamily="18" charset="0"/>
-                              </a:rPr>
-                              <m:t>0</m:t>
-                            </m:r>
-                          </m:e>
-                        </m:mr>
-                        <m:mr>
-                          <m:e>
-                            <m:r>
-                              <a:rPr lang="en-AU" b="0" i="1" smtClean="0">
-                                <a:latin typeface="Cambria Math" panose="02040503050406030204" pitchFamily="18" charset="0"/>
-                              </a:rPr>
-                              <m:t>0</m:t>
-                            </m:r>
-                          </m:e>
-                          <m:e>
-                            <m:r>
-                              <a:rPr lang="en-AU" b="0" i="1" smtClean="0">
-                                <a:latin typeface="Cambria Math" panose="02040503050406030204" pitchFamily="18" charset="0"/>
-                              </a:rPr>
-                              <m:t>𝐵</m:t>
-                            </m:r>
-                          </m:e>
-                        </m:mr>
-                      </m:m>
-                    </m:oMath>
-                  </m:oMathPara>
+                  <m:oMath xmlns:m="http://schemas.openxmlformats.org/officeDocument/2006/math">
+                    <m:r>
+                      <a:rPr lang="en-AU" b="0" i="0" smtClean="0">
+                        <a:latin typeface="Cambria Math" panose="02040503050406030204" pitchFamily="18" charset="0"/>
+                      </a:rPr>
+                      <m:t>|</m:t>
+                    </m:r>
+                    <m:sSub>
+                      <m:sSubPr>
+                        <m:ctrlPr>
+                          <a:rPr lang="en-AU" b="0" i="1" smtClean="0">
+                            <a:latin typeface="Cambria Math" panose="02040503050406030204" pitchFamily="18" charset="0"/>
+                          </a:rPr>
+                        </m:ctrlPr>
+                      </m:sSubPr>
+                      <m:e>
+                        <m:r>
+                          <a:rPr lang="en-AU" b="0" i="1" smtClean="0">
+                            <a:latin typeface="Cambria Math" panose="02040503050406030204" pitchFamily="18" charset="0"/>
+                          </a:rPr>
+                          <m:t>𝑇</m:t>
+                        </m:r>
+                      </m:e>
+                      <m:sub>
+                        <m:r>
+                          <a:rPr lang="en-AU" b="0" i="1" smtClean="0">
+                            <a:latin typeface="Cambria Math" panose="02040503050406030204" pitchFamily="18" charset="0"/>
+                          </a:rPr>
+                          <m:t>𝑘</m:t>
+                        </m:r>
+                      </m:sub>
+                    </m:sSub>
+                    <m:d>
+                      <m:dPr>
+                        <m:ctrlPr>
+                          <a:rPr lang="en-AU" b="0" i="1" smtClean="0">
+                            <a:latin typeface="Cambria Math" panose="02040503050406030204" pitchFamily="18" charset="0"/>
+                          </a:rPr>
+                        </m:ctrlPr>
+                      </m:dPr>
+                      <m:e>
+                        <m:r>
+                          <a:rPr lang="en-AU" b="0" i="1" smtClean="0">
+                            <a:latin typeface="Cambria Math" panose="02040503050406030204" pitchFamily="18" charset="0"/>
+                          </a:rPr>
+                          <m:t>𝑥</m:t>
+                        </m:r>
+                      </m:e>
+                    </m:d>
+                    <m:r>
+                      <a:rPr lang="en-AU" b="0" i="1" smtClean="0">
+                        <a:latin typeface="Cambria Math" panose="02040503050406030204" pitchFamily="18" charset="0"/>
+                      </a:rPr>
+                      <m:t>|≤1</m:t>
+                    </m:r>
+                  </m:oMath>
                 </a14:m>
-                <a:endParaRPr lang="en-AU" dirty="0"/>
+                <a:r>
+                  <a:rPr lang="en-AU" dirty="0"/>
+                  <a:t> for </a:t>
+                </a:r>
+                <a14:m>
+                  <m:oMath xmlns:m="http://schemas.openxmlformats.org/officeDocument/2006/math">
+                    <m:d>
+                      <m:dPr>
+                        <m:begChr m:val="|"/>
+                        <m:endChr m:val="|"/>
+                        <m:ctrlPr>
+                          <a:rPr lang="en-AU" b="0" i="1" smtClean="0">
+                            <a:latin typeface="Cambria Math" panose="02040503050406030204" pitchFamily="18" charset="0"/>
+                          </a:rPr>
+                        </m:ctrlPr>
+                      </m:dPr>
+                      <m:e>
+                        <m:r>
+                          <a:rPr lang="en-AU" b="0" i="1" smtClean="0">
+                            <a:latin typeface="Cambria Math" panose="02040503050406030204" pitchFamily="18" charset="0"/>
+                          </a:rPr>
+                          <m:t>𝑥</m:t>
+                        </m:r>
+                      </m:e>
+                    </m:d>
+                    <m:r>
+                      <a:rPr lang="en-AU" b="0" i="1" smtClean="0">
+                        <a:latin typeface="Cambria Math" panose="02040503050406030204" pitchFamily="18" charset="0"/>
+                      </a:rPr>
+                      <m:t>≤1</m:t>
+                    </m:r>
+                  </m:oMath>
+                </a14:m>
+                <a:r>
+                  <a:rPr lang="en-AU" dirty="0"/>
+                  <a:t>, we have that</a:t>
+                </a:r>
               </a:p>
               <a:p>
                 <a:pPr marL="0" indent="0">
@@ -10232,6 +14644,8 @@
                     <m:oMath xmlns:m="http://schemas.openxmlformats.org/officeDocument/2006/math">
                       <m:d>
                         <m:dPr>
+                          <m:begChr m:val="|"/>
+                          <m:endChr m:val="|"/>
                           <m:ctrlPr>
                             <a:rPr lang="en-AU" b="0" i="1" smtClean="0">
                               <a:latin typeface="Cambria Math" panose="02040503050406030204" pitchFamily="18" charset="0"/>
@@ -10239,52 +14653,133 @@
                           </m:ctrlPr>
                         </m:dPr>
                         <m:e>
+                          <m:sSub>
+                            <m:sSubPr>
+                              <m:ctrlPr>
+                                <a:rPr lang="en-AU" i="1">
+                                  <a:latin typeface="Cambria Math" panose="02040503050406030204" pitchFamily="18" charset="0"/>
+                                </a:rPr>
+                              </m:ctrlPr>
+                            </m:sSubPr>
+                            <m:e>
+                              <m:r>
+                                <a:rPr lang="en-AU" i="1">
+                                  <a:latin typeface="Cambria Math" panose="02040503050406030204" pitchFamily="18" charset="0"/>
+                                </a:rPr>
+                                <m:t>𝑇</m:t>
+                              </m:r>
+                            </m:e>
+                            <m:sub>
+                              <m:d>
+                                <m:dPr>
+                                  <m:ctrlPr>
+                                    <a:rPr lang="en-AU" i="1">
+                                      <a:latin typeface="Cambria Math" panose="02040503050406030204" pitchFamily="18" charset="0"/>
+                                    </a:rPr>
+                                  </m:ctrlPr>
+                                </m:dPr>
+                                <m:e>
+                                  <m:r>
+                                    <a:rPr lang="en-AU" i="1">
+                                      <a:latin typeface="Cambria Math" panose="02040503050406030204" pitchFamily="18" charset="0"/>
+                                    </a:rPr>
+                                    <m:t>2</m:t>
+                                  </m:r>
+                                  <m:r>
+                                    <a:rPr lang="en-AU" i="1">
+                                      <a:latin typeface="Cambria Math" panose="02040503050406030204" pitchFamily="18" charset="0"/>
+                                    </a:rPr>
+                                    <m:t>𝑑</m:t>
+                                  </m:r>
+                                  <m:r>
+                                    <a:rPr lang="en-AU" i="1">
+                                      <a:latin typeface="Cambria Math" panose="02040503050406030204" pitchFamily="18" charset="0"/>
+                                    </a:rPr>
+                                    <m:t>+1</m:t>
+                                  </m:r>
+                                </m:e>
+                              </m:d>
+                            </m:sub>
+                          </m:sSub>
+                          <m:d>
+                            <m:dPr>
+                              <m:ctrlPr>
+                                <a:rPr lang="en-AU" i="1">
+                                  <a:latin typeface="Cambria Math" panose="02040503050406030204" pitchFamily="18" charset="0"/>
+                                </a:rPr>
+                              </m:ctrlPr>
+                            </m:dPr>
+                            <m:e>
+                              <m:f>
+                                <m:fPr>
+                                  <m:ctrlPr>
+                                    <a:rPr lang="en-AU" i="1">
+                                      <a:latin typeface="Cambria Math" panose="02040503050406030204" pitchFamily="18" charset="0"/>
+                                    </a:rPr>
+                                  </m:ctrlPr>
+                                </m:fPr>
+                                <m:num>
+                                  <m:r>
+                                    <a:rPr lang="en-AU" i="1">
+                                      <a:latin typeface="Cambria Math" panose="02040503050406030204" pitchFamily="18" charset="0"/>
+                                    </a:rPr>
+                                    <m:t>𝑎</m:t>
+                                  </m:r>
+                                </m:num>
+                                <m:den>
+                                  <m:rad>
+                                    <m:radPr>
+                                      <m:degHide m:val="on"/>
+                                      <m:ctrlPr>
+                                        <a:rPr lang="en-AU" i="1">
+                                          <a:latin typeface="Cambria Math" panose="02040503050406030204" pitchFamily="18" charset="0"/>
+                                        </a:rPr>
+                                      </m:ctrlPr>
+                                    </m:radPr>
+                                    <m:deg/>
+                                    <m:e>
+                                      <m:r>
+                                        <a:rPr lang="en-AU" i="1">
+                                          <a:latin typeface="Cambria Math" panose="02040503050406030204" pitchFamily="18" charset="0"/>
+                                        </a:rPr>
+                                        <m:t>1−</m:t>
+                                      </m:r>
+                                      <m:sSup>
+                                        <m:sSupPr>
+                                          <m:ctrlPr>
+                                            <a:rPr lang="en-AU" i="1">
+                                              <a:latin typeface="Cambria Math" panose="02040503050406030204" pitchFamily="18" charset="0"/>
+                                            </a:rPr>
+                                          </m:ctrlPr>
+                                        </m:sSupPr>
+                                        <m:e>
+                                          <m:r>
+                                            <a:rPr lang="en-AU" i="1">
+                                              <a:latin typeface="Cambria Math" panose="02040503050406030204" pitchFamily="18" charset="0"/>
+                                            </a:rPr>
+                                            <m:t>𝑤</m:t>
+                                          </m:r>
+                                        </m:e>
+                                        <m:sup>
+                                          <m:r>
+                                            <a:rPr lang="en-AU" i="1">
+                                              <a:latin typeface="Cambria Math" panose="02040503050406030204" pitchFamily="18" charset="0"/>
+                                            </a:rPr>
+                                            <m:t>2</m:t>
+                                          </m:r>
+                                        </m:sup>
+                                      </m:sSup>
+                                    </m:e>
+                                  </m:rad>
+                                </m:den>
+                              </m:f>
+                            </m:e>
+                          </m:d>
                           <m:r>
-                            <a:rPr lang="en-AU" b="0" i="1" smtClean="0">
-                              <a:latin typeface="Cambria Math" panose="02040503050406030204" pitchFamily="18" charset="0"/>
-                            </a:rPr>
-                            <m:t>𝐴</m:t>
-                          </m:r>
-                          <m:r>
-                            <a:rPr lang="en-AU" b="0" i="1" smtClean="0">
-                              <a:latin typeface="Cambria Math" panose="02040503050406030204" pitchFamily="18" charset="0"/>
-                            </a:rPr>
-                            <m:t>⊕</m:t>
-                          </m:r>
-                          <m:r>
-                            <a:rPr lang="en-AU" b="0" i="1" smtClean="0">
-                              <a:latin typeface="Cambria Math" panose="02040503050406030204" pitchFamily="18" charset="0"/>
-                            </a:rPr>
-                            <m:t>𝐵</m:t>
-                          </m:r>
-                        </m:e>
-                      </m:d>
-                      <m:d>
-                        <m:dPr>
-                          <m:ctrlPr>
-                            <a:rPr lang="en-AU" b="0" i="1" smtClean="0">
-                              <a:latin typeface="Cambria Math" panose="02040503050406030204" pitchFamily="18" charset="0"/>
-                            </a:rPr>
-                          </m:ctrlPr>
-                        </m:dPr>
-                        <m:e>
-                          <m:r>
-                            <a:rPr lang="en-AU" b="0" i="1" smtClean="0">
-                              <a:latin typeface="Cambria Math" panose="02040503050406030204" pitchFamily="18" charset="0"/>
-                            </a:rPr>
-                            <m:t>𝐶</m:t>
-                          </m:r>
-                          <m:r>
-                            <a:rPr lang="en-AU" b="0" i="1" smtClean="0">
-                              <a:latin typeface="Cambria Math" panose="02040503050406030204" pitchFamily="18" charset="0"/>
-                            </a:rPr>
-                            <m:t>⊕</m:t>
-                          </m:r>
-                          <m:r>
-                            <a:rPr lang="en-AU" b="0" i="1" smtClean="0">
-                              <a:latin typeface="Cambria Math" panose="02040503050406030204" pitchFamily="18" charset="0"/>
-                            </a:rPr>
-                            <m:t>𝐷</m:t>
+                            <a:rPr lang="en-AU" i="1">
+                              <a:latin typeface="Cambria Math" panose="02040503050406030204" pitchFamily="18" charset="0"/>
+                            </a:rPr>
+                            <m:t>𝛿</m:t>
                           </m:r>
                         </m:e>
                       </m:d>
@@ -10292,30 +14787,328 @@
                         <a:rPr lang="en-AU" b="0" i="1" smtClean="0">
                           <a:latin typeface="Cambria Math" panose="02040503050406030204" pitchFamily="18" charset="0"/>
                         </a:rPr>
-                        <m:t>=</m:t>
+                        <m:t>≤</m:t>
                       </m:r>
                       <m:r>
                         <a:rPr lang="en-AU" b="0" i="1" smtClean="0">
                           <a:latin typeface="Cambria Math" panose="02040503050406030204" pitchFamily="18" charset="0"/>
                         </a:rPr>
-                        <m:t>𝐴𝐶</m:t>
-                      </m:r>
-                      <m:r>
-                        <a:rPr lang="en-AU" b="0" i="1" smtClean="0">
-                          <a:latin typeface="Cambria Math" panose="02040503050406030204" pitchFamily="18" charset="0"/>
-                        </a:rPr>
-                        <m:t>⊕</m:t>
-                      </m:r>
-                      <m:r>
-                        <a:rPr lang="en-AU" b="0" i="1" smtClean="0">
-                          <a:latin typeface="Cambria Math" panose="02040503050406030204" pitchFamily="18" charset="0"/>
-                        </a:rPr>
-                        <m:t>𝐵𝐷</m:t>
+                        <m:t>𝛿</m:t>
                       </m:r>
                     </m:oMath>
                   </m:oMathPara>
                 </a14:m>
                 <a:endParaRPr lang="en-AU" dirty="0"/>
+              </a:p>
+              <a:p>
+                <a:pPr marL="0" indent="0">
+                  <a:buNone/>
+                </a:pPr>
+                <a:r>
+                  <a:rPr lang="en-AU" dirty="0"/>
+                  <a:t>And so if </a:t>
+                </a:r>
+                <a14:m>
+                  <m:oMath xmlns:m="http://schemas.openxmlformats.org/officeDocument/2006/math">
+                    <m:d>
+                      <m:dPr>
+                        <m:begChr m:val="|"/>
+                        <m:endChr m:val="⟩"/>
+                        <m:ctrlPr>
+                          <a:rPr lang="en-AU" b="0" i="1" smtClean="0">
+                            <a:latin typeface="Cambria Math" panose="02040503050406030204" pitchFamily="18" charset="0"/>
+                          </a:rPr>
+                        </m:ctrlPr>
+                      </m:dPr>
+                      <m:e>
+                        <m:r>
+                          <a:rPr lang="en-AU" b="0" i="1" smtClean="0">
+                            <a:latin typeface="Cambria Math" panose="02040503050406030204" pitchFamily="18" charset="0"/>
+                          </a:rPr>
+                          <m:t>𝑡</m:t>
+                        </m:r>
+                      </m:e>
+                    </m:d>
+                    <m:r>
+                      <a:rPr lang="en-AU" b="0" i="1" smtClean="0">
+                        <a:latin typeface="Cambria Math" panose="02040503050406030204" pitchFamily="18" charset="0"/>
+                      </a:rPr>
+                      <m:t>=</m:t>
+                    </m:r>
+                    <m:sSup>
+                      <m:sSupPr>
+                        <m:ctrlPr>
+                          <a:rPr lang="en-AU" b="0" i="1" smtClean="0">
+                            <a:latin typeface="Cambria Math" panose="02040503050406030204" pitchFamily="18" charset="0"/>
+                          </a:rPr>
+                        </m:ctrlPr>
+                      </m:sSupPr>
+                      <m:e>
+                        <m:d>
+                          <m:dPr>
+                            <m:ctrlPr>
+                              <a:rPr lang="en-AU" b="0" i="1" smtClean="0">
+                                <a:latin typeface="Cambria Math" panose="02040503050406030204" pitchFamily="18" charset="0"/>
+                              </a:rPr>
+                            </m:ctrlPr>
+                          </m:dPr>
+                          <m:e>
+                            <m:r>
+                              <a:rPr lang="en-AU" b="0" i="1" smtClean="0">
+                                <a:latin typeface="Cambria Math" panose="02040503050406030204" pitchFamily="18" charset="0"/>
+                              </a:rPr>
+                              <m:t>0,1</m:t>
+                            </m:r>
+                          </m:e>
+                        </m:d>
+                      </m:e>
+                      <m:sup>
+                        <m:r>
+                          <a:rPr lang="en-AU" b="0" i="1" smtClean="0">
+                            <a:latin typeface="Cambria Math" panose="02040503050406030204" pitchFamily="18" charset="0"/>
+                          </a:rPr>
+                          <m:t>⊤</m:t>
+                        </m:r>
+                      </m:sup>
+                    </m:sSup>
+                  </m:oMath>
+                </a14:m>
+                <a:r>
+                  <a:rPr lang="en-AU" dirty="0"/>
+                  <a:t> and </a:t>
+                </a:r>
+                <a14:m>
+                  <m:oMath xmlns:m="http://schemas.openxmlformats.org/officeDocument/2006/math">
+                    <m:d>
+                      <m:dPr>
+                        <m:begChr m:val="|"/>
+                        <m:endChr m:val="⟩"/>
+                        <m:ctrlPr>
+                          <a:rPr lang="en-AU" b="0" i="1" smtClean="0">
+                            <a:latin typeface="Cambria Math" panose="02040503050406030204" pitchFamily="18" charset="0"/>
+                          </a:rPr>
+                        </m:ctrlPr>
+                      </m:dPr>
+                      <m:e>
+                        <m:r>
+                          <a:rPr lang="en-AU" b="0" i="1" smtClean="0">
+                            <a:latin typeface="Cambria Math" panose="02040503050406030204" pitchFamily="18" charset="0"/>
+                          </a:rPr>
+                          <m:t>𝑣</m:t>
+                        </m:r>
+                      </m:e>
+                    </m:d>
+                    <m:r>
+                      <a:rPr lang="en-AU" b="0" i="1" smtClean="0">
+                        <a:latin typeface="Cambria Math" panose="02040503050406030204" pitchFamily="18" charset="0"/>
+                      </a:rPr>
+                      <m:t>=</m:t>
+                    </m:r>
+                    <m:sSup>
+                      <m:sSupPr>
+                        <m:ctrlPr>
+                          <a:rPr lang="en-AU" b="0" i="1" smtClean="0">
+                            <a:latin typeface="Cambria Math" panose="02040503050406030204" pitchFamily="18" charset="0"/>
+                          </a:rPr>
+                        </m:ctrlPr>
+                      </m:sSupPr>
+                      <m:e>
+                        <m:d>
+                          <m:dPr>
+                            <m:ctrlPr>
+                              <a:rPr lang="en-AU" b="0" i="1" smtClean="0">
+                                <a:latin typeface="Cambria Math" panose="02040503050406030204" pitchFamily="18" charset="0"/>
+                              </a:rPr>
+                            </m:ctrlPr>
+                          </m:dPr>
+                          <m:e>
+                            <m:r>
+                              <a:rPr lang="en-AU" b="0" i="1" smtClean="0">
+                                <a:latin typeface="Cambria Math" panose="02040503050406030204" pitchFamily="18" charset="0"/>
+                              </a:rPr>
+                              <m:t>1,0</m:t>
+                            </m:r>
+                          </m:e>
+                        </m:d>
+                      </m:e>
+                      <m:sup>
+                        <m:r>
+                          <a:rPr lang="en-AU" b="0" i="1" smtClean="0">
+                            <a:latin typeface="Cambria Math" panose="02040503050406030204" pitchFamily="18" charset="0"/>
+                          </a:rPr>
+                          <m:t>⊤</m:t>
+                        </m:r>
+                      </m:sup>
+                    </m:sSup>
+                  </m:oMath>
+                </a14:m>
+                <a:r>
+                  <a:rPr lang="en-AU" dirty="0"/>
+                  <a:t> then we measure </a:t>
+                </a:r>
+                <a14:m>
+                  <m:oMath xmlns:m="http://schemas.openxmlformats.org/officeDocument/2006/math">
+                    <m:r>
+                      <a:rPr lang="en-AU" b="0" i="1" smtClean="0">
+                        <a:latin typeface="Cambria Math" panose="02040503050406030204" pitchFamily="18" charset="0"/>
+                      </a:rPr>
+                      <m:t>|</m:t>
+                    </m:r>
+                    <m:r>
+                      <a:rPr lang="en-AU" b="0" i="1" smtClean="0">
+                        <a:latin typeface="Cambria Math" panose="02040503050406030204" pitchFamily="18" charset="0"/>
+                      </a:rPr>
+                      <m:t>𝑡</m:t>
+                    </m:r>
+                    <m:r>
+                      <a:rPr lang="en-AU" b="0" i="1" smtClean="0">
+                        <a:latin typeface="Cambria Math" panose="02040503050406030204" pitchFamily="18" charset="0"/>
+                      </a:rPr>
+                      <m:t>⟩</m:t>
+                    </m:r>
+                  </m:oMath>
+                </a14:m>
+                <a:r>
+                  <a:rPr lang="en-AU" dirty="0"/>
+                  <a:t> with probability</a:t>
+                </a:r>
+              </a:p>
+              <a:p>
+                <a:pPr marL="0" indent="0">
+                  <a:buNone/>
+                </a:pPr>
+                <a14:m>
+                  <m:oMathPara xmlns:m="http://schemas.openxmlformats.org/officeDocument/2006/math">
+                    <m:oMathParaPr>
+                      <m:jc m:val="centerGroup"/>
+                    </m:oMathParaPr>
+                    <m:oMath xmlns:m="http://schemas.openxmlformats.org/officeDocument/2006/math">
+                      <m:sSup>
+                        <m:sSupPr>
+                          <m:ctrlPr>
+                            <a:rPr lang="en-AU" b="0" i="1" smtClean="0">
+                              <a:latin typeface="Cambria Math" panose="02040503050406030204" pitchFamily="18" charset="0"/>
+                            </a:rPr>
+                          </m:ctrlPr>
+                        </m:sSupPr>
+                        <m:e>
+                          <m:d>
+                            <m:dPr>
+                              <m:begChr m:val="⟨"/>
+                              <m:endChr m:val="⟩"/>
+                              <m:ctrlPr>
+                                <a:rPr lang="en-AU" b="0" i="1" smtClean="0">
+                                  <a:latin typeface="Cambria Math" panose="02040503050406030204" pitchFamily="18" charset="0"/>
+                                </a:rPr>
+                              </m:ctrlPr>
+                            </m:dPr>
+                            <m:e>
+                              <m:r>
+                                <a:rPr lang="en-AU" b="0" i="1" smtClean="0">
+                                  <a:latin typeface="Cambria Math" panose="02040503050406030204" pitchFamily="18" charset="0"/>
+                                </a:rPr>
+                                <m:t>𝑡</m:t>
+                              </m:r>
+                              <m:d>
+                                <m:dPr>
+                                  <m:begChr m:val="|"/>
+                                  <m:endChr m:val="|"/>
+                                  <m:ctrlPr>
+                                    <a:rPr lang="en-AU" b="0" i="1" smtClean="0">
+                                      <a:latin typeface="Cambria Math" panose="02040503050406030204" pitchFamily="18" charset="0"/>
+                                    </a:rPr>
+                                  </m:ctrlPr>
+                                </m:dPr>
+                                <m:e>
+                                  <m:sSub>
+                                    <m:sSubPr>
+                                      <m:ctrlPr>
+                                        <a:rPr lang="en-AU" b="0" i="1" smtClean="0">
+                                          <a:latin typeface="Cambria Math" panose="02040503050406030204" pitchFamily="18" charset="0"/>
+                                        </a:rPr>
+                                      </m:ctrlPr>
+                                    </m:sSubPr>
+                                    <m:e>
+                                      <m:r>
+                                        <a:rPr lang="en-AU" b="0" i="1" smtClean="0">
+                                          <a:latin typeface="Cambria Math" panose="02040503050406030204" pitchFamily="18" charset="0"/>
+                                        </a:rPr>
+                                        <m:t>𝑈</m:t>
+                                      </m:r>
+                                    </m:e>
+                                    <m:sub>
+                                      <m:r>
+                                        <a:rPr lang="en-AU" b="0" i="1" smtClean="0">
+                                          <a:latin typeface="Cambria Math" panose="02040503050406030204" pitchFamily="18" charset="0"/>
+                                        </a:rPr>
+                                        <m:t>𝜙</m:t>
+                                      </m:r>
+                                    </m:sub>
+                                  </m:sSub>
+                                </m:e>
+                              </m:d>
+                              <m:r>
+                                <a:rPr lang="en-AU" b="0" i="1" smtClean="0">
+                                  <a:latin typeface="Cambria Math" panose="02040503050406030204" pitchFamily="18" charset="0"/>
+                                </a:rPr>
+                                <m:t>𝑣</m:t>
+                              </m:r>
+                            </m:e>
+                          </m:d>
+                        </m:e>
+                        <m:sup>
+                          <m:r>
+                            <a:rPr lang="en-AU" b="0" i="1" smtClean="0">
+                              <a:latin typeface="Cambria Math" panose="02040503050406030204" pitchFamily="18" charset="0"/>
+                            </a:rPr>
+                            <m:t>2</m:t>
+                          </m:r>
+                        </m:sup>
+                      </m:sSup>
+                      <m:r>
+                        <a:rPr lang="en-AU" b="0" i="1" smtClean="0">
+                          <a:latin typeface="Cambria Math" panose="02040503050406030204" pitchFamily="18" charset="0"/>
+                        </a:rPr>
+                        <m:t>≥1−</m:t>
+                      </m:r>
+                      <m:sSup>
+                        <m:sSupPr>
+                          <m:ctrlPr>
+                            <a:rPr lang="en-AU" b="0" i="1" smtClean="0">
+                              <a:latin typeface="Cambria Math" panose="02040503050406030204" pitchFamily="18" charset="0"/>
+                            </a:rPr>
+                          </m:ctrlPr>
+                        </m:sSupPr>
+                        <m:e>
+                          <m:r>
+                            <a:rPr lang="en-AU" b="0" i="1" smtClean="0">
+                              <a:latin typeface="Cambria Math" panose="02040503050406030204" pitchFamily="18" charset="0"/>
+                            </a:rPr>
+                            <m:t>𝛿</m:t>
+                          </m:r>
+                        </m:e>
+                        <m:sup>
+                          <m:r>
+                            <a:rPr lang="en-AU" b="0" i="1" smtClean="0">
+                              <a:latin typeface="Cambria Math" panose="02040503050406030204" pitchFamily="18" charset="0"/>
+                            </a:rPr>
+                            <m:t>2</m:t>
+                          </m:r>
+                        </m:sup>
+                      </m:sSup>
+                    </m:oMath>
+                  </m:oMathPara>
+                </a14:m>
+                <a:endParaRPr lang="en-AU" dirty="0"/>
+              </a:p>
+              <a:p>
+                <a:pPr marL="0" indent="0">
+                  <a:buNone/>
+                </a:pPr>
+                <a:r>
+                  <a:rPr lang="en-AU" dirty="0"/>
+                  <a:t> </a:t>
+                </a:r>
               </a:p>
             </p:txBody>
           </p:sp>
@@ -10326,7 +15119,7 @@
               <p:cNvPr id="3" name="Content Placeholder 2">
                 <a:extLst>
                   <a:ext uri="{FF2B5EF4-FFF2-40B4-BE49-F238E27FC236}">
-                    <a16:creationId xmlns:a16="http://schemas.microsoft.com/office/drawing/2014/main" id="{3CB10342-CF95-8D8C-B759-1FC9DDA868F6}"/>
+                    <a16:creationId xmlns:a16="http://schemas.microsoft.com/office/drawing/2014/main" id="{9C60E02D-D6E4-F018-E9B9-3294539E5615}"/>
                   </a:ext>
                 </a:extLst>
               </p:cNvPr>
@@ -10341,7 +15134,7 @@
               <a:blipFill>
                 <a:blip r:embed="rId2"/>
                 <a:stretch>
-                  <a:fillRect/>
+                  <a:fillRect l="-1217" t="-2381"/>
                 </a:stretch>
               </a:blipFill>
             </p:spPr>
@@ -10363,7 +15156,7 @@
     </p:spTree>
     <p:extLst>
       <p:ext uri="{BB962C8B-B14F-4D97-AF65-F5344CB8AC3E}">
-        <p14:creationId xmlns:p14="http://schemas.microsoft.com/office/powerpoint/2010/main" val="3559990424"/>
+        <p14:creationId xmlns:p14="http://schemas.microsoft.com/office/powerpoint/2010/main" val="2866660738"/>
       </p:ext>
     </p:extLst>
   </p:cSld>
